--- a/Midterm Presentation/MindGames Midterm Demonstration PPT.pptx
+++ b/Midterm Presentation/MindGames Midterm Demonstration PPT.pptx
@@ -1,46 +1,46 @@
 
 <file path=ppt/presentation.xml><?xml version="1.0" encoding="utf-8"?>
-<p:presentation xmlns:a="http://schemas.openxmlformats.org/drawingml/2006/main" xmlns:r="http://schemas.openxmlformats.org/officeDocument/2006/relationships" xmlns:p="http://schemas.openxmlformats.org/presentationml/2006/main" strictFirstAndLastChars="0" embedTrueTypeFonts="1" saveSubsetFonts="1" autoCompressPictures="0">
+<p:presentation xmlns:a="http://schemas.openxmlformats.org/drawingml/2006/main" xmlns:r="http://schemas.openxmlformats.org/officeDocument/2006/relationships" xmlns:mc="http://schemas.openxmlformats.org/markup-compatibility/2006" xmlns:mv="urn:schemas-microsoft-com:mac:vml" xmlns:p="http://schemas.openxmlformats.org/presentationml/2006/main" xmlns:c="http://schemas.openxmlformats.org/drawingml/2006/chart" xmlns:dgm="http://schemas.openxmlformats.org/drawingml/2006/diagram" xmlns:o="urn:schemas-microsoft-com:office:office" xmlns:v="urn:schemas-microsoft-com:vml" xmlns:pvml="urn:schemas-microsoft-com:office:powerpoint" xmlns:com="http://schemas.openxmlformats.org/drawingml/2006/compatibility" xmlns:p14="http://schemas.microsoft.com/office/powerpoint/2010/main" xmlns:p15="http://schemas.microsoft.com/office/powerpoint/2012/main" xmlns:ahyp="http://schemas.microsoft.com/office/drawing/2018/hyperlinkcolor" autoCompressPictures="0" embedTrueTypeFonts="1" strictFirstAndLastChars="0" saveSubsetFonts="1">
   <p:sldMasterIdLst>
-    <p:sldMasterId id="2147483659" r:id="rId1"/>
+    <p:sldMasterId id="2147483659" r:id="rId4"/>
   </p:sldMasterIdLst>
   <p:notesMasterIdLst>
-    <p:notesMasterId r:id="rId16"/>
+    <p:notesMasterId r:id="rId5"/>
   </p:notesMasterIdLst>
   <p:sldIdLst>
-    <p:sldId id="256" r:id="rId2"/>
-    <p:sldId id="257" r:id="rId3"/>
-    <p:sldId id="258" r:id="rId4"/>
-    <p:sldId id="259" r:id="rId5"/>
-    <p:sldId id="260" r:id="rId6"/>
-    <p:sldId id="261" r:id="rId7"/>
-    <p:sldId id="262" r:id="rId8"/>
-    <p:sldId id="263" r:id="rId9"/>
-    <p:sldId id="264" r:id="rId10"/>
-    <p:sldId id="265" r:id="rId11"/>
-    <p:sldId id="266" r:id="rId12"/>
-    <p:sldId id="267" r:id="rId13"/>
-    <p:sldId id="268" r:id="rId14"/>
-    <p:sldId id="269" r:id="rId15"/>
+    <p:sldId id="256" r:id="rId6"/>
+    <p:sldId id="257" r:id="rId7"/>
+    <p:sldId id="258" r:id="rId8"/>
+    <p:sldId id="259" r:id="rId9"/>
+    <p:sldId id="260" r:id="rId10"/>
+    <p:sldId id="261" r:id="rId11"/>
+    <p:sldId id="262" r:id="rId12"/>
+    <p:sldId id="263" r:id="rId13"/>
+    <p:sldId id="264" r:id="rId14"/>
+    <p:sldId id="265" r:id="rId15"/>
+    <p:sldId id="266" r:id="rId16"/>
+    <p:sldId id="267" r:id="rId17"/>
+    <p:sldId id="268" r:id="rId18"/>
+    <p:sldId id="269" r:id="rId19"/>
   </p:sldIdLst>
-  <p:sldSz cx="9144000" cy="5143500" type="screen16x9"/>
+  <p:sldSz cy="5143500" cx="9144000"/>
   <p:notesSz cx="6858000" cy="9144000"/>
   <p:embeddedFontLst>
     <p:embeddedFont>
-      <p:font typeface="Roboto" panose="02000000000000000000" pitchFamily="2" charset="0"/>
-      <p:regular r:id="rId17"/>
-      <p:bold r:id="rId18"/>
-      <p:italic r:id="rId19"/>
-      <p:boldItalic r:id="rId20"/>
+      <p:font typeface="Roboto Slab"/>
+      <p:regular r:id="rId20"/>
+      <p:bold r:id="rId21"/>
     </p:embeddedFont>
     <p:embeddedFont>
-      <p:font typeface="Roboto Slab" panose="020B0604020202020204" charset="0"/>
-      <p:regular r:id="rId21"/>
-      <p:bold r:id="rId22"/>
+      <p:font typeface="Roboto"/>
+      <p:regular r:id="rId22"/>
+      <p:bold r:id="rId23"/>
+      <p:italic r:id="rId24"/>
+      <p:boldItalic r:id="rId25"/>
     </p:embeddedFont>
   </p:embeddedFontLst>
   <p:defaultTextStyle>
-    <a:defPPr marR="0" lvl="0" algn="l" rtl="0">
+    <a:defPPr lvl="0" marR="0" rtl="0" algn="l">
       <a:lnSpc>
         <a:spcPct val="100000"/>
       </a:lnSpc>
@@ -51,7 +51,7 @@
         <a:spcPts val="0"/>
       </a:spcAft>
     </a:defPPr>
-    <a:lvl1pPr marR="0" lvl="0" algn="l" rtl="0">
+    <a:lvl1pPr lvl="0" marR="0" rtl="0" algn="l">
       <a:lnSpc>
         <a:spcPct val="100000"/>
       </a:lnSpc>
@@ -65,7 +65,7 @@
         <a:srgbClr val="000000"/>
       </a:buClr>
       <a:buFont typeface="Arial"/>
-      <a:defRPr sz="1400" b="0" i="0" u="none" strike="noStrike" cap="none">
+      <a:defRPr b="0" i="0" sz="1400" u="none" cap="none" strike="noStrike">
         <a:solidFill>
           <a:srgbClr val="000000"/>
         </a:solidFill>
@@ -75,7 +75,7 @@
         <a:sym typeface="Arial"/>
       </a:defRPr>
     </a:lvl1pPr>
-    <a:lvl2pPr marR="0" lvl="1" algn="l" rtl="0">
+    <a:lvl2pPr lvl="1" marR="0" rtl="0" algn="l">
       <a:lnSpc>
         <a:spcPct val="100000"/>
       </a:lnSpc>
@@ -89,7 +89,7 @@
         <a:srgbClr val="000000"/>
       </a:buClr>
       <a:buFont typeface="Arial"/>
-      <a:defRPr sz="1400" b="0" i="0" u="none" strike="noStrike" cap="none">
+      <a:defRPr b="0" i="0" sz="1400" u="none" cap="none" strike="noStrike">
         <a:solidFill>
           <a:srgbClr val="000000"/>
         </a:solidFill>
@@ -99,7 +99,7 @@
         <a:sym typeface="Arial"/>
       </a:defRPr>
     </a:lvl2pPr>
-    <a:lvl3pPr marR="0" lvl="2" algn="l" rtl="0">
+    <a:lvl3pPr lvl="2" marR="0" rtl="0" algn="l">
       <a:lnSpc>
         <a:spcPct val="100000"/>
       </a:lnSpc>
@@ -113,7 +113,7 @@
         <a:srgbClr val="000000"/>
       </a:buClr>
       <a:buFont typeface="Arial"/>
-      <a:defRPr sz="1400" b="0" i="0" u="none" strike="noStrike" cap="none">
+      <a:defRPr b="0" i="0" sz="1400" u="none" cap="none" strike="noStrike">
         <a:solidFill>
           <a:srgbClr val="000000"/>
         </a:solidFill>
@@ -123,7 +123,7 @@
         <a:sym typeface="Arial"/>
       </a:defRPr>
     </a:lvl3pPr>
-    <a:lvl4pPr marR="0" lvl="3" algn="l" rtl="0">
+    <a:lvl4pPr lvl="3" marR="0" rtl="0" algn="l">
       <a:lnSpc>
         <a:spcPct val="100000"/>
       </a:lnSpc>
@@ -137,7 +137,7 @@
         <a:srgbClr val="000000"/>
       </a:buClr>
       <a:buFont typeface="Arial"/>
-      <a:defRPr sz="1400" b="0" i="0" u="none" strike="noStrike" cap="none">
+      <a:defRPr b="0" i="0" sz="1400" u="none" cap="none" strike="noStrike">
         <a:solidFill>
           <a:srgbClr val="000000"/>
         </a:solidFill>
@@ -147,7 +147,7 @@
         <a:sym typeface="Arial"/>
       </a:defRPr>
     </a:lvl4pPr>
-    <a:lvl5pPr marR="0" lvl="4" algn="l" rtl="0">
+    <a:lvl5pPr lvl="4" marR="0" rtl="0" algn="l">
       <a:lnSpc>
         <a:spcPct val="100000"/>
       </a:lnSpc>
@@ -161,7 +161,7 @@
         <a:srgbClr val="000000"/>
       </a:buClr>
       <a:buFont typeface="Arial"/>
-      <a:defRPr sz="1400" b="0" i="0" u="none" strike="noStrike" cap="none">
+      <a:defRPr b="0" i="0" sz="1400" u="none" cap="none" strike="noStrike">
         <a:solidFill>
           <a:srgbClr val="000000"/>
         </a:solidFill>
@@ -171,7 +171,7 @@
         <a:sym typeface="Arial"/>
       </a:defRPr>
     </a:lvl5pPr>
-    <a:lvl6pPr marR="0" lvl="5" algn="l" rtl="0">
+    <a:lvl6pPr lvl="5" marR="0" rtl="0" algn="l">
       <a:lnSpc>
         <a:spcPct val="100000"/>
       </a:lnSpc>
@@ -185,7 +185,7 @@
         <a:srgbClr val="000000"/>
       </a:buClr>
       <a:buFont typeface="Arial"/>
-      <a:defRPr sz="1400" b="0" i="0" u="none" strike="noStrike" cap="none">
+      <a:defRPr b="0" i="0" sz="1400" u="none" cap="none" strike="noStrike">
         <a:solidFill>
           <a:srgbClr val="000000"/>
         </a:solidFill>
@@ -195,7 +195,7 @@
         <a:sym typeface="Arial"/>
       </a:defRPr>
     </a:lvl6pPr>
-    <a:lvl7pPr marR="0" lvl="6" algn="l" rtl="0">
+    <a:lvl7pPr lvl="6" marR="0" rtl="0" algn="l">
       <a:lnSpc>
         <a:spcPct val="100000"/>
       </a:lnSpc>
@@ -209,7 +209,7 @@
         <a:srgbClr val="000000"/>
       </a:buClr>
       <a:buFont typeface="Arial"/>
-      <a:defRPr sz="1400" b="0" i="0" u="none" strike="noStrike" cap="none">
+      <a:defRPr b="0" i="0" sz="1400" u="none" cap="none" strike="noStrike">
         <a:solidFill>
           <a:srgbClr val="000000"/>
         </a:solidFill>
@@ -219,7 +219,7 @@
         <a:sym typeface="Arial"/>
       </a:defRPr>
     </a:lvl7pPr>
-    <a:lvl8pPr marR="0" lvl="7" algn="l" rtl="0">
+    <a:lvl8pPr lvl="7" marR="0" rtl="0" algn="l">
       <a:lnSpc>
         <a:spcPct val="100000"/>
       </a:lnSpc>
@@ -233,7 +233,7 @@
         <a:srgbClr val="000000"/>
       </a:buClr>
       <a:buFont typeface="Arial"/>
-      <a:defRPr sz="1400" b="0" i="0" u="none" strike="noStrike" cap="none">
+      <a:defRPr b="0" i="0" sz="1400" u="none" cap="none" strike="noStrike">
         <a:solidFill>
           <a:srgbClr val="000000"/>
         </a:solidFill>
@@ -243,7 +243,7 @@
         <a:sym typeface="Arial"/>
       </a:defRPr>
     </a:lvl8pPr>
-    <a:lvl9pPr marR="0" lvl="8" algn="l" rtl="0">
+    <a:lvl9pPr lvl="8" marR="0" rtl="0" algn="l">
       <a:lnSpc>
         <a:spcPct val="100000"/>
       </a:lnSpc>
@@ -257,7 +257,7 @@
         <a:srgbClr val="000000"/>
       </a:buClr>
       <a:buFont typeface="Arial"/>
-      <a:defRPr sz="1400" b="0" i="0" u="none" strike="noStrike" cap="none">
+      <a:defRPr b="0" i="0" sz="1400" u="none" cap="none" strike="noStrike">
         <a:solidFill>
           <a:srgbClr val="000000"/>
         </a:solidFill>
@@ -270,7 +270,7 @@
   </p:defaultTextStyle>
   <p:extLst>
     <p:ext uri="{EFAFB233-063F-42B5-8137-9DF3F51BA10A}">
-      <p15:sldGuideLst xmlns:p15="http://schemas.microsoft.com/office/powerpoint/2012/main">
+      <p15:sldGuideLst>
         <p15:guide id="1" orient="horz" pos="1620">
           <p15:clr>
             <a:srgbClr val="A4A3A4"/>
@@ -288,16 +288,11 @@
 </file>
 
 <file path=ppt/notesMasters/notesMaster1.xml><?xml version="1.0" encoding="utf-8"?>
-<p:notesMaster xmlns:a="http://schemas.openxmlformats.org/drawingml/2006/main" xmlns:r="http://schemas.openxmlformats.org/officeDocument/2006/relationships" xmlns:p="http://schemas.openxmlformats.org/presentationml/2006/main">
+<p:notesMaster xmlns:a="http://schemas.openxmlformats.org/drawingml/2006/main" xmlns:r="http://schemas.openxmlformats.org/officeDocument/2006/relationships" xmlns:mc="http://schemas.openxmlformats.org/markup-compatibility/2006" xmlns:mv="urn:schemas-microsoft-com:mac:vml" xmlns:p="http://schemas.openxmlformats.org/presentationml/2006/main" xmlns:c="http://schemas.openxmlformats.org/drawingml/2006/chart" xmlns:dgm="http://schemas.openxmlformats.org/drawingml/2006/diagram" xmlns:o="urn:schemas-microsoft-com:office:office" xmlns:v="urn:schemas-microsoft-com:vml" xmlns:pvml="urn:schemas-microsoft-com:office:powerpoint" xmlns:com="http://schemas.openxmlformats.org/drawingml/2006/compatibility" xmlns:p14="http://schemas.microsoft.com/office/powerpoint/2010/main" xmlns:p15="http://schemas.microsoft.com/office/powerpoint/2012/main" xmlns:ahyp="http://schemas.microsoft.com/office/drawing/2018/hyperlinkcolor">
   <p:cSld>
-    <p:bg>
-      <p:bgRef idx="1001">
-        <a:schemeClr val="bg1"/>
-      </p:bgRef>
-    </p:bg>
     <p:spTree>
       <p:nvGrpSpPr>
-        <p:cNvPr id="1" name="Shape 2"/>
+        <p:cNvPr id="2" name="Shape 2"/>
         <p:cNvGrpSpPr/>
         <p:nvPr/>
       </p:nvGrpSpPr>
@@ -312,11 +307,9 @@
       <p:sp>
         <p:nvSpPr>
           <p:cNvPr id="3" name="Google Shape;3;n"/>
-          <p:cNvSpPr>
-            <a:spLocks noGrp="1" noRot="1" noChangeAspect="1"/>
-          </p:cNvSpPr>
+          <p:cNvSpPr/>
           <p:nvPr>
-            <p:ph type="sldImg" idx="2"/>
+            <p:ph idx="2" type="sldImg"/>
           </p:nvPr>
         </p:nvSpPr>
         <p:spPr>
@@ -325,13 +318,9 @@
             <a:ext cx="6096075" cy="3429000"/>
           </a:xfrm>
           <a:custGeom>
-            <a:avLst/>
-            <a:gdLst/>
-            <a:ahLst/>
-            <a:cxnLst/>
-            <a:rect l="l" t="t" r="r" b="b"/>
+            <a:rect b="b" l="l" r="r" t="t"/>
             <a:pathLst>
-              <a:path w="120000" h="120000" extrusionOk="0">
+              <a:path extrusionOk="0" h="120000" w="120000">
                 <a:moveTo>
                   <a:pt x="0" y="0"/>
                 </a:moveTo>
@@ -349,25 +338,23 @@
             </a:pathLst>
           </a:custGeom>
           <a:noFill/>
-          <a:ln w="9525" cap="flat" cmpd="sng">
+          <a:ln cap="flat" cmpd="sng" w="9525">
             <a:solidFill>
               <a:srgbClr val="000000"/>
             </a:solidFill>
             <a:prstDash val="solid"/>
             <a:round/>
-            <a:headEnd type="none" w="sm" len="sm"/>
-            <a:tailEnd type="none" w="sm" len="sm"/>
+            <a:headEnd len="sm" w="sm" type="none"/>
+            <a:tailEnd len="sm" w="sm" type="none"/>
           </a:ln>
         </p:spPr>
       </p:sp>
       <p:sp>
         <p:nvSpPr>
           <p:cNvPr id="4" name="Google Shape;4;n"/>
-          <p:cNvSpPr txBox="1">
-            <a:spLocks noGrp="1"/>
-          </p:cNvSpPr>
+          <p:cNvSpPr txBox="1"/>
           <p:nvPr>
-            <p:ph type="body" idx="1"/>
+            <p:ph idx="1" type="body"/>
           </p:nvPr>
         </p:nvSpPr>
         <p:spPr>
@@ -384,11 +371,11 @@
           </a:ln>
         </p:spPr>
         <p:txBody>
-          <a:bodyPr spcFirstLastPara="1" wrap="square" lIns="91425" tIns="91425" rIns="91425" bIns="91425" anchor="t" anchorCtr="0">
+          <a:bodyPr anchorCtr="0" anchor="t" bIns="91425" lIns="91425" spcFirstLastPara="1" rIns="91425" wrap="square" tIns="91425">
             <a:noAutofit/>
           </a:bodyPr>
           <a:lstStyle>
-            <a:lvl1pPr marL="457200" lvl="0" indent="-298450">
+            <a:lvl1pPr indent="-298450" lvl="0" marL="457200">
               <a:spcBef>
                 <a:spcPts val="0"/>
               </a:spcBef>
@@ -399,7 +386,7 @@
               <a:buChar char="●"/>
               <a:defRPr sz="1100"/>
             </a:lvl1pPr>
-            <a:lvl2pPr marL="914400" lvl="1" indent="-298450">
+            <a:lvl2pPr indent="-298450" lvl="1" marL="914400">
               <a:spcBef>
                 <a:spcPts val="0"/>
               </a:spcBef>
@@ -410,7 +397,7 @@
               <a:buChar char="○"/>
               <a:defRPr sz="1100"/>
             </a:lvl2pPr>
-            <a:lvl3pPr marL="1371600" lvl="2" indent="-298450">
+            <a:lvl3pPr indent="-298450" lvl="2" marL="1371600">
               <a:spcBef>
                 <a:spcPts val="0"/>
               </a:spcBef>
@@ -421,7 +408,7 @@
               <a:buChar char="■"/>
               <a:defRPr sz="1100"/>
             </a:lvl3pPr>
-            <a:lvl4pPr marL="1828800" lvl="3" indent="-298450">
+            <a:lvl4pPr indent="-298450" lvl="3" marL="1828800">
               <a:spcBef>
                 <a:spcPts val="0"/>
               </a:spcBef>
@@ -432,7 +419,7 @@
               <a:buChar char="●"/>
               <a:defRPr sz="1100"/>
             </a:lvl4pPr>
-            <a:lvl5pPr marL="2286000" lvl="4" indent="-298450">
+            <a:lvl5pPr indent="-298450" lvl="4" marL="2286000">
               <a:spcBef>
                 <a:spcPts val="0"/>
               </a:spcBef>
@@ -443,7 +430,7 @@
               <a:buChar char="○"/>
               <a:defRPr sz="1100"/>
             </a:lvl5pPr>
-            <a:lvl6pPr marL="2743200" lvl="5" indent="-298450">
+            <a:lvl6pPr indent="-298450" lvl="5" marL="2743200">
               <a:spcBef>
                 <a:spcPts val="0"/>
               </a:spcBef>
@@ -454,7 +441,7 @@
               <a:buChar char="■"/>
               <a:defRPr sz="1100"/>
             </a:lvl6pPr>
-            <a:lvl7pPr marL="3200400" lvl="6" indent="-298450">
+            <a:lvl7pPr indent="-298450" lvl="6" marL="3200400">
               <a:spcBef>
                 <a:spcPts val="0"/>
               </a:spcBef>
@@ -465,7 +452,7 @@
               <a:buChar char="●"/>
               <a:defRPr sz="1100"/>
             </a:lvl7pPr>
-            <a:lvl8pPr marL="3657600" lvl="7" indent="-298450">
+            <a:lvl8pPr indent="-298450" lvl="7" marL="3657600">
               <a:spcBef>
                 <a:spcPts val="0"/>
               </a:spcBef>
@@ -476,7 +463,7 @@
               <a:buChar char="○"/>
               <a:defRPr sz="1100"/>
             </a:lvl8pPr>
-            <a:lvl9pPr marL="4114800" lvl="8" indent="-298450">
+            <a:lvl9pPr indent="-298450" lvl="8" marL="4114800">
               <a:spcBef>
                 <a:spcPts val="0"/>
               </a:spcBef>
@@ -488,16 +475,14 @@
               <a:defRPr sz="1100"/>
             </a:lvl9pPr>
           </a:lstStyle>
-          <a:p>
-            <a:endParaRPr/>
-          </a:p>
+          <a:p/>
         </p:txBody>
       </p:sp>
     </p:spTree>
   </p:cSld>
-  <p:clrMap bg1="lt1" tx1="dk1" bg2="dk2" tx2="lt2" accent1="accent1" accent2="accent2" accent3="accent3" accent4="accent4" accent5="accent5" accent6="accent6" hlink="hlink" folHlink="folHlink"/>
+  <p:clrMap accent1="accent1" accent2="accent2" accent3="accent3" accent4="accent4" accent5="accent5" accent6="accent6" bg1="lt1" bg2="dk2" tx1="dk1" tx2="lt2" folHlink="folHlink" hlink="hlink"/>
   <p:notesStyle>
-    <a:defPPr marR="0" lvl="0" algn="l" rtl="0">
+    <a:defPPr lvl="0" marR="0" rtl="0" algn="l">
       <a:lnSpc>
         <a:spcPct val="100000"/>
       </a:lnSpc>
@@ -508,7 +493,7 @@
         <a:spcPts val="0"/>
       </a:spcAft>
     </a:defPPr>
-    <a:lvl1pPr marR="0" lvl="0" algn="l" rtl="0">
+    <a:lvl1pPr lvl="0" marR="0" rtl="0" algn="l">
       <a:lnSpc>
         <a:spcPct val="100000"/>
       </a:lnSpc>
@@ -522,7 +507,7 @@
         <a:srgbClr val="000000"/>
       </a:buClr>
       <a:buFont typeface="Arial"/>
-      <a:defRPr sz="1400" b="0" i="0" u="none" strike="noStrike" cap="none">
+      <a:defRPr b="0" i="0" sz="1400" u="none" cap="none" strike="noStrike">
         <a:solidFill>
           <a:srgbClr val="000000"/>
         </a:solidFill>
@@ -532,7 +517,7 @@
         <a:sym typeface="Arial"/>
       </a:defRPr>
     </a:lvl1pPr>
-    <a:lvl2pPr marR="0" lvl="1" algn="l" rtl="0">
+    <a:lvl2pPr lvl="1" marR="0" rtl="0" algn="l">
       <a:lnSpc>
         <a:spcPct val="100000"/>
       </a:lnSpc>
@@ -546,7 +531,7 @@
         <a:srgbClr val="000000"/>
       </a:buClr>
       <a:buFont typeface="Arial"/>
-      <a:defRPr sz="1400" b="0" i="0" u="none" strike="noStrike" cap="none">
+      <a:defRPr b="0" i="0" sz="1400" u="none" cap="none" strike="noStrike">
         <a:solidFill>
           <a:srgbClr val="000000"/>
         </a:solidFill>
@@ -556,7 +541,7 @@
         <a:sym typeface="Arial"/>
       </a:defRPr>
     </a:lvl2pPr>
-    <a:lvl3pPr marR="0" lvl="2" algn="l" rtl="0">
+    <a:lvl3pPr lvl="2" marR="0" rtl="0" algn="l">
       <a:lnSpc>
         <a:spcPct val="100000"/>
       </a:lnSpc>
@@ -570,7 +555,7 @@
         <a:srgbClr val="000000"/>
       </a:buClr>
       <a:buFont typeface="Arial"/>
-      <a:defRPr sz="1400" b="0" i="0" u="none" strike="noStrike" cap="none">
+      <a:defRPr b="0" i="0" sz="1400" u="none" cap="none" strike="noStrike">
         <a:solidFill>
           <a:srgbClr val="000000"/>
         </a:solidFill>
@@ -580,7 +565,7 @@
         <a:sym typeface="Arial"/>
       </a:defRPr>
     </a:lvl3pPr>
-    <a:lvl4pPr marR="0" lvl="3" algn="l" rtl="0">
+    <a:lvl4pPr lvl="3" marR="0" rtl="0" algn="l">
       <a:lnSpc>
         <a:spcPct val="100000"/>
       </a:lnSpc>
@@ -594,7 +579,7 @@
         <a:srgbClr val="000000"/>
       </a:buClr>
       <a:buFont typeface="Arial"/>
-      <a:defRPr sz="1400" b="0" i="0" u="none" strike="noStrike" cap="none">
+      <a:defRPr b="0" i="0" sz="1400" u="none" cap="none" strike="noStrike">
         <a:solidFill>
           <a:srgbClr val="000000"/>
         </a:solidFill>
@@ -604,7 +589,7 @@
         <a:sym typeface="Arial"/>
       </a:defRPr>
     </a:lvl4pPr>
-    <a:lvl5pPr marR="0" lvl="4" algn="l" rtl="0">
+    <a:lvl5pPr lvl="4" marR="0" rtl="0" algn="l">
       <a:lnSpc>
         <a:spcPct val="100000"/>
       </a:lnSpc>
@@ -618,7 +603,7 @@
         <a:srgbClr val="000000"/>
       </a:buClr>
       <a:buFont typeface="Arial"/>
-      <a:defRPr sz="1400" b="0" i="0" u="none" strike="noStrike" cap="none">
+      <a:defRPr b="0" i="0" sz="1400" u="none" cap="none" strike="noStrike">
         <a:solidFill>
           <a:srgbClr val="000000"/>
         </a:solidFill>
@@ -628,7 +613,7 @@
         <a:sym typeface="Arial"/>
       </a:defRPr>
     </a:lvl5pPr>
-    <a:lvl6pPr marR="0" lvl="5" algn="l" rtl="0">
+    <a:lvl6pPr lvl="5" marR="0" rtl="0" algn="l">
       <a:lnSpc>
         <a:spcPct val="100000"/>
       </a:lnSpc>
@@ -642,7 +627,7 @@
         <a:srgbClr val="000000"/>
       </a:buClr>
       <a:buFont typeface="Arial"/>
-      <a:defRPr sz="1400" b="0" i="0" u="none" strike="noStrike" cap="none">
+      <a:defRPr b="0" i="0" sz="1400" u="none" cap="none" strike="noStrike">
         <a:solidFill>
           <a:srgbClr val="000000"/>
         </a:solidFill>
@@ -652,7 +637,7 @@
         <a:sym typeface="Arial"/>
       </a:defRPr>
     </a:lvl6pPr>
-    <a:lvl7pPr marR="0" lvl="6" algn="l" rtl="0">
+    <a:lvl7pPr lvl="6" marR="0" rtl="0" algn="l">
       <a:lnSpc>
         <a:spcPct val="100000"/>
       </a:lnSpc>
@@ -666,7 +651,7 @@
         <a:srgbClr val="000000"/>
       </a:buClr>
       <a:buFont typeface="Arial"/>
-      <a:defRPr sz="1400" b="0" i="0" u="none" strike="noStrike" cap="none">
+      <a:defRPr b="0" i="0" sz="1400" u="none" cap="none" strike="noStrike">
         <a:solidFill>
           <a:srgbClr val="000000"/>
         </a:solidFill>
@@ -676,7 +661,7 @@
         <a:sym typeface="Arial"/>
       </a:defRPr>
     </a:lvl7pPr>
-    <a:lvl8pPr marR="0" lvl="7" algn="l" rtl="0">
+    <a:lvl8pPr lvl="7" marR="0" rtl="0" algn="l">
       <a:lnSpc>
         <a:spcPct val="100000"/>
       </a:lnSpc>
@@ -690,7 +675,7 @@
         <a:srgbClr val="000000"/>
       </a:buClr>
       <a:buFont typeface="Arial"/>
-      <a:defRPr sz="1400" b="0" i="0" u="none" strike="noStrike" cap="none">
+      <a:defRPr b="0" i="0" sz="1400" u="none" cap="none" strike="noStrike">
         <a:solidFill>
           <a:srgbClr val="000000"/>
         </a:solidFill>
@@ -700,7 +685,7 @@
         <a:sym typeface="Arial"/>
       </a:defRPr>
     </a:lvl8pPr>
-    <a:lvl9pPr marR="0" lvl="8" algn="l" rtl="0">
+    <a:lvl9pPr lvl="8" marR="0" rtl="0" algn="l">
       <a:lnSpc>
         <a:spcPct val="100000"/>
       </a:lnSpc>
@@ -714,7 +699,7 @@
         <a:srgbClr val="000000"/>
       </a:buClr>
       <a:buFont typeface="Arial"/>
-      <a:defRPr sz="1400" b="0" i="0" u="none" strike="noStrike" cap="none">
+      <a:defRPr b="0" i="0" sz="1400" u="none" cap="none" strike="noStrike">
         <a:solidFill>
           <a:srgbClr val="000000"/>
         </a:solidFill>
@@ -729,11 +714,11 @@
 </file>
 
 <file path=ppt/notesSlides/notesSlide1.xml><?xml version="1.0" encoding="utf-8"?>
-<p:notes xmlns:a="http://schemas.openxmlformats.org/drawingml/2006/main" xmlns:r="http://schemas.openxmlformats.org/officeDocument/2006/relationships" xmlns:p="http://schemas.openxmlformats.org/presentationml/2006/main" showMasterSp="0" showMasterPhAnim="0">
+<p:notes xmlns:a="http://schemas.openxmlformats.org/drawingml/2006/main" xmlns:r="http://schemas.openxmlformats.org/officeDocument/2006/relationships" xmlns:mc="http://schemas.openxmlformats.org/markup-compatibility/2006" xmlns:mv="urn:schemas-microsoft-com:mac:vml" xmlns:p="http://schemas.openxmlformats.org/presentationml/2006/main" xmlns:c="http://schemas.openxmlformats.org/drawingml/2006/chart" xmlns:dgm="http://schemas.openxmlformats.org/drawingml/2006/diagram" xmlns:o="urn:schemas-microsoft-com:office:office" xmlns:v="urn:schemas-microsoft-com:vml" xmlns:pvml="urn:schemas-microsoft-com:office:powerpoint" xmlns:com="http://schemas.openxmlformats.org/drawingml/2006/compatibility" xmlns:p14="http://schemas.microsoft.com/office/powerpoint/2010/main" xmlns:p15="http://schemas.microsoft.com/office/powerpoint/2012/main" xmlns:ahyp="http://schemas.microsoft.com/office/drawing/2018/hyperlinkcolor" showMasterPhAnim="0" showMasterSp="0">
   <p:cSld>
     <p:spTree>
       <p:nvGrpSpPr>
-        <p:cNvPr id="1" name="Shape 59"/>
+        <p:cNvPr id="59" name="Shape 59"/>
         <p:cNvGrpSpPr/>
         <p:nvPr/>
       </p:nvGrpSpPr>
@@ -748,11 +733,9 @@
       <p:sp>
         <p:nvSpPr>
           <p:cNvPr id="60" name="Google Shape;60;p:notes"/>
-          <p:cNvSpPr>
-            <a:spLocks noGrp="1" noRot="1" noChangeAspect="1"/>
-          </p:cNvSpPr>
+          <p:cNvSpPr/>
           <p:nvPr>
-            <p:ph type="sldImg" idx="2"/>
+            <p:ph idx="2" type="sldImg"/>
           </p:nvPr>
         </p:nvSpPr>
         <p:spPr>
@@ -761,13 +744,9 @@
             <a:ext cx="6096075" cy="3429000"/>
           </a:xfrm>
           <a:custGeom>
-            <a:avLst/>
-            <a:gdLst/>
-            <a:ahLst/>
-            <a:cxnLst/>
-            <a:rect l="l" t="t" r="r" b="b"/>
+            <a:rect b="b" l="l" r="r" t="t"/>
             <a:pathLst>
-              <a:path w="120000" h="120000" extrusionOk="0">
+              <a:path extrusionOk="0" h="120000" w="120000">
                 <a:moveTo>
                   <a:pt x="0" y="0"/>
                 </a:moveTo>
@@ -789,11 +768,9 @@
       <p:sp>
         <p:nvSpPr>
           <p:cNvPr id="61" name="Google Shape;61;p:notes"/>
-          <p:cNvSpPr txBox="1">
-            <a:spLocks noGrp="1"/>
-          </p:cNvSpPr>
+          <p:cNvSpPr txBox="1"/>
           <p:nvPr>
-            <p:ph type="body" idx="1"/>
+            <p:ph idx="1" type="body"/>
           </p:nvPr>
         </p:nvSpPr>
         <p:spPr>
@@ -806,12 +783,12 @@
           </a:prstGeom>
         </p:spPr>
         <p:txBody>
-          <a:bodyPr spcFirstLastPara="1" wrap="square" lIns="91425" tIns="91425" rIns="91425" bIns="91425" anchor="t" anchorCtr="0">
+          <a:bodyPr anchorCtr="0" anchor="t" bIns="91425" lIns="91425" spcFirstLastPara="1" rIns="91425" wrap="square" tIns="91425">
             <a:noAutofit/>
           </a:bodyPr>
           <a:lstStyle/>
           <a:p>
-            <a:pPr marL="0" lvl="0" indent="0" algn="l" rtl="0">
+            <a:pPr indent="0" lvl="0" marL="0" rtl="0" algn="l">
               <a:spcBef>
                 <a:spcPts val="0"/>
               </a:spcBef>
@@ -837,11 +814,11 @@
 </file>
 
 <file path=ppt/notesSlides/notesSlide10.xml><?xml version="1.0" encoding="utf-8"?>
-<p:notes xmlns:a="http://schemas.openxmlformats.org/drawingml/2006/main" xmlns:r="http://schemas.openxmlformats.org/officeDocument/2006/relationships" xmlns:p="http://schemas.openxmlformats.org/presentationml/2006/main" showMasterSp="0" showMasterPhAnim="0">
+<p:notes xmlns:a="http://schemas.openxmlformats.org/drawingml/2006/main" xmlns:r="http://schemas.openxmlformats.org/officeDocument/2006/relationships" xmlns:mc="http://schemas.openxmlformats.org/markup-compatibility/2006" xmlns:mv="urn:schemas-microsoft-com:mac:vml" xmlns:p="http://schemas.openxmlformats.org/presentationml/2006/main" xmlns:c="http://schemas.openxmlformats.org/drawingml/2006/chart" xmlns:dgm="http://schemas.openxmlformats.org/drawingml/2006/diagram" xmlns:o="urn:schemas-microsoft-com:office:office" xmlns:v="urn:schemas-microsoft-com:vml" xmlns:pvml="urn:schemas-microsoft-com:office:powerpoint" xmlns:com="http://schemas.openxmlformats.org/drawingml/2006/compatibility" xmlns:p14="http://schemas.microsoft.com/office/powerpoint/2010/main" xmlns:p15="http://schemas.microsoft.com/office/powerpoint/2012/main" xmlns:ahyp="http://schemas.microsoft.com/office/drawing/2018/hyperlinkcolor" showMasterPhAnim="0" showMasterSp="0">
   <p:cSld>
     <p:spTree>
       <p:nvGrpSpPr>
-        <p:cNvPr id="1" name="Shape 113"/>
+        <p:cNvPr id="115" name="Shape 115"/>
         <p:cNvGrpSpPr/>
         <p:nvPr/>
       </p:nvGrpSpPr>
@@ -855,12 +832,10 @@
       </p:grpSpPr>
       <p:sp>
         <p:nvSpPr>
-          <p:cNvPr id="114" name="Google Shape;114;g122d9a2b77e_0_104:notes"/>
-          <p:cNvSpPr>
-            <a:spLocks noGrp="1" noRot="1" noChangeAspect="1"/>
-          </p:cNvSpPr>
+          <p:cNvPr id="116" name="Google Shape;116;g122d9a2b77e_0_109:notes"/>
+          <p:cNvSpPr/>
           <p:nvPr>
-            <p:ph type="sldImg" idx="2"/>
+            <p:ph idx="2" type="sldImg"/>
           </p:nvPr>
         </p:nvSpPr>
         <p:spPr>
@@ -869,13 +844,9 @@
             <a:ext cx="6096000" cy="3429000"/>
           </a:xfrm>
           <a:custGeom>
-            <a:avLst/>
-            <a:gdLst/>
-            <a:ahLst/>
-            <a:cxnLst/>
-            <a:rect l="l" t="t" r="r" b="b"/>
+            <a:rect b="b" l="l" r="r" t="t"/>
             <a:pathLst>
-              <a:path w="120000" h="120000" extrusionOk="0">
+              <a:path extrusionOk="0" h="120000" w="120000">
                 <a:moveTo>
                   <a:pt x="0" y="0"/>
                 </a:moveTo>
@@ -896,12 +867,10 @@
       </p:sp>
       <p:sp>
         <p:nvSpPr>
-          <p:cNvPr id="115" name="Google Shape;115;g122d9a2b77e_0_104:notes"/>
-          <p:cNvSpPr txBox="1">
-            <a:spLocks noGrp="1"/>
-          </p:cNvSpPr>
+          <p:cNvPr id="117" name="Google Shape;117;g122d9a2b77e_0_109:notes"/>
+          <p:cNvSpPr txBox="1"/>
           <p:nvPr>
-            <p:ph type="body" idx="1"/>
+            <p:ph idx="1" type="body"/>
           </p:nvPr>
         </p:nvSpPr>
         <p:spPr>
@@ -914,12 +883,12 @@
           </a:prstGeom>
         </p:spPr>
         <p:txBody>
-          <a:bodyPr spcFirstLastPara="1" wrap="square" lIns="91425" tIns="91425" rIns="91425" bIns="91425" anchor="t" anchorCtr="0">
+          <a:bodyPr anchorCtr="0" anchor="t" bIns="91425" lIns="91425" spcFirstLastPara="1" rIns="91425" wrap="square" tIns="91425">
             <a:noAutofit/>
           </a:bodyPr>
           <a:lstStyle/>
           <a:p>
-            <a:pPr marL="0" lvl="0" indent="0" algn="l" rtl="0">
+            <a:pPr indent="0" lvl="0" marL="0" rtl="0" algn="l">
               <a:spcBef>
                 <a:spcPts val="0"/>
               </a:spcBef>
@@ -930,7 +899,7 @@
             </a:pPr>
             <a:r>
               <a:rPr lang="en"/>
-              <a:t>Generally not a high degree of certainty even with just choosing between 2 instructions (all mental commands no movements)</a:t>
+              <a:t>(add image of histogram with possible actions)</a:t>
             </a:r>
             <a:endParaRPr/>
           </a:p>
@@ -945,11 +914,11 @@
 </file>
 
 <file path=ppt/notesSlides/notesSlide11.xml><?xml version="1.0" encoding="utf-8"?>
-<p:notes xmlns:a="http://schemas.openxmlformats.org/drawingml/2006/main" xmlns:r="http://schemas.openxmlformats.org/officeDocument/2006/relationships" xmlns:p="http://schemas.openxmlformats.org/presentationml/2006/main" showMasterSp="0" showMasterPhAnim="0">
+<p:notes xmlns:a="http://schemas.openxmlformats.org/drawingml/2006/main" xmlns:r="http://schemas.openxmlformats.org/officeDocument/2006/relationships" xmlns:mc="http://schemas.openxmlformats.org/markup-compatibility/2006" xmlns:mv="urn:schemas-microsoft-com:mac:vml" xmlns:p="http://schemas.openxmlformats.org/presentationml/2006/main" xmlns:c="http://schemas.openxmlformats.org/drawingml/2006/chart" xmlns:dgm="http://schemas.openxmlformats.org/drawingml/2006/diagram" xmlns:o="urn:schemas-microsoft-com:office:office" xmlns:v="urn:schemas-microsoft-com:vml" xmlns:pvml="urn:schemas-microsoft-com:office:powerpoint" xmlns:com="http://schemas.openxmlformats.org/drawingml/2006/compatibility" xmlns:p14="http://schemas.microsoft.com/office/powerpoint/2010/main" xmlns:p15="http://schemas.microsoft.com/office/powerpoint/2012/main" xmlns:ahyp="http://schemas.microsoft.com/office/drawing/2018/hyperlinkcolor" showMasterPhAnim="0" showMasterSp="0">
   <p:cSld>
     <p:spTree>
       <p:nvGrpSpPr>
-        <p:cNvPr id="1" name="Shape 120"/>
+        <p:cNvPr id="122" name="Shape 122"/>
         <p:cNvGrpSpPr/>
         <p:nvPr/>
       </p:nvGrpSpPr>
@@ -963,12 +932,10 @@
       </p:grpSpPr>
       <p:sp>
         <p:nvSpPr>
-          <p:cNvPr id="121" name="Google Shape;121;g122d9a2b77e_0_109:notes"/>
-          <p:cNvSpPr>
-            <a:spLocks noGrp="1" noRot="1" noChangeAspect="1"/>
-          </p:cNvSpPr>
+          <p:cNvPr id="123" name="Google Shape;123;g122d9a2b77e_0_114:notes"/>
+          <p:cNvSpPr/>
           <p:nvPr>
-            <p:ph type="sldImg" idx="2"/>
+            <p:ph idx="2" type="sldImg"/>
           </p:nvPr>
         </p:nvSpPr>
         <p:spPr>
@@ -977,13 +944,9 @@
             <a:ext cx="6096000" cy="3429000"/>
           </a:xfrm>
           <a:custGeom>
-            <a:avLst/>
-            <a:gdLst/>
-            <a:ahLst/>
-            <a:cxnLst/>
-            <a:rect l="l" t="t" r="r" b="b"/>
+            <a:rect b="b" l="l" r="r" t="t"/>
             <a:pathLst>
-              <a:path w="120000" h="120000" extrusionOk="0">
+              <a:path extrusionOk="0" h="120000" w="120000">
                 <a:moveTo>
                   <a:pt x="0" y="0"/>
                 </a:moveTo>
@@ -1004,12 +967,10 @@
       </p:sp>
       <p:sp>
         <p:nvSpPr>
-          <p:cNvPr id="122" name="Google Shape;122;g122d9a2b77e_0_109:notes"/>
-          <p:cNvSpPr txBox="1">
-            <a:spLocks noGrp="1"/>
-          </p:cNvSpPr>
+          <p:cNvPr id="124" name="Google Shape;124;g122d9a2b77e_0_114:notes"/>
+          <p:cNvSpPr txBox="1"/>
           <p:nvPr>
-            <p:ph type="body" idx="1"/>
+            <p:ph idx="1" type="body"/>
           </p:nvPr>
         </p:nvSpPr>
         <p:spPr>
@@ -1022,12 +983,12 @@
           </a:prstGeom>
         </p:spPr>
         <p:txBody>
-          <a:bodyPr spcFirstLastPara="1" wrap="square" lIns="91425" tIns="91425" rIns="91425" bIns="91425" anchor="t" anchorCtr="0">
+          <a:bodyPr anchorCtr="0" anchor="t" bIns="91425" lIns="91425" spcFirstLastPara="1" rIns="91425" wrap="square" tIns="91425">
             <a:noAutofit/>
           </a:bodyPr>
           <a:lstStyle/>
           <a:p>
-            <a:pPr marL="0" lvl="0" indent="0" algn="l" rtl="0">
+            <a:pPr indent="0" lvl="0" marL="0" rtl="0" algn="l">
               <a:spcBef>
                 <a:spcPts val="0"/>
               </a:spcBef>
@@ -1037,8 +998,39 @@
               <a:buNone/>
             </a:pPr>
             <a:r>
-              <a:rPr lang="en"/>
-              <a:t>(add image of histogram with possible actions)</a:t>
+              <a:rPr lang="en">
+                <a:solidFill>
+                  <a:schemeClr val="dk1"/>
+                </a:solidFill>
+                <a:latin typeface="Calibri"/>
+                <a:ea typeface="Calibri"/>
+                <a:cs typeface="Calibri"/>
+                <a:sym typeface="Calibri"/>
+              </a:rPr>
+              <a:t>Have a table with the team members, roles (who did what) Jack- 20 hours Liason and Organizationally Focused, Brandon- 35 hours Coding Lead, Walid- 20 hours Theory/Research Lead and hours spent.  How did the team operate? (meetings, communication, task assignment, etc). Development or experimentation methodology and why it was selected.  Subdivision of tasks  What worked well about the methodology, what didn’t,  Tools used for the development and experimentation effort. Drive Licensed software, discord meetings</a:t>
+            </a:r>
+            <a:endParaRPr>
+              <a:solidFill>
+                <a:schemeClr val="dk1"/>
+              </a:solidFill>
+              <a:latin typeface="Calibri"/>
+              <a:ea typeface="Calibri"/>
+              <a:cs typeface="Calibri"/>
+              <a:sym typeface="Calibri"/>
+            </a:endParaRPr>
+          </a:p>
+          <a:p>
+            <a:pPr indent="0" lvl="0" marL="0" rtl="0" algn="l">
+              <a:spcBef>
+                <a:spcPts val="0"/>
+              </a:spcBef>
+              <a:spcAft>
+                <a:spcPts val="0"/>
+              </a:spcAft>
+              <a:buNone/>
+            </a:pPr>
+            <a:r>
+              <a:t/>
             </a:r>
             <a:endParaRPr/>
           </a:p>
@@ -1053,11 +1045,11 @@
 </file>
 
 <file path=ppt/notesSlides/notesSlide12.xml><?xml version="1.0" encoding="utf-8"?>
-<p:notes xmlns:a="http://schemas.openxmlformats.org/drawingml/2006/main" xmlns:r="http://schemas.openxmlformats.org/officeDocument/2006/relationships" xmlns:p="http://schemas.openxmlformats.org/presentationml/2006/main" showMasterSp="0" showMasterPhAnim="0">
+<p:notes xmlns:a="http://schemas.openxmlformats.org/drawingml/2006/main" xmlns:r="http://schemas.openxmlformats.org/officeDocument/2006/relationships" xmlns:mc="http://schemas.openxmlformats.org/markup-compatibility/2006" xmlns:mv="urn:schemas-microsoft-com:mac:vml" xmlns:p="http://schemas.openxmlformats.org/presentationml/2006/main" xmlns:c="http://schemas.openxmlformats.org/drawingml/2006/chart" xmlns:dgm="http://schemas.openxmlformats.org/drawingml/2006/diagram" xmlns:o="urn:schemas-microsoft-com:office:office" xmlns:v="urn:schemas-microsoft-com:vml" xmlns:pvml="urn:schemas-microsoft-com:office:powerpoint" xmlns:com="http://schemas.openxmlformats.org/drawingml/2006/compatibility" xmlns:p14="http://schemas.microsoft.com/office/powerpoint/2010/main" xmlns:p15="http://schemas.microsoft.com/office/powerpoint/2012/main" xmlns:ahyp="http://schemas.microsoft.com/office/drawing/2018/hyperlinkcolor" showMasterPhAnim="0" showMasterSp="0">
   <p:cSld>
     <p:spTree>
       <p:nvGrpSpPr>
-        <p:cNvPr id="1" name="Shape 127"/>
+        <p:cNvPr id="128" name="Shape 128"/>
         <p:cNvGrpSpPr/>
         <p:nvPr/>
       </p:nvGrpSpPr>
@@ -1071,12 +1063,10 @@
       </p:grpSpPr>
       <p:sp>
         <p:nvSpPr>
-          <p:cNvPr id="128" name="Google Shape;128;g122d9a2b77e_0_114:notes"/>
-          <p:cNvSpPr>
-            <a:spLocks noGrp="1" noRot="1" noChangeAspect="1"/>
-          </p:cNvSpPr>
+          <p:cNvPr id="129" name="Google Shape;129;g122ed453c5f_0_1:notes"/>
+          <p:cNvSpPr/>
           <p:nvPr>
-            <p:ph type="sldImg" idx="2"/>
+            <p:ph idx="2" type="sldImg"/>
           </p:nvPr>
         </p:nvSpPr>
         <p:spPr>
@@ -1085,13 +1075,9 @@
             <a:ext cx="6096000" cy="3429000"/>
           </a:xfrm>
           <a:custGeom>
-            <a:avLst/>
-            <a:gdLst/>
-            <a:ahLst/>
-            <a:cxnLst/>
-            <a:rect l="l" t="t" r="r" b="b"/>
+            <a:rect b="b" l="l" r="r" t="t"/>
             <a:pathLst>
-              <a:path w="120000" h="120000" extrusionOk="0">
+              <a:path extrusionOk="0" h="120000" w="120000">
                 <a:moveTo>
                   <a:pt x="0" y="0"/>
                 </a:moveTo>
@@ -1112,12 +1098,10 @@
       </p:sp>
       <p:sp>
         <p:nvSpPr>
-          <p:cNvPr id="129" name="Google Shape;129;g122d9a2b77e_0_114:notes"/>
-          <p:cNvSpPr txBox="1">
-            <a:spLocks noGrp="1"/>
-          </p:cNvSpPr>
+          <p:cNvPr id="130" name="Google Shape;130;g122ed453c5f_0_1:notes"/>
+          <p:cNvSpPr txBox="1"/>
           <p:nvPr>
-            <p:ph type="body" idx="1"/>
+            <p:ph idx="1" type="body"/>
           </p:nvPr>
         </p:nvSpPr>
         <p:spPr>
@@ -1130,25 +1114,94 @@
           </a:prstGeom>
         </p:spPr>
         <p:txBody>
-          <a:bodyPr spcFirstLastPara="1" wrap="square" lIns="91425" tIns="91425" rIns="91425" bIns="91425" anchor="t" anchorCtr="0">
+          <a:bodyPr anchorCtr="0" anchor="t" bIns="91425" lIns="91425" spcFirstLastPara="1" rIns="91425" wrap="square" tIns="91425">
             <a:noAutofit/>
           </a:bodyPr>
           <a:lstStyle/>
           <a:p>
-            <a:pPr marL="0" lvl="0" indent="0" algn="l" rtl="0">
-              <a:spcBef>
-                <a:spcPts val="0"/>
-              </a:spcBef>
-              <a:spcAft>
-                <a:spcPts val="0"/>
-              </a:spcAft>
+            <a:pPr indent="0" lvl="0" marL="0" rtl="0" algn="l">
+              <a:spcBef>
+                <a:spcPts val="0"/>
+              </a:spcBef>
+              <a:spcAft>
+                <a:spcPts val="0"/>
+              </a:spcAft>
+              <a:buClr>
+                <a:schemeClr val="dk1"/>
+              </a:buClr>
+              <a:buSzPts val="1100"/>
+              <a:buFont typeface="Arial"/>
               <a:buNone/>
             </a:pPr>
             <a:r>
-              <a:rPr lang="en"/>
+              <a:rPr lang="en">
+                <a:solidFill>
+                  <a:schemeClr val="dk1"/>
+                </a:solidFill>
+              </a:rPr>
               <a:t>Problems with robustness of hardware, cant differentiate between certain signals that are similar: right/left, lots of noise more and better electrodes</a:t>
             </a:r>
-            <a:endParaRPr/>
+            <a:endParaRPr>
+              <a:solidFill>
+                <a:schemeClr val="dk1"/>
+              </a:solidFill>
+            </a:endParaRPr>
+          </a:p>
+          <a:p>
+            <a:pPr indent="0" lvl="0" marL="0" rtl="0" algn="l">
+              <a:spcBef>
+                <a:spcPts val="0"/>
+              </a:spcBef>
+              <a:spcAft>
+                <a:spcPts val="0"/>
+              </a:spcAft>
+              <a:buNone/>
+            </a:pPr>
+            <a:r>
+              <a:rPr lang="en">
+                <a:solidFill>
+                  <a:schemeClr val="dk1"/>
+                </a:solidFill>
+                <a:latin typeface="Calibri"/>
+                <a:ea typeface="Calibri"/>
+                <a:cs typeface="Calibri"/>
+                <a:sym typeface="Calibri"/>
+              </a:rPr>
+              <a:t>This is a technical/scientific lessons-learned. Explain what has gone right and why, what has gone wrong, and why.  What would you do differently, why and how?</a:t>
+            </a:r>
+            <a:endParaRPr>
+              <a:solidFill>
+                <a:schemeClr val="dk1"/>
+              </a:solidFill>
+              <a:latin typeface="Calibri"/>
+              <a:ea typeface="Calibri"/>
+              <a:cs typeface="Calibri"/>
+              <a:sym typeface="Calibri"/>
+            </a:endParaRPr>
+          </a:p>
+          <a:p>
+            <a:pPr indent="0" lvl="0" marL="0" rtl="0" algn="l">
+              <a:spcBef>
+                <a:spcPts val="0"/>
+              </a:spcBef>
+              <a:spcAft>
+                <a:spcPts val="0"/>
+              </a:spcAft>
+              <a:buClr>
+                <a:schemeClr val="dk1"/>
+              </a:buClr>
+              <a:buSzPts val="1100"/>
+              <a:buFont typeface="Arial"/>
+              <a:buNone/>
+            </a:pPr>
+            <a:r>
+              <a:t/>
+            </a:r>
+            <a:endParaRPr>
+              <a:solidFill>
+                <a:schemeClr val="dk1"/>
+              </a:solidFill>
+            </a:endParaRPr>
           </a:p>
         </p:txBody>
       </p:sp>
@@ -1161,11 +1214,11 @@
 </file>
 
 <file path=ppt/notesSlides/notesSlide13.xml><?xml version="1.0" encoding="utf-8"?>
-<p:notes xmlns:a="http://schemas.openxmlformats.org/drawingml/2006/main" xmlns:r="http://schemas.openxmlformats.org/officeDocument/2006/relationships" xmlns:p="http://schemas.openxmlformats.org/presentationml/2006/main" showMasterSp="0" showMasterPhAnim="0">
+<p:notes xmlns:a="http://schemas.openxmlformats.org/drawingml/2006/main" xmlns:r="http://schemas.openxmlformats.org/officeDocument/2006/relationships" xmlns:mc="http://schemas.openxmlformats.org/markup-compatibility/2006" xmlns:mv="urn:schemas-microsoft-com:mac:vml" xmlns:p="http://schemas.openxmlformats.org/presentationml/2006/main" xmlns:c="http://schemas.openxmlformats.org/drawingml/2006/chart" xmlns:dgm="http://schemas.openxmlformats.org/drawingml/2006/diagram" xmlns:o="urn:schemas-microsoft-com:office:office" xmlns:v="urn:schemas-microsoft-com:vml" xmlns:pvml="urn:schemas-microsoft-com:office:powerpoint" xmlns:com="http://schemas.openxmlformats.org/drawingml/2006/compatibility" xmlns:p14="http://schemas.microsoft.com/office/powerpoint/2010/main" xmlns:p15="http://schemas.microsoft.com/office/powerpoint/2012/main" xmlns:ahyp="http://schemas.microsoft.com/office/drawing/2018/hyperlinkcolor" showMasterPhAnim="0" showMasterSp="0">
   <p:cSld>
     <p:spTree>
       <p:nvGrpSpPr>
-        <p:cNvPr id="1" name="Shape 133"/>
+        <p:cNvPr id="134" name="Shape 134"/>
         <p:cNvGrpSpPr/>
         <p:nvPr/>
       </p:nvGrpSpPr>
@@ -1179,12 +1232,10 @@
       </p:grpSpPr>
       <p:sp>
         <p:nvSpPr>
-          <p:cNvPr id="134" name="Google Shape;134;g122d9a2b77e_0_119:notes"/>
-          <p:cNvSpPr>
-            <a:spLocks noGrp="1" noRot="1" noChangeAspect="1"/>
-          </p:cNvSpPr>
+          <p:cNvPr id="135" name="Google Shape;135;g122d9a2b77e_0_119:notes"/>
+          <p:cNvSpPr/>
           <p:nvPr>
-            <p:ph type="sldImg" idx="2"/>
+            <p:ph idx="2" type="sldImg"/>
           </p:nvPr>
         </p:nvSpPr>
         <p:spPr>
@@ -1193,13 +1244,9 @@
             <a:ext cx="6096000" cy="3429000"/>
           </a:xfrm>
           <a:custGeom>
-            <a:avLst/>
-            <a:gdLst/>
-            <a:ahLst/>
-            <a:cxnLst/>
-            <a:rect l="l" t="t" r="r" b="b"/>
+            <a:rect b="b" l="l" r="r" t="t"/>
             <a:pathLst>
-              <a:path w="120000" h="120000" extrusionOk="0">
+              <a:path extrusionOk="0" h="120000" w="120000">
                 <a:moveTo>
                   <a:pt x="0" y="0"/>
                 </a:moveTo>
@@ -1220,12 +1267,10 @@
       </p:sp>
       <p:sp>
         <p:nvSpPr>
-          <p:cNvPr id="135" name="Google Shape;135;g122d9a2b77e_0_119:notes"/>
-          <p:cNvSpPr txBox="1">
-            <a:spLocks noGrp="1"/>
-          </p:cNvSpPr>
+          <p:cNvPr id="136" name="Google Shape;136;g122d9a2b77e_0_119:notes"/>
+          <p:cNvSpPr txBox="1"/>
           <p:nvPr>
-            <p:ph type="body" idx="1"/>
+            <p:ph idx="1" type="body"/>
           </p:nvPr>
         </p:nvSpPr>
         <p:spPr>
@@ -1238,20 +1283,32 @@
           </a:prstGeom>
         </p:spPr>
         <p:txBody>
-          <a:bodyPr spcFirstLastPara="1" wrap="square" lIns="91425" tIns="91425" rIns="91425" bIns="91425" anchor="t" anchorCtr="0">
+          <a:bodyPr anchorCtr="0" anchor="t" bIns="91425" lIns="91425" spcFirstLastPara="1" rIns="91425" wrap="square" tIns="91425">
             <a:noAutofit/>
           </a:bodyPr>
           <a:lstStyle/>
           <a:p>
-            <a:pPr marL="0" lvl="0" indent="0" algn="l" rtl="0">
-              <a:spcBef>
-                <a:spcPts val="0"/>
-              </a:spcBef>
-              <a:spcAft>
-                <a:spcPts val="0"/>
-              </a:spcAft>
-              <a:buNone/>
-            </a:pPr>
+            <a:pPr indent="0" lvl="0" marL="0" rtl="0" algn="l">
+              <a:spcBef>
+                <a:spcPts val="0"/>
+              </a:spcBef>
+              <a:spcAft>
+                <a:spcPts val="0"/>
+              </a:spcAft>
+              <a:buNone/>
+            </a:pPr>
+            <a:r>
+              <a:rPr lang="en">
+                <a:solidFill>
+                  <a:schemeClr val="dk1"/>
+                </a:solidFill>
+                <a:latin typeface="Calibri"/>
+                <a:ea typeface="Calibri"/>
+                <a:cs typeface="Calibri"/>
+                <a:sym typeface="Calibri"/>
+              </a:rPr>
+              <a:t>List of what is left to do, how will you accomplish it, and by when</a:t>
+            </a:r>
             <a:endParaRPr/>
           </a:p>
         </p:txBody>
@@ -1265,11 +1322,11 @@
 </file>
 
 <file path=ppt/notesSlides/notesSlide14.xml><?xml version="1.0" encoding="utf-8"?>
-<p:notes xmlns:a="http://schemas.openxmlformats.org/drawingml/2006/main" xmlns:r="http://schemas.openxmlformats.org/officeDocument/2006/relationships" xmlns:p="http://schemas.openxmlformats.org/presentationml/2006/main" showMasterSp="0" showMasterPhAnim="0">
+<p:notes xmlns:a="http://schemas.openxmlformats.org/drawingml/2006/main" xmlns:r="http://schemas.openxmlformats.org/officeDocument/2006/relationships" xmlns:mc="http://schemas.openxmlformats.org/markup-compatibility/2006" xmlns:mv="urn:schemas-microsoft-com:mac:vml" xmlns:p="http://schemas.openxmlformats.org/presentationml/2006/main" xmlns:c="http://schemas.openxmlformats.org/drawingml/2006/chart" xmlns:dgm="http://schemas.openxmlformats.org/drawingml/2006/diagram" xmlns:o="urn:schemas-microsoft-com:office:office" xmlns:v="urn:schemas-microsoft-com:vml" xmlns:pvml="urn:schemas-microsoft-com:office:powerpoint" xmlns:com="http://schemas.openxmlformats.org/drawingml/2006/compatibility" xmlns:p14="http://schemas.microsoft.com/office/powerpoint/2010/main" xmlns:p15="http://schemas.microsoft.com/office/powerpoint/2012/main" xmlns:ahyp="http://schemas.microsoft.com/office/drawing/2018/hyperlinkcolor" showMasterPhAnim="0" showMasterSp="0">
   <p:cSld>
     <p:spTree>
       <p:nvGrpSpPr>
-        <p:cNvPr id="1" name="Shape 139"/>
+        <p:cNvPr id="140" name="Shape 140"/>
         <p:cNvGrpSpPr/>
         <p:nvPr/>
       </p:nvGrpSpPr>
@@ -1283,12 +1340,10 @@
       </p:grpSpPr>
       <p:sp>
         <p:nvSpPr>
-          <p:cNvPr id="140" name="Google Shape;140;g122d9a2b77e_0_124:notes"/>
-          <p:cNvSpPr>
-            <a:spLocks noGrp="1" noRot="1" noChangeAspect="1"/>
-          </p:cNvSpPr>
+          <p:cNvPr id="141" name="Google Shape;141;g122d9a2b77e_0_124:notes"/>
+          <p:cNvSpPr/>
           <p:nvPr>
-            <p:ph type="sldImg" idx="2"/>
+            <p:ph idx="2" type="sldImg"/>
           </p:nvPr>
         </p:nvSpPr>
         <p:spPr>
@@ -1297,13 +1352,9 @@
             <a:ext cx="6096000" cy="3429000"/>
           </a:xfrm>
           <a:custGeom>
-            <a:avLst/>
-            <a:gdLst/>
-            <a:ahLst/>
-            <a:cxnLst/>
-            <a:rect l="l" t="t" r="r" b="b"/>
+            <a:rect b="b" l="l" r="r" t="t"/>
             <a:pathLst>
-              <a:path w="120000" h="120000" extrusionOk="0">
+              <a:path extrusionOk="0" h="120000" w="120000">
                 <a:moveTo>
                   <a:pt x="0" y="0"/>
                 </a:moveTo>
@@ -1324,12 +1375,10 @@
       </p:sp>
       <p:sp>
         <p:nvSpPr>
-          <p:cNvPr id="141" name="Google Shape;141;g122d9a2b77e_0_124:notes"/>
-          <p:cNvSpPr txBox="1">
-            <a:spLocks noGrp="1"/>
-          </p:cNvSpPr>
+          <p:cNvPr id="142" name="Google Shape;142;g122d9a2b77e_0_124:notes"/>
+          <p:cNvSpPr txBox="1"/>
           <p:nvPr>
-            <p:ph type="body" idx="1"/>
+            <p:ph idx="1" type="body"/>
           </p:nvPr>
         </p:nvSpPr>
         <p:spPr>
@@ -1342,20 +1391,23 @@
           </a:prstGeom>
         </p:spPr>
         <p:txBody>
-          <a:bodyPr spcFirstLastPara="1" wrap="square" lIns="91425" tIns="91425" rIns="91425" bIns="91425" anchor="t" anchorCtr="0">
+          <a:bodyPr anchorCtr="0" anchor="t" bIns="91425" lIns="91425" spcFirstLastPara="1" rIns="91425" wrap="square" tIns="91425">
             <a:noAutofit/>
           </a:bodyPr>
           <a:lstStyle/>
           <a:p>
-            <a:pPr marL="0" lvl="0" indent="0" algn="l" rtl="0">
-              <a:spcBef>
-                <a:spcPts val="0"/>
-              </a:spcBef>
-              <a:spcAft>
-                <a:spcPts val="0"/>
-              </a:spcAft>
-              <a:buNone/>
-            </a:pPr>
+            <a:pPr indent="0" lvl="0" marL="0" rtl="0" algn="l">
+              <a:spcBef>
+                <a:spcPts val="0"/>
+              </a:spcBef>
+              <a:spcAft>
+                <a:spcPts val="0"/>
+              </a:spcAft>
+              <a:buNone/>
+            </a:pPr>
+            <a:r>
+              <a:t/>
+            </a:r>
             <a:endParaRPr/>
           </a:p>
         </p:txBody>
@@ -1369,11 +1421,11 @@
 </file>
 
 <file path=ppt/notesSlides/notesSlide2.xml><?xml version="1.0" encoding="utf-8"?>
-<p:notes xmlns:a="http://schemas.openxmlformats.org/drawingml/2006/main" xmlns:r="http://schemas.openxmlformats.org/officeDocument/2006/relationships" xmlns:p="http://schemas.openxmlformats.org/presentationml/2006/main" showMasterSp="0" showMasterPhAnim="0">
+<p:notes xmlns:a="http://schemas.openxmlformats.org/drawingml/2006/main" xmlns:r="http://schemas.openxmlformats.org/officeDocument/2006/relationships" xmlns:mc="http://schemas.openxmlformats.org/markup-compatibility/2006" xmlns:mv="urn:schemas-microsoft-com:mac:vml" xmlns:p="http://schemas.openxmlformats.org/presentationml/2006/main" xmlns:c="http://schemas.openxmlformats.org/drawingml/2006/chart" xmlns:dgm="http://schemas.openxmlformats.org/drawingml/2006/diagram" xmlns:o="urn:schemas-microsoft-com:office:office" xmlns:v="urn:schemas-microsoft-com:vml" xmlns:pvml="urn:schemas-microsoft-com:office:powerpoint" xmlns:com="http://schemas.openxmlformats.org/drawingml/2006/compatibility" xmlns:p14="http://schemas.microsoft.com/office/powerpoint/2010/main" xmlns:p15="http://schemas.microsoft.com/office/powerpoint/2012/main" xmlns:ahyp="http://schemas.microsoft.com/office/drawing/2018/hyperlinkcolor" showMasterPhAnim="0" showMasterSp="0">
   <p:cSld>
     <p:spTree>
       <p:nvGrpSpPr>
-        <p:cNvPr id="1" name="Shape 65"/>
+        <p:cNvPr id="65" name="Shape 65"/>
         <p:cNvGrpSpPr/>
         <p:nvPr/>
       </p:nvGrpSpPr>
@@ -1388,11 +1440,9 @@
       <p:sp>
         <p:nvSpPr>
           <p:cNvPr id="66" name="Google Shape;66;g122d9a2b77e_0_99:notes"/>
-          <p:cNvSpPr>
-            <a:spLocks noGrp="1" noRot="1" noChangeAspect="1"/>
-          </p:cNvSpPr>
+          <p:cNvSpPr/>
           <p:nvPr>
-            <p:ph type="sldImg" idx="2"/>
+            <p:ph idx="2" type="sldImg"/>
           </p:nvPr>
         </p:nvSpPr>
         <p:spPr>
@@ -1401,13 +1451,9 @@
             <a:ext cx="6096000" cy="3429000"/>
           </a:xfrm>
           <a:custGeom>
-            <a:avLst/>
-            <a:gdLst/>
-            <a:ahLst/>
-            <a:cxnLst/>
-            <a:rect l="l" t="t" r="r" b="b"/>
+            <a:rect b="b" l="l" r="r" t="t"/>
             <a:pathLst>
-              <a:path w="120000" h="120000" extrusionOk="0">
+              <a:path extrusionOk="0" h="120000" w="120000">
                 <a:moveTo>
                   <a:pt x="0" y="0"/>
                 </a:moveTo>
@@ -1429,11 +1475,9 @@
       <p:sp>
         <p:nvSpPr>
           <p:cNvPr id="67" name="Google Shape;67;g122d9a2b77e_0_99:notes"/>
-          <p:cNvSpPr txBox="1">
-            <a:spLocks noGrp="1"/>
-          </p:cNvSpPr>
+          <p:cNvSpPr txBox="1"/>
           <p:nvPr>
-            <p:ph type="body" idx="1"/>
+            <p:ph idx="1" type="body"/>
           </p:nvPr>
         </p:nvSpPr>
         <p:spPr>
@@ -1446,20 +1490,23 @@
           </a:prstGeom>
         </p:spPr>
         <p:txBody>
-          <a:bodyPr spcFirstLastPara="1" wrap="square" lIns="91425" tIns="91425" rIns="91425" bIns="91425" anchor="t" anchorCtr="0">
+          <a:bodyPr anchorCtr="0" anchor="t" bIns="91425" lIns="91425" spcFirstLastPara="1" rIns="91425" wrap="square" tIns="91425">
             <a:noAutofit/>
           </a:bodyPr>
           <a:lstStyle/>
           <a:p>
-            <a:pPr marL="0" lvl="0" indent="0" algn="l" rtl="0">
-              <a:spcBef>
-                <a:spcPts val="0"/>
-              </a:spcBef>
-              <a:spcAft>
-                <a:spcPts val="0"/>
-              </a:spcAft>
-              <a:buNone/>
-            </a:pPr>
+            <a:pPr indent="0" lvl="0" marL="0" rtl="0" algn="l">
+              <a:spcBef>
+                <a:spcPts val="0"/>
+              </a:spcBef>
+              <a:spcAft>
+                <a:spcPts val="0"/>
+              </a:spcAft>
+              <a:buNone/>
+            </a:pPr>
+            <a:r>
+              <a:t/>
+            </a:r>
             <a:endParaRPr/>
           </a:p>
         </p:txBody>
@@ -1473,11 +1520,11 @@
 </file>
 
 <file path=ppt/notesSlides/notesSlide3.xml><?xml version="1.0" encoding="utf-8"?>
-<p:notes xmlns:a="http://schemas.openxmlformats.org/drawingml/2006/main" xmlns:r="http://schemas.openxmlformats.org/officeDocument/2006/relationships" xmlns:p="http://schemas.openxmlformats.org/presentationml/2006/main" showMasterSp="0" showMasterPhAnim="0">
+<p:notes xmlns:a="http://schemas.openxmlformats.org/drawingml/2006/main" xmlns:r="http://schemas.openxmlformats.org/officeDocument/2006/relationships" xmlns:mc="http://schemas.openxmlformats.org/markup-compatibility/2006" xmlns:mv="urn:schemas-microsoft-com:mac:vml" xmlns:p="http://schemas.openxmlformats.org/presentationml/2006/main" xmlns:c="http://schemas.openxmlformats.org/drawingml/2006/chart" xmlns:dgm="http://schemas.openxmlformats.org/drawingml/2006/diagram" xmlns:o="urn:schemas-microsoft-com:office:office" xmlns:v="urn:schemas-microsoft-com:vml" xmlns:pvml="urn:schemas-microsoft-com:office:powerpoint" xmlns:com="http://schemas.openxmlformats.org/drawingml/2006/compatibility" xmlns:p14="http://schemas.microsoft.com/office/powerpoint/2010/main" xmlns:p15="http://schemas.microsoft.com/office/powerpoint/2012/main" xmlns:ahyp="http://schemas.microsoft.com/office/drawing/2018/hyperlinkcolor" showMasterPhAnim="0" showMasterSp="0">
   <p:cSld>
     <p:spTree>
       <p:nvGrpSpPr>
-        <p:cNvPr id="1" name="Shape 71"/>
+        <p:cNvPr id="71" name="Shape 71"/>
         <p:cNvGrpSpPr/>
         <p:nvPr/>
       </p:nvGrpSpPr>
@@ -1492,11 +1539,9 @@
       <p:sp>
         <p:nvSpPr>
           <p:cNvPr id="72" name="Google Shape;72;g12143f04ae5_0_21:notes"/>
-          <p:cNvSpPr>
-            <a:spLocks noGrp="1" noRot="1" noChangeAspect="1"/>
-          </p:cNvSpPr>
+          <p:cNvSpPr/>
           <p:nvPr>
-            <p:ph type="sldImg" idx="2"/>
+            <p:ph idx="2" type="sldImg"/>
           </p:nvPr>
         </p:nvSpPr>
         <p:spPr>
@@ -1505,13 +1550,9 @@
             <a:ext cx="6096000" cy="3429000"/>
           </a:xfrm>
           <a:custGeom>
-            <a:avLst/>
-            <a:gdLst/>
-            <a:ahLst/>
-            <a:cxnLst/>
-            <a:rect l="l" t="t" r="r" b="b"/>
+            <a:rect b="b" l="l" r="r" t="t"/>
             <a:pathLst>
-              <a:path w="120000" h="120000" extrusionOk="0">
+              <a:path extrusionOk="0" h="120000" w="120000">
                 <a:moveTo>
                   <a:pt x="0" y="0"/>
                 </a:moveTo>
@@ -1533,11 +1574,9 @@
       <p:sp>
         <p:nvSpPr>
           <p:cNvPr id="73" name="Google Shape;73;g12143f04ae5_0_21:notes"/>
-          <p:cNvSpPr txBox="1">
-            <a:spLocks noGrp="1"/>
-          </p:cNvSpPr>
+          <p:cNvSpPr txBox="1"/>
           <p:nvPr>
-            <p:ph type="body" idx="1"/>
+            <p:ph idx="1" type="body"/>
           </p:nvPr>
         </p:nvSpPr>
         <p:spPr>
@@ -1550,20 +1589,27 @@
           </a:prstGeom>
         </p:spPr>
         <p:txBody>
-          <a:bodyPr spcFirstLastPara="1" wrap="square" lIns="91425" tIns="91425" rIns="91425" bIns="91425" anchor="t" anchorCtr="0">
+          <a:bodyPr anchorCtr="0" anchor="t" bIns="91425" lIns="91425" spcFirstLastPara="1" rIns="91425" wrap="square" tIns="91425">
             <a:noAutofit/>
           </a:bodyPr>
           <a:lstStyle/>
           <a:p>
-            <a:pPr marL="0" lvl="0" indent="0" algn="l" rtl="0">
-              <a:spcBef>
-                <a:spcPts val="0"/>
-              </a:spcBef>
-              <a:spcAft>
-                <a:spcPts val="0"/>
-              </a:spcAft>
-              <a:buNone/>
-            </a:pPr>
+            <a:pPr indent="0" lvl="0" marL="0" rtl="0" algn="l">
+              <a:lnSpc>
+                <a:spcPct val="115000"/>
+              </a:lnSpc>
+              <a:spcBef>
+                <a:spcPts val="0"/>
+              </a:spcBef>
+              <a:spcAft>
+                <a:spcPts val="1200"/>
+              </a:spcAft>
+              <a:buNone/>
+            </a:pPr>
+            <a:r>
+              <a:rPr lang="en"/>
+              <a:t>Locked-In Syndrome</a:t>
+            </a:r>
             <a:endParaRPr/>
           </a:p>
         </p:txBody>
@@ -1577,11 +1623,11 @@
 </file>
 
 <file path=ppt/notesSlides/notesSlide4.xml><?xml version="1.0" encoding="utf-8"?>
-<p:notes xmlns:a="http://schemas.openxmlformats.org/drawingml/2006/main" xmlns:r="http://schemas.openxmlformats.org/officeDocument/2006/relationships" xmlns:p="http://schemas.openxmlformats.org/presentationml/2006/main" showMasterSp="0" showMasterPhAnim="0">
+<p:notes xmlns:a="http://schemas.openxmlformats.org/drawingml/2006/main" xmlns:r="http://schemas.openxmlformats.org/officeDocument/2006/relationships" xmlns:mc="http://schemas.openxmlformats.org/markup-compatibility/2006" xmlns:mv="urn:schemas-microsoft-com:mac:vml" xmlns:p="http://schemas.openxmlformats.org/presentationml/2006/main" xmlns:c="http://schemas.openxmlformats.org/drawingml/2006/chart" xmlns:dgm="http://schemas.openxmlformats.org/drawingml/2006/diagram" xmlns:o="urn:schemas-microsoft-com:office:office" xmlns:v="urn:schemas-microsoft-com:vml" xmlns:pvml="urn:schemas-microsoft-com:office:powerpoint" xmlns:com="http://schemas.openxmlformats.org/drawingml/2006/compatibility" xmlns:p14="http://schemas.microsoft.com/office/powerpoint/2010/main" xmlns:p15="http://schemas.microsoft.com/office/powerpoint/2012/main" xmlns:ahyp="http://schemas.microsoft.com/office/drawing/2018/hyperlinkcolor" showMasterPhAnim="0" showMasterSp="0">
   <p:cSld>
     <p:spTree>
       <p:nvGrpSpPr>
-        <p:cNvPr id="1" name="Shape 77"/>
+        <p:cNvPr id="77" name="Shape 77"/>
         <p:cNvGrpSpPr/>
         <p:nvPr/>
       </p:nvGrpSpPr>
@@ -1596,11 +1642,9 @@
       <p:sp>
         <p:nvSpPr>
           <p:cNvPr id="78" name="Google Shape;78;g12143f04ae5_0_47:notes"/>
-          <p:cNvSpPr>
-            <a:spLocks noGrp="1" noRot="1" noChangeAspect="1"/>
-          </p:cNvSpPr>
+          <p:cNvSpPr/>
           <p:nvPr>
-            <p:ph type="sldImg" idx="2"/>
+            <p:ph idx="2" type="sldImg"/>
           </p:nvPr>
         </p:nvSpPr>
         <p:spPr>
@@ -1609,13 +1653,9 @@
             <a:ext cx="6096000" cy="3429000"/>
           </a:xfrm>
           <a:custGeom>
-            <a:avLst/>
-            <a:gdLst/>
-            <a:ahLst/>
-            <a:cxnLst/>
-            <a:rect l="l" t="t" r="r" b="b"/>
+            <a:rect b="b" l="l" r="r" t="t"/>
             <a:pathLst>
-              <a:path w="120000" h="120000" extrusionOk="0">
+              <a:path extrusionOk="0" h="120000" w="120000">
                 <a:moveTo>
                   <a:pt x="0" y="0"/>
                 </a:moveTo>
@@ -1637,11 +1677,9 @@
       <p:sp>
         <p:nvSpPr>
           <p:cNvPr id="79" name="Google Shape;79;g12143f04ae5_0_47:notes"/>
-          <p:cNvSpPr txBox="1">
-            <a:spLocks noGrp="1"/>
-          </p:cNvSpPr>
+          <p:cNvSpPr txBox="1"/>
           <p:nvPr>
-            <p:ph type="body" idx="1"/>
+            <p:ph idx="1" type="body"/>
           </p:nvPr>
         </p:nvSpPr>
         <p:spPr>
@@ -1654,20 +1692,24 @@
           </a:prstGeom>
         </p:spPr>
         <p:txBody>
-          <a:bodyPr spcFirstLastPara="1" wrap="square" lIns="91425" tIns="91425" rIns="91425" bIns="91425" anchor="t" anchorCtr="0">
+          <a:bodyPr anchorCtr="0" anchor="t" bIns="91425" lIns="91425" spcFirstLastPara="1" rIns="91425" wrap="square" tIns="91425">
             <a:noAutofit/>
           </a:bodyPr>
           <a:lstStyle/>
           <a:p>
-            <a:pPr marL="0" lvl="0" indent="0" algn="l" rtl="0">
-              <a:spcBef>
-                <a:spcPts val="0"/>
-              </a:spcBef>
-              <a:spcAft>
-                <a:spcPts val="0"/>
-              </a:spcAft>
-              <a:buNone/>
-            </a:pPr>
+            <a:pPr indent="0" lvl="0" marL="0" rtl="0" algn="l">
+              <a:spcBef>
+                <a:spcPts val="0"/>
+              </a:spcBef>
+              <a:spcAft>
+                <a:spcPts val="0"/>
+              </a:spcAft>
+              <a:buNone/>
+            </a:pPr>
+            <a:r>
+              <a:rPr lang="en"/>
+              <a:t>Different regions of the brain produce different signals that can be classified into different types (gamma, delta, etc.) we are mainly focused on movement and this produces a specific collection of these types of brain waves which through training are associated with an instruction</a:t>
+            </a:r>
             <a:endParaRPr/>
           </a:p>
         </p:txBody>
@@ -1681,11 +1723,11 @@
 </file>
 
 <file path=ppt/notesSlides/notesSlide5.xml><?xml version="1.0" encoding="utf-8"?>
-<p:notes xmlns:a="http://schemas.openxmlformats.org/drawingml/2006/main" xmlns:r="http://schemas.openxmlformats.org/officeDocument/2006/relationships" xmlns:p="http://schemas.openxmlformats.org/presentationml/2006/main" showMasterSp="0" showMasterPhAnim="0">
+<p:notes xmlns:a="http://schemas.openxmlformats.org/drawingml/2006/main" xmlns:r="http://schemas.openxmlformats.org/officeDocument/2006/relationships" xmlns:mc="http://schemas.openxmlformats.org/markup-compatibility/2006" xmlns:mv="urn:schemas-microsoft-com:mac:vml" xmlns:p="http://schemas.openxmlformats.org/presentationml/2006/main" xmlns:c="http://schemas.openxmlformats.org/drawingml/2006/chart" xmlns:dgm="http://schemas.openxmlformats.org/drawingml/2006/diagram" xmlns:o="urn:schemas-microsoft-com:office:office" xmlns:v="urn:schemas-microsoft-com:vml" xmlns:pvml="urn:schemas-microsoft-com:office:powerpoint" xmlns:com="http://schemas.openxmlformats.org/drawingml/2006/compatibility" xmlns:p14="http://schemas.microsoft.com/office/powerpoint/2010/main" xmlns:p15="http://schemas.microsoft.com/office/powerpoint/2012/main" xmlns:ahyp="http://schemas.microsoft.com/office/drawing/2018/hyperlinkcolor" showMasterPhAnim="0" showMasterSp="0">
   <p:cSld>
     <p:spTree>
       <p:nvGrpSpPr>
-        <p:cNvPr id="1" name="Shape 83"/>
+        <p:cNvPr id="83" name="Shape 83"/>
         <p:cNvGrpSpPr/>
         <p:nvPr/>
       </p:nvGrpSpPr>
@@ -1700,11 +1742,9 @@
       <p:sp>
         <p:nvSpPr>
           <p:cNvPr id="84" name="Google Shape;84;g12143f04ae5_0_67:notes"/>
-          <p:cNvSpPr>
-            <a:spLocks noGrp="1" noRot="1" noChangeAspect="1"/>
-          </p:cNvSpPr>
+          <p:cNvSpPr/>
           <p:nvPr>
-            <p:ph type="sldImg" idx="2"/>
+            <p:ph idx="2" type="sldImg"/>
           </p:nvPr>
         </p:nvSpPr>
         <p:spPr>
@@ -1713,13 +1753,9 @@
             <a:ext cx="6096000" cy="3429000"/>
           </a:xfrm>
           <a:custGeom>
-            <a:avLst/>
-            <a:gdLst/>
-            <a:ahLst/>
-            <a:cxnLst/>
-            <a:rect l="l" t="t" r="r" b="b"/>
+            <a:rect b="b" l="l" r="r" t="t"/>
             <a:pathLst>
-              <a:path w="120000" h="120000" extrusionOk="0">
+              <a:path extrusionOk="0" h="120000" w="120000">
                 <a:moveTo>
                   <a:pt x="0" y="0"/>
                 </a:moveTo>
@@ -1741,11 +1777,9 @@
       <p:sp>
         <p:nvSpPr>
           <p:cNvPr id="85" name="Google Shape;85;g12143f04ae5_0_67:notes"/>
-          <p:cNvSpPr txBox="1">
-            <a:spLocks noGrp="1"/>
-          </p:cNvSpPr>
+          <p:cNvSpPr txBox="1"/>
           <p:nvPr>
-            <p:ph type="body" idx="1"/>
+            <p:ph idx="1" type="body"/>
           </p:nvPr>
         </p:nvSpPr>
         <p:spPr>
@@ -1758,20 +1792,24 @@
           </a:prstGeom>
         </p:spPr>
         <p:txBody>
-          <a:bodyPr spcFirstLastPara="1" wrap="square" lIns="91425" tIns="91425" rIns="91425" bIns="91425" anchor="t" anchorCtr="0">
+          <a:bodyPr anchorCtr="0" anchor="t" bIns="91425" lIns="91425" spcFirstLastPara="1" rIns="91425" wrap="square" tIns="91425">
             <a:noAutofit/>
           </a:bodyPr>
           <a:lstStyle/>
           <a:p>
-            <a:pPr marL="0" lvl="0" indent="0" algn="l" rtl="0">
-              <a:spcBef>
-                <a:spcPts val="0"/>
-              </a:spcBef>
-              <a:spcAft>
-                <a:spcPts val="0"/>
-              </a:spcAft>
-              <a:buNone/>
-            </a:pPr>
+            <a:pPr indent="0" lvl="0" marL="0" rtl="0" algn="l">
+              <a:spcBef>
+                <a:spcPts val="0"/>
+              </a:spcBef>
+              <a:spcAft>
+                <a:spcPts val="0"/>
+              </a:spcAft>
+              <a:buNone/>
+            </a:pPr>
+            <a:r>
+              <a:rPr lang="en"/>
+              <a:t>Each brain pattern for a specific instruction will be different, we’ve run through a number of training modules, some more effective than others, once it is successful a live comparison is made when playing Pac-Man to training data to see if game should actually send right, left etc action</a:t>
+            </a:r>
             <a:endParaRPr/>
           </a:p>
         </p:txBody>
@@ -1785,11 +1823,11 @@
 </file>
 
 <file path=ppt/notesSlides/notesSlide6.xml><?xml version="1.0" encoding="utf-8"?>
-<p:notes xmlns:a="http://schemas.openxmlformats.org/drawingml/2006/main" xmlns:r="http://schemas.openxmlformats.org/officeDocument/2006/relationships" xmlns:p="http://schemas.openxmlformats.org/presentationml/2006/main" showMasterSp="0" showMasterPhAnim="0">
+<p:notes xmlns:a="http://schemas.openxmlformats.org/drawingml/2006/main" xmlns:r="http://schemas.openxmlformats.org/officeDocument/2006/relationships" xmlns:mc="http://schemas.openxmlformats.org/markup-compatibility/2006" xmlns:mv="urn:schemas-microsoft-com:mac:vml" xmlns:p="http://schemas.openxmlformats.org/presentationml/2006/main" xmlns:c="http://schemas.openxmlformats.org/drawingml/2006/chart" xmlns:dgm="http://schemas.openxmlformats.org/drawingml/2006/diagram" xmlns:o="urn:schemas-microsoft-com:office:office" xmlns:v="urn:schemas-microsoft-com:vml" xmlns:pvml="urn:schemas-microsoft-com:office:powerpoint" xmlns:com="http://schemas.openxmlformats.org/drawingml/2006/compatibility" xmlns:p14="http://schemas.microsoft.com/office/powerpoint/2010/main" xmlns:p15="http://schemas.microsoft.com/office/powerpoint/2012/main" xmlns:ahyp="http://schemas.microsoft.com/office/drawing/2018/hyperlinkcolor" showMasterPhAnim="0" showMasterSp="0">
   <p:cSld>
     <p:spTree>
       <p:nvGrpSpPr>
-        <p:cNvPr id="1" name="Shape 89"/>
+        <p:cNvPr id="89" name="Shape 89"/>
         <p:cNvGrpSpPr/>
         <p:nvPr/>
       </p:nvGrpSpPr>
@@ -1803,12 +1841,10 @@
       </p:grpSpPr>
       <p:sp>
         <p:nvSpPr>
-          <p:cNvPr id="90" name="Google Shape;90;g12143f04ae5_0_93:notes"/>
-          <p:cNvSpPr>
-            <a:spLocks noGrp="1" noRot="1" noChangeAspect="1"/>
-          </p:cNvSpPr>
+          <p:cNvPr id="90" name="Google Shape;90;g12143f04ae5_0_114:notes"/>
+          <p:cNvSpPr/>
           <p:nvPr>
-            <p:ph type="sldImg" idx="2"/>
+            <p:ph idx="2" type="sldImg"/>
           </p:nvPr>
         </p:nvSpPr>
         <p:spPr>
@@ -1817,13 +1853,9 @@
             <a:ext cx="6096000" cy="3429000"/>
           </a:xfrm>
           <a:custGeom>
-            <a:avLst/>
-            <a:gdLst/>
-            <a:ahLst/>
-            <a:cxnLst/>
-            <a:rect l="l" t="t" r="r" b="b"/>
+            <a:rect b="b" l="l" r="r" t="t"/>
             <a:pathLst>
-              <a:path w="120000" h="120000" extrusionOk="0">
+              <a:path extrusionOk="0" h="120000" w="120000">
                 <a:moveTo>
                   <a:pt x="0" y="0"/>
                 </a:moveTo>
@@ -1844,12 +1876,10 @@
       </p:sp>
       <p:sp>
         <p:nvSpPr>
-          <p:cNvPr id="91" name="Google Shape;91;g12143f04ae5_0_93:notes"/>
-          <p:cNvSpPr txBox="1">
-            <a:spLocks noGrp="1"/>
-          </p:cNvSpPr>
+          <p:cNvPr id="91" name="Google Shape;91;g12143f04ae5_0_114:notes"/>
+          <p:cNvSpPr txBox="1"/>
           <p:nvPr>
-            <p:ph type="body" idx="1"/>
+            <p:ph idx="1" type="body"/>
           </p:nvPr>
         </p:nvSpPr>
         <p:spPr>
@@ -1862,20 +1892,23 @@
           </a:prstGeom>
         </p:spPr>
         <p:txBody>
-          <a:bodyPr spcFirstLastPara="1" wrap="square" lIns="91425" tIns="91425" rIns="91425" bIns="91425" anchor="t" anchorCtr="0">
+          <a:bodyPr anchorCtr="0" anchor="t" bIns="91425" lIns="91425" spcFirstLastPara="1" rIns="91425" wrap="square" tIns="91425">
             <a:noAutofit/>
           </a:bodyPr>
           <a:lstStyle/>
           <a:p>
-            <a:pPr marL="0" lvl="0" indent="0" algn="l" rtl="0">
-              <a:spcBef>
-                <a:spcPts val="0"/>
-              </a:spcBef>
-              <a:spcAft>
-                <a:spcPts val="0"/>
-              </a:spcAft>
-              <a:buNone/>
-            </a:pPr>
+            <a:pPr indent="0" lvl="0" marL="0" rtl="0" algn="l">
+              <a:spcBef>
+                <a:spcPts val="0"/>
+              </a:spcBef>
+              <a:spcAft>
+                <a:spcPts val="0"/>
+              </a:spcAft>
+              <a:buNone/>
+            </a:pPr>
+            <a:r>
+              <a:t/>
+            </a:r>
             <a:endParaRPr/>
           </a:p>
         </p:txBody>
@@ -1889,11 +1922,11 @@
 </file>
 
 <file path=ppt/notesSlides/notesSlide7.xml><?xml version="1.0" encoding="utf-8"?>
-<p:notes xmlns:a="http://schemas.openxmlformats.org/drawingml/2006/main" xmlns:r="http://schemas.openxmlformats.org/officeDocument/2006/relationships" xmlns:p="http://schemas.openxmlformats.org/presentationml/2006/main" showMasterSp="0" showMasterPhAnim="0">
+<p:notes xmlns:a="http://schemas.openxmlformats.org/drawingml/2006/main" xmlns:r="http://schemas.openxmlformats.org/officeDocument/2006/relationships" xmlns:mc="http://schemas.openxmlformats.org/markup-compatibility/2006" xmlns:mv="urn:schemas-microsoft-com:mac:vml" xmlns:p="http://schemas.openxmlformats.org/presentationml/2006/main" xmlns:c="http://schemas.openxmlformats.org/drawingml/2006/chart" xmlns:dgm="http://schemas.openxmlformats.org/drawingml/2006/diagram" xmlns:o="urn:schemas-microsoft-com:office:office" xmlns:v="urn:schemas-microsoft-com:vml" xmlns:pvml="urn:schemas-microsoft-com:office:powerpoint" xmlns:com="http://schemas.openxmlformats.org/drawingml/2006/compatibility" xmlns:p14="http://schemas.microsoft.com/office/powerpoint/2010/main" xmlns:p15="http://schemas.microsoft.com/office/powerpoint/2012/main" xmlns:ahyp="http://schemas.microsoft.com/office/drawing/2018/hyperlinkcolor" showMasterPhAnim="0" showMasterSp="0">
   <p:cSld>
     <p:spTree>
       <p:nvGrpSpPr>
-        <p:cNvPr id="1" name="Shape 95"/>
+        <p:cNvPr id="95" name="Shape 95"/>
         <p:cNvGrpSpPr/>
         <p:nvPr/>
       </p:nvGrpSpPr>
@@ -1907,12 +1940,10 @@
       </p:grpSpPr>
       <p:sp>
         <p:nvSpPr>
-          <p:cNvPr id="96" name="Google Shape;96;g12143f04ae5_0_114:notes"/>
-          <p:cNvSpPr>
-            <a:spLocks noGrp="1" noRot="1" noChangeAspect="1"/>
-          </p:cNvSpPr>
+          <p:cNvPr id="96" name="Google Shape;96;g122d9a2b77e_0_104:notes"/>
+          <p:cNvSpPr/>
           <p:nvPr>
-            <p:ph type="sldImg" idx="2"/>
+            <p:ph idx="2" type="sldImg"/>
           </p:nvPr>
         </p:nvSpPr>
         <p:spPr>
@@ -1921,13 +1952,9 @@
             <a:ext cx="6096000" cy="3429000"/>
           </a:xfrm>
           <a:custGeom>
-            <a:avLst/>
-            <a:gdLst/>
-            <a:ahLst/>
-            <a:cxnLst/>
-            <a:rect l="l" t="t" r="r" b="b"/>
+            <a:rect b="b" l="l" r="r" t="t"/>
             <a:pathLst>
-              <a:path w="120000" h="120000" extrusionOk="0">
+              <a:path extrusionOk="0" h="120000" w="120000">
                 <a:moveTo>
                   <a:pt x="0" y="0"/>
                 </a:moveTo>
@@ -1948,12 +1975,10 @@
       </p:sp>
       <p:sp>
         <p:nvSpPr>
-          <p:cNvPr id="97" name="Google Shape;97;g12143f04ae5_0_114:notes"/>
-          <p:cNvSpPr txBox="1">
-            <a:spLocks noGrp="1"/>
-          </p:cNvSpPr>
+          <p:cNvPr id="97" name="Google Shape;97;g122d9a2b77e_0_104:notes"/>
+          <p:cNvSpPr txBox="1"/>
           <p:nvPr>
-            <p:ph type="body" idx="1"/>
+            <p:ph idx="1" type="body"/>
           </p:nvPr>
         </p:nvSpPr>
         <p:spPr>
@@ -1966,20 +1991,51 @@
           </a:prstGeom>
         </p:spPr>
         <p:txBody>
-          <a:bodyPr spcFirstLastPara="1" wrap="square" lIns="91425" tIns="91425" rIns="91425" bIns="91425" anchor="t" anchorCtr="0">
+          <a:bodyPr anchorCtr="0" anchor="t" bIns="91425" lIns="91425" spcFirstLastPara="1" rIns="91425" wrap="square" tIns="91425">
             <a:noAutofit/>
           </a:bodyPr>
           <a:lstStyle/>
           <a:p>
-            <a:pPr marL="0" lvl="0" indent="0" algn="l" rtl="0">
-              <a:spcBef>
-                <a:spcPts val="0"/>
-              </a:spcBef>
-              <a:spcAft>
-                <a:spcPts val="0"/>
-              </a:spcAft>
-              <a:buNone/>
-            </a:pPr>
+            <a:pPr indent="0" lvl="0" marL="0" rtl="0" algn="l">
+              <a:spcBef>
+                <a:spcPts val="0"/>
+              </a:spcBef>
+              <a:spcAft>
+                <a:spcPts val="0"/>
+              </a:spcAft>
+              <a:buNone/>
+            </a:pPr>
+            <a:r>
+              <a:rPr lang="en"/>
+              <a:t>Generally not a high degree of certainty even with just choosing between 2 instructions (all mental commands no movements) </a:t>
+            </a:r>
+            <a:r>
+              <a:rPr lang="en">
+                <a:solidFill>
+                  <a:schemeClr val="dk1"/>
+                </a:solidFill>
+              </a:rPr>
+              <a:t>Other companies have many more resources than we do, for instance some places have 32 nodes in their headsets as opposed to our 8 working ones and our headset takes in a lot of noise as evidenced by one training session in a room bombarded with some sort of electromagnetic waves (could continue talking about other finished products)</a:t>
+            </a:r>
+            <a:endParaRPr>
+              <a:solidFill>
+                <a:schemeClr val="dk1"/>
+              </a:solidFill>
+            </a:endParaRPr>
+          </a:p>
+          <a:p>
+            <a:pPr indent="0" lvl="0" marL="0" rtl="0" algn="l">
+              <a:spcBef>
+                <a:spcPts val="0"/>
+              </a:spcBef>
+              <a:spcAft>
+                <a:spcPts val="0"/>
+              </a:spcAft>
+              <a:buNone/>
+            </a:pPr>
+            <a:r>
+              <a:t/>
+            </a:r>
             <a:endParaRPr/>
           </a:p>
         </p:txBody>
@@ -1993,11 +2049,11 @@
 </file>
 
 <file path=ppt/notesSlides/notesSlide8.xml><?xml version="1.0" encoding="utf-8"?>
-<p:notes xmlns:a="http://schemas.openxmlformats.org/drawingml/2006/main" xmlns:r="http://schemas.openxmlformats.org/officeDocument/2006/relationships" xmlns:p="http://schemas.openxmlformats.org/presentationml/2006/main" showMasterSp="0" showMasterPhAnim="0">
+<p:notes xmlns:a="http://schemas.openxmlformats.org/drawingml/2006/main" xmlns:r="http://schemas.openxmlformats.org/officeDocument/2006/relationships" xmlns:mc="http://schemas.openxmlformats.org/markup-compatibility/2006" xmlns:mv="urn:schemas-microsoft-com:mac:vml" xmlns:p="http://schemas.openxmlformats.org/presentationml/2006/main" xmlns:c="http://schemas.openxmlformats.org/drawingml/2006/chart" xmlns:dgm="http://schemas.openxmlformats.org/drawingml/2006/diagram" xmlns:o="urn:schemas-microsoft-com:office:office" xmlns:v="urn:schemas-microsoft-com:vml" xmlns:pvml="urn:schemas-microsoft-com:office:powerpoint" xmlns:com="http://schemas.openxmlformats.org/drawingml/2006/compatibility" xmlns:p14="http://schemas.microsoft.com/office/powerpoint/2010/main" xmlns:p15="http://schemas.microsoft.com/office/powerpoint/2012/main" xmlns:ahyp="http://schemas.microsoft.com/office/drawing/2018/hyperlinkcolor" showMasterPhAnim="0" showMasterSp="0">
   <p:cSld>
     <p:spTree>
       <p:nvGrpSpPr>
-        <p:cNvPr id="1" name="Shape 101"/>
+        <p:cNvPr id="103" name="Shape 103"/>
         <p:cNvGrpSpPr/>
         <p:nvPr/>
       </p:nvGrpSpPr>
@@ -2011,12 +2067,10 @@
       </p:grpSpPr>
       <p:sp>
         <p:nvSpPr>
-          <p:cNvPr id="102" name="Google Shape;102;g12143f04ae5_0_98:notes"/>
-          <p:cNvSpPr>
-            <a:spLocks noGrp="1" noRot="1" noChangeAspect="1"/>
-          </p:cNvSpPr>
+          <p:cNvPr id="104" name="Google Shape;104;g12143f04ae5_0_98:notes"/>
+          <p:cNvSpPr/>
           <p:nvPr>
-            <p:ph type="sldImg" idx="2"/>
+            <p:ph idx="2" type="sldImg"/>
           </p:nvPr>
         </p:nvSpPr>
         <p:spPr>
@@ -2025,13 +2079,9 @@
             <a:ext cx="6096000" cy="3429000"/>
           </a:xfrm>
           <a:custGeom>
-            <a:avLst/>
-            <a:gdLst/>
-            <a:ahLst/>
-            <a:cxnLst/>
-            <a:rect l="l" t="t" r="r" b="b"/>
+            <a:rect b="b" l="l" r="r" t="t"/>
             <a:pathLst>
-              <a:path w="120000" h="120000" extrusionOk="0">
+              <a:path extrusionOk="0" h="120000" w="120000">
                 <a:moveTo>
                   <a:pt x="0" y="0"/>
                 </a:moveTo>
@@ -2052,12 +2102,10 @@
       </p:sp>
       <p:sp>
         <p:nvSpPr>
-          <p:cNvPr id="103" name="Google Shape;103;g12143f04ae5_0_98:notes"/>
-          <p:cNvSpPr txBox="1">
-            <a:spLocks noGrp="1"/>
-          </p:cNvSpPr>
+          <p:cNvPr id="105" name="Google Shape;105;g12143f04ae5_0_98:notes"/>
+          <p:cNvSpPr txBox="1"/>
           <p:nvPr>
-            <p:ph type="body" idx="1"/>
+            <p:ph idx="1" type="body"/>
           </p:nvPr>
         </p:nvSpPr>
         <p:spPr>
@@ -2070,20 +2118,24 @@
           </a:prstGeom>
         </p:spPr>
         <p:txBody>
-          <a:bodyPr spcFirstLastPara="1" wrap="square" lIns="91425" tIns="91425" rIns="91425" bIns="91425" anchor="t" anchorCtr="0">
+          <a:bodyPr anchorCtr="0" anchor="t" bIns="91425" lIns="91425" spcFirstLastPara="1" rIns="91425" wrap="square" tIns="91425">
             <a:noAutofit/>
           </a:bodyPr>
           <a:lstStyle/>
           <a:p>
-            <a:pPr marL="0" lvl="0" indent="0" algn="l" rtl="0">
-              <a:spcBef>
-                <a:spcPts val="0"/>
-              </a:spcBef>
-              <a:spcAft>
-                <a:spcPts val="0"/>
-              </a:spcAft>
-              <a:buNone/>
-            </a:pPr>
+            <a:pPr indent="0" lvl="0" marL="0" rtl="0" algn="l">
+              <a:spcBef>
+                <a:spcPts val="0"/>
+              </a:spcBef>
+              <a:spcAft>
+                <a:spcPts val="0"/>
+              </a:spcAft>
+              <a:buNone/>
+            </a:pPr>
+            <a:r>
+              <a:rPr lang="en"/>
+              <a:t>Brandon for slides 8/9 ?</a:t>
+            </a:r>
             <a:endParaRPr/>
           </a:p>
         </p:txBody>
@@ -2097,11 +2149,11 @@
 </file>
 
 <file path=ppt/notesSlides/notesSlide9.xml><?xml version="1.0" encoding="utf-8"?>
-<p:notes xmlns:a="http://schemas.openxmlformats.org/drawingml/2006/main" xmlns:r="http://schemas.openxmlformats.org/officeDocument/2006/relationships" xmlns:p="http://schemas.openxmlformats.org/presentationml/2006/main" showMasterSp="0" showMasterPhAnim="0">
+<p:notes xmlns:a="http://schemas.openxmlformats.org/drawingml/2006/main" xmlns:r="http://schemas.openxmlformats.org/officeDocument/2006/relationships" xmlns:mc="http://schemas.openxmlformats.org/markup-compatibility/2006" xmlns:mv="urn:schemas-microsoft-com:mac:vml" xmlns:p="http://schemas.openxmlformats.org/presentationml/2006/main" xmlns:c="http://schemas.openxmlformats.org/drawingml/2006/chart" xmlns:dgm="http://schemas.openxmlformats.org/drawingml/2006/diagram" xmlns:o="urn:schemas-microsoft-com:office:office" xmlns:v="urn:schemas-microsoft-com:vml" xmlns:pvml="urn:schemas-microsoft-com:office:powerpoint" xmlns:com="http://schemas.openxmlformats.org/drawingml/2006/compatibility" xmlns:p14="http://schemas.microsoft.com/office/powerpoint/2010/main" xmlns:p15="http://schemas.microsoft.com/office/powerpoint/2012/main" xmlns:ahyp="http://schemas.microsoft.com/office/drawing/2018/hyperlinkcolor" showMasterPhAnim="0" showMasterSp="0">
   <p:cSld>
     <p:spTree>
       <p:nvGrpSpPr>
-        <p:cNvPr id="1" name="Shape 107"/>
+        <p:cNvPr id="109" name="Shape 109"/>
         <p:cNvGrpSpPr/>
         <p:nvPr/>
       </p:nvGrpSpPr>
@@ -2115,12 +2167,10 @@
       </p:grpSpPr>
       <p:sp>
         <p:nvSpPr>
-          <p:cNvPr id="108" name="Google Shape;108;g12143f04ae5_0_150:notes"/>
-          <p:cNvSpPr>
-            <a:spLocks noGrp="1" noRot="1" noChangeAspect="1"/>
-          </p:cNvSpPr>
+          <p:cNvPr id="110" name="Google Shape;110;g12143f04ae5_0_150:notes"/>
+          <p:cNvSpPr/>
           <p:nvPr>
-            <p:ph type="sldImg" idx="2"/>
+            <p:ph idx="2" type="sldImg"/>
           </p:nvPr>
         </p:nvSpPr>
         <p:spPr>
@@ -2129,13 +2179,9 @@
             <a:ext cx="6096000" cy="3429000"/>
           </a:xfrm>
           <a:custGeom>
-            <a:avLst/>
-            <a:gdLst/>
-            <a:ahLst/>
-            <a:cxnLst/>
-            <a:rect l="l" t="t" r="r" b="b"/>
+            <a:rect b="b" l="l" r="r" t="t"/>
             <a:pathLst>
-              <a:path w="120000" h="120000" extrusionOk="0">
+              <a:path extrusionOk="0" h="120000" w="120000">
                 <a:moveTo>
                   <a:pt x="0" y="0"/>
                 </a:moveTo>
@@ -2156,12 +2202,10 @@
       </p:sp>
       <p:sp>
         <p:nvSpPr>
-          <p:cNvPr id="109" name="Google Shape;109;g12143f04ae5_0_150:notes"/>
-          <p:cNvSpPr txBox="1">
-            <a:spLocks noGrp="1"/>
-          </p:cNvSpPr>
+          <p:cNvPr id="111" name="Google Shape;111;g12143f04ae5_0_150:notes"/>
+          <p:cNvSpPr txBox="1"/>
           <p:nvPr>
-            <p:ph type="body" idx="1"/>
+            <p:ph idx="1" type="body"/>
           </p:nvPr>
         </p:nvSpPr>
         <p:spPr>
@@ -2174,12 +2218,12 @@
           </a:prstGeom>
         </p:spPr>
         <p:txBody>
-          <a:bodyPr spcFirstLastPara="1" wrap="square" lIns="91425" tIns="91425" rIns="91425" bIns="91425" anchor="t" anchorCtr="0">
+          <a:bodyPr anchorCtr="0" anchor="t" bIns="91425" lIns="91425" spcFirstLastPara="1" rIns="91425" wrap="square" tIns="91425">
             <a:noAutofit/>
           </a:bodyPr>
           <a:lstStyle/>
           <a:p>
-            <a:pPr marL="0" lvl="0" indent="0" algn="l" rtl="0">
+            <a:pPr indent="0" lvl="0" marL="0" rtl="0" algn="l">
               <a:spcBef>
                 <a:spcPts val="0"/>
               </a:spcBef>
@@ -2205,11 +2249,11 @@
 </file>
 
 <file path=ppt/slideLayouts/slideLayout1.xml><?xml version="1.0" encoding="utf-8"?>
-<p:sldLayout xmlns:a="http://schemas.openxmlformats.org/drawingml/2006/main" xmlns:r="http://schemas.openxmlformats.org/officeDocument/2006/relationships" xmlns:p="http://schemas.openxmlformats.org/presentationml/2006/main" matchingName="Title slide" type="title">
+<p:sldLayout xmlns:a="http://schemas.openxmlformats.org/drawingml/2006/main" xmlns:r="http://schemas.openxmlformats.org/officeDocument/2006/relationships" xmlns:mc="http://schemas.openxmlformats.org/markup-compatibility/2006" xmlns:mv="urn:schemas-microsoft-com:mac:vml" xmlns:p="http://schemas.openxmlformats.org/presentationml/2006/main" xmlns:c="http://schemas.openxmlformats.org/drawingml/2006/chart" xmlns:dgm="http://schemas.openxmlformats.org/drawingml/2006/diagram" xmlns:o="urn:schemas-microsoft-com:office:office" xmlns:v="urn:schemas-microsoft-com:vml" xmlns:pvml="urn:schemas-microsoft-com:office:powerpoint" xmlns:com="http://schemas.openxmlformats.org/drawingml/2006/compatibility" xmlns:p14="http://schemas.microsoft.com/office/powerpoint/2010/main" xmlns:p15="http://schemas.microsoft.com/office/powerpoint/2012/main" xmlns:ahyp="http://schemas.microsoft.com/office/drawing/2018/hyperlinkcolor" matchingName="Title slide" type="title">
   <p:cSld name="TITLE">
     <p:spTree>
       <p:nvGrpSpPr>
-        <p:cNvPr id="1" name="Shape 9"/>
+        <p:cNvPr id="9" name="Shape 9"/>
         <p:cNvGrpSpPr/>
         <p:nvPr/>
       </p:nvGrpSpPr>
@@ -2233,13 +2277,9 @@
             <a:ext cx="1081625" cy="1124950"/>
           </a:xfrm>
           <a:custGeom>
-            <a:avLst/>
-            <a:gdLst/>
-            <a:ahLst/>
-            <a:cxnLst/>
-            <a:rect l="l" t="t" r="r" b="b"/>
+            <a:rect b="b" l="l" r="r" t="t"/>
             <a:pathLst>
-              <a:path w="43265" h="44998" extrusionOk="0">
+              <a:path extrusionOk="0" h="44998" w="43265">
                 <a:moveTo>
                   <a:pt x="0" y="44998"/>
                 </a:moveTo>
@@ -2253,14 +2293,14 @@
             </a:pathLst>
           </a:custGeom>
           <a:noFill/>
-          <a:ln w="28575" cap="flat" cmpd="sng">
+          <a:ln cap="flat" cmpd="sng" w="28575">
             <a:solidFill>
               <a:schemeClr val="accent5"/>
             </a:solidFill>
             <a:prstDash val="solid"/>
             <a:miter lim="8000"/>
-            <a:headEnd type="none" w="sm" len="sm"/>
-            <a:tailEnd type="none" w="sm" len="sm"/>
+            <a:headEnd len="sm" w="sm" type="none"/>
+            <a:tailEnd len="sm" w="sm" type="none"/>
           </a:ln>
         </p:spPr>
       </p:sp>
@@ -2276,13 +2316,9 @@
             <a:ext cx="1081625" cy="1124950"/>
           </a:xfrm>
           <a:custGeom>
-            <a:avLst/>
-            <a:gdLst/>
-            <a:ahLst/>
-            <a:cxnLst/>
-            <a:rect l="l" t="t" r="r" b="b"/>
+            <a:rect b="b" l="l" r="r" t="t"/>
             <a:pathLst>
-              <a:path w="43265" h="44998" extrusionOk="0">
+              <a:path extrusionOk="0" h="44998" w="43265">
                 <a:moveTo>
                   <a:pt x="0" y="44998"/>
                 </a:moveTo>
@@ -2296,14 +2332,14 @@
             </a:pathLst>
           </a:custGeom>
           <a:noFill/>
-          <a:ln w="28575" cap="flat" cmpd="sng">
+          <a:ln cap="flat" cmpd="sng" w="28575">
             <a:solidFill>
               <a:schemeClr val="accent5"/>
             </a:solidFill>
             <a:prstDash val="solid"/>
             <a:miter lim="8000"/>
-            <a:headEnd type="none" w="sm" len="sm"/>
-            <a:tailEnd type="none" w="sm" len="sm"/>
+            <a:headEnd len="sm" w="sm" type="none"/>
+            <a:tailEnd len="sm" w="sm" type="none"/>
           </a:ln>
         </p:spPr>
       </p:sp>
@@ -2322,23 +2358,21 @@
             <a:avLst/>
           </a:prstGeom>
           <a:noFill/>
-          <a:ln w="38100" cap="flat" cmpd="sng">
+          <a:ln cap="flat" cmpd="sng" w="38100">
             <a:solidFill>
               <a:schemeClr val="accent4"/>
             </a:solidFill>
             <a:prstDash val="solid"/>
             <a:round/>
-            <a:headEnd type="none" w="sm" len="sm"/>
-            <a:tailEnd type="none" w="sm" len="sm"/>
+            <a:headEnd len="sm" w="sm" type="none"/>
+            <a:tailEnd len="sm" w="sm" type="none"/>
           </a:ln>
         </p:spPr>
       </p:cxnSp>
       <p:sp>
         <p:nvSpPr>
           <p:cNvPr id="13" name="Google Shape;13;p2"/>
-          <p:cNvSpPr txBox="1">
-            <a:spLocks noGrp="1"/>
-          </p:cNvSpPr>
+          <p:cNvSpPr txBox="1"/>
           <p:nvPr>
             <p:ph type="ctrTitle"/>
           </p:nvPr>
@@ -2353,7 +2387,7 @@
           </a:prstGeom>
         </p:spPr>
         <p:txBody>
-          <a:bodyPr spcFirstLastPara="1" wrap="square" lIns="91425" tIns="91425" rIns="91425" bIns="91425" anchor="b" anchorCtr="0">
+          <a:bodyPr anchorCtr="0" anchor="b" bIns="91425" lIns="91425" spcFirstLastPara="1" rIns="91425" wrap="square" tIns="91425">
             <a:normAutofit/>
           </a:bodyPr>
           <a:lstStyle>
@@ -2457,19 +2491,15 @@
               <a:defRPr sz="4000"/>
             </a:lvl9pPr>
           </a:lstStyle>
-          <a:p>
-            <a:endParaRPr/>
-          </a:p>
+          <a:p/>
         </p:txBody>
       </p:sp>
       <p:sp>
         <p:nvSpPr>
           <p:cNvPr id="14" name="Google Shape;14;p2"/>
-          <p:cNvSpPr txBox="1">
-            <a:spLocks noGrp="1"/>
-          </p:cNvSpPr>
+          <p:cNvSpPr txBox="1"/>
           <p:nvPr>
-            <p:ph type="subTitle" idx="1"/>
+            <p:ph idx="1" type="subTitle"/>
           </p:nvPr>
         </p:nvSpPr>
         <p:spPr>
@@ -2482,7 +2512,7 @@
           </a:prstGeom>
         </p:spPr>
         <p:txBody>
-          <a:bodyPr spcFirstLastPara="1" wrap="square" lIns="91425" tIns="91425" rIns="91425" bIns="91425" anchor="t" anchorCtr="0">
+          <a:bodyPr anchorCtr="0" anchor="t" bIns="91425" lIns="91425" spcFirstLastPara="1" rIns="91425" wrap="square" tIns="91425">
             <a:normAutofit/>
           </a:bodyPr>
           <a:lstStyle>
@@ -2721,19 +2751,15 @@
               </a:defRPr>
             </a:lvl9pPr>
           </a:lstStyle>
-          <a:p>
-            <a:endParaRPr/>
-          </a:p>
+          <a:p/>
         </p:txBody>
       </p:sp>
       <p:sp>
         <p:nvSpPr>
           <p:cNvPr id="15" name="Google Shape;15;p2"/>
-          <p:cNvSpPr txBox="1">
-            <a:spLocks noGrp="1"/>
-          </p:cNvSpPr>
+          <p:cNvSpPr txBox="1"/>
           <p:nvPr>
-            <p:ph type="sldNum" idx="12"/>
+            <p:ph idx="12" type="sldNum"/>
           </p:nvPr>
         </p:nvSpPr>
         <p:spPr>
@@ -2746,7 +2772,7 @@
           </a:prstGeom>
         </p:spPr>
         <p:txBody>
-          <a:bodyPr spcFirstLastPara="1" wrap="square" lIns="91425" tIns="91425" rIns="91425" bIns="91425" anchor="ctr" anchorCtr="0">
+          <a:bodyPr anchorCtr="0" anchor="ctr" bIns="91425" lIns="91425" spcFirstLastPara="1" rIns="91425" wrap="square" tIns="91425">
             <a:normAutofit/>
           </a:bodyPr>
           <a:lstStyle>
@@ -2788,7 +2814,7 @@
             </a:lvl9pPr>
           </a:lstStyle>
           <a:p>
-            <a:pPr marL="0" lvl="0" indent="0" algn="r" rtl="0">
+            <a:pPr indent="0" lvl="0" marL="0" rtl="0" algn="r">
               <a:spcBef>
                 <a:spcPts val="0"/>
               </a:spcBef>
@@ -2814,11 +2840,11 @@
 </file>
 
 <file path=ppt/slideLayouts/slideLayout10.xml><?xml version="1.0" encoding="utf-8"?>
-<p:sldLayout xmlns:a="http://schemas.openxmlformats.org/drawingml/2006/main" xmlns:r="http://schemas.openxmlformats.org/officeDocument/2006/relationships" xmlns:p="http://schemas.openxmlformats.org/presentationml/2006/main" matchingName="Big number">
+<p:sldLayout xmlns:a="http://schemas.openxmlformats.org/drawingml/2006/main" xmlns:r="http://schemas.openxmlformats.org/officeDocument/2006/relationships" xmlns:mc="http://schemas.openxmlformats.org/markup-compatibility/2006" xmlns:mv="urn:schemas-microsoft-com:mac:vml" xmlns:p="http://schemas.openxmlformats.org/presentationml/2006/main" xmlns:c="http://schemas.openxmlformats.org/drawingml/2006/chart" xmlns:dgm="http://schemas.openxmlformats.org/drawingml/2006/diagram" xmlns:o="urn:schemas-microsoft-com:office:office" xmlns:v="urn:schemas-microsoft-com:vml" xmlns:pvml="urn:schemas-microsoft-com:office:powerpoint" xmlns:com="http://schemas.openxmlformats.org/drawingml/2006/compatibility" xmlns:p14="http://schemas.microsoft.com/office/powerpoint/2010/main" xmlns:p15="http://schemas.microsoft.com/office/powerpoint/2012/main" xmlns:ahyp="http://schemas.microsoft.com/office/drawing/2018/hyperlinkcolor" matchingName="Big number">
   <p:cSld name="BIG_NUMBER">
     <p:spTree>
       <p:nvGrpSpPr>
-        <p:cNvPr id="1" name="Shape 52"/>
+        <p:cNvPr id="52" name="Shape 52"/>
         <p:cNvGrpSpPr/>
         <p:nvPr/>
       </p:nvGrpSpPr>
@@ -2852,20 +2878,23 @@
           </a:ln>
         </p:spPr>
         <p:txBody>
-          <a:bodyPr spcFirstLastPara="1" wrap="square" lIns="91425" tIns="91425" rIns="91425" bIns="91425" anchor="ctr" anchorCtr="0">
+          <a:bodyPr anchorCtr="0" anchor="ctr" bIns="91425" lIns="91425" spcFirstLastPara="1" rIns="91425" wrap="square" tIns="91425">
             <a:noAutofit/>
           </a:bodyPr>
           <a:lstStyle/>
           <a:p>
-            <a:pPr marL="0" lvl="0" indent="0" algn="l" rtl="0">
-              <a:spcBef>
-                <a:spcPts val="0"/>
-              </a:spcBef>
-              <a:spcAft>
-                <a:spcPts val="0"/>
-              </a:spcAft>
-              <a:buNone/>
-            </a:pPr>
+            <a:pPr indent="0" lvl="0" marL="0" rtl="0" algn="l">
+              <a:spcBef>
+                <a:spcPts val="0"/>
+              </a:spcBef>
+              <a:spcAft>
+                <a:spcPts val="0"/>
+              </a:spcAft>
+              <a:buNone/>
+            </a:pPr>
+            <a:r>
+              <a:t/>
+            </a:r>
             <a:endParaRPr/>
           </a:p>
         </p:txBody>
@@ -2873,11 +2902,9 @@
       <p:sp>
         <p:nvSpPr>
           <p:cNvPr id="54" name="Google Shape;54;p11"/>
-          <p:cNvSpPr txBox="1">
-            <a:spLocks noGrp="1"/>
-          </p:cNvSpPr>
+          <p:cNvSpPr txBox="1"/>
           <p:nvPr>
-            <p:ph type="title" hasCustomPrompt="1"/>
+            <p:ph hasCustomPrompt="1" type="title"/>
           </p:nvPr>
         </p:nvSpPr>
         <p:spPr>
@@ -2890,7 +2917,7 @@
           </a:prstGeom>
         </p:spPr>
         <p:txBody>
-          <a:bodyPr spcFirstLastPara="1" wrap="square" lIns="91425" tIns="91425" rIns="91425" bIns="91425" anchor="ctr" anchorCtr="0">
+          <a:bodyPr anchorCtr="0" anchor="ctr" bIns="91425" lIns="91425" spcFirstLastPara="1" rIns="91425" wrap="square" tIns="91425">
             <a:normAutofit/>
           </a:bodyPr>
           <a:lstStyle>
@@ -3067,11 +3094,9 @@
       <p:sp>
         <p:nvSpPr>
           <p:cNvPr id="55" name="Google Shape;55;p11"/>
-          <p:cNvSpPr txBox="1">
-            <a:spLocks noGrp="1"/>
-          </p:cNvSpPr>
+          <p:cNvSpPr txBox="1"/>
           <p:nvPr>
-            <p:ph type="body" idx="1"/>
+            <p:ph idx="1" type="body"/>
           </p:nvPr>
         </p:nvSpPr>
         <p:spPr>
@@ -3084,11 +3109,11 @@
           </a:prstGeom>
         </p:spPr>
         <p:txBody>
-          <a:bodyPr spcFirstLastPara="1" wrap="square" lIns="91425" tIns="91425" rIns="91425" bIns="91425" anchor="t" anchorCtr="0">
+          <a:bodyPr anchorCtr="0" anchor="t" bIns="91425" lIns="91425" spcFirstLastPara="1" rIns="91425" wrap="square" tIns="91425">
             <a:normAutofit/>
           </a:bodyPr>
           <a:lstStyle>
-            <a:lvl1pPr marL="457200" lvl="0" indent="-342900" algn="ctr">
+            <a:lvl1pPr indent="-342900" lvl="0" marL="457200" algn="ctr">
               <a:spcBef>
                 <a:spcPts val="0"/>
               </a:spcBef>
@@ -3099,7 +3124,7 @@
               <a:buChar char="●"/>
               <a:defRPr/>
             </a:lvl1pPr>
-            <a:lvl2pPr marL="914400" lvl="1" indent="-317500" algn="ctr">
+            <a:lvl2pPr indent="-317500" lvl="1" marL="914400" algn="ctr">
               <a:spcBef>
                 <a:spcPts val="0"/>
               </a:spcBef>
@@ -3110,7 +3135,7 @@
               <a:buChar char="○"/>
               <a:defRPr/>
             </a:lvl2pPr>
-            <a:lvl3pPr marL="1371600" lvl="2" indent="-317500" algn="ctr">
+            <a:lvl3pPr indent="-317500" lvl="2" marL="1371600" algn="ctr">
               <a:spcBef>
                 <a:spcPts val="0"/>
               </a:spcBef>
@@ -3121,7 +3146,7 @@
               <a:buChar char="■"/>
               <a:defRPr/>
             </a:lvl3pPr>
-            <a:lvl4pPr marL="1828800" lvl="3" indent="-317500" algn="ctr">
+            <a:lvl4pPr indent="-317500" lvl="3" marL="1828800" algn="ctr">
               <a:spcBef>
                 <a:spcPts val="0"/>
               </a:spcBef>
@@ -3132,7 +3157,7 @@
               <a:buChar char="●"/>
               <a:defRPr/>
             </a:lvl4pPr>
-            <a:lvl5pPr marL="2286000" lvl="4" indent="-317500" algn="ctr">
+            <a:lvl5pPr indent="-317500" lvl="4" marL="2286000" algn="ctr">
               <a:spcBef>
                 <a:spcPts val="0"/>
               </a:spcBef>
@@ -3143,7 +3168,7 @@
               <a:buChar char="○"/>
               <a:defRPr/>
             </a:lvl5pPr>
-            <a:lvl6pPr marL="2743200" lvl="5" indent="-317500" algn="ctr">
+            <a:lvl6pPr indent="-317500" lvl="5" marL="2743200" algn="ctr">
               <a:spcBef>
                 <a:spcPts val="0"/>
               </a:spcBef>
@@ -3154,7 +3179,7 @@
               <a:buChar char="■"/>
               <a:defRPr/>
             </a:lvl6pPr>
-            <a:lvl7pPr marL="3200400" lvl="6" indent="-317500" algn="ctr">
+            <a:lvl7pPr indent="-317500" lvl="6" marL="3200400" algn="ctr">
               <a:spcBef>
                 <a:spcPts val="0"/>
               </a:spcBef>
@@ -3165,7 +3190,7 @@
               <a:buChar char="●"/>
               <a:defRPr/>
             </a:lvl7pPr>
-            <a:lvl8pPr marL="3657600" lvl="7" indent="-317500" algn="ctr">
+            <a:lvl8pPr indent="-317500" lvl="7" marL="3657600" algn="ctr">
               <a:spcBef>
                 <a:spcPts val="0"/>
               </a:spcBef>
@@ -3176,7 +3201,7 @@
               <a:buChar char="○"/>
               <a:defRPr/>
             </a:lvl8pPr>
-            <a:lvl9pPr marL="4114800" lvl="8" indent="-317500" algn="ctr">
+            <a:lvl9pPr indent="-317500" lvl="8" marL="4114800" algn="ctr">
               <a:spcBef>
                 <a:spcPts val="0"/>
               </a:spcBef>
@@ -3188,19 +3213,15 @@
               <a:defRPr/>
             </a:lvl9pPr>
           </a:lstStyle>
-          <a:p>
-            <a:endParaRPr/>
-          </a:p>
+          <a:p/>
         </p:txBody>
       </p:sp>
       <p:sp>
         <p:nvSpPr>
           <p:cNvPr id="56" name="Google Shape;56;p11"/>
-          <p:cNvSpPr txBox="1">
-            <a:spLocks noGrp="1"/>
-          </p:cNvSpPr>
+          <p:cNvSpPr txBox="1"/>
           <p:nvPr>
-            <p:ph type="sldNum" idx="12"/>
+            <p:ph idx="12" type="sldNum"/>
           </p:nvPr>
         </p:nvSpPr>
         <p:spPr>
@@ -3213,7 +3234,7 @@
           </a:prstGeom>
         </p:spPr>
         <p:txBody>
-          <a:bodyPr spcFirstLastPara="1" wrap="square" lIns="91425" tIns="91425" rIns="91425" bIns="91425" anchor="ctr" anchorCtr="0">
+          <a:bodyPr anchorCtr="0" anchor="ctr" bIns="91425" lIns="91425" spcFirstLastPara="1" rIns="91425" wrap="square" tIns="91425">
             <a:normAutofit/>
           </a:bodyPr>
           <a:lstStyle>
@@ -3255,7 +3276,7 @@
             </a:lvl9pPr>
           </a:lstStyle>
           <a:p>
-            <a:pPr marL="0" lvl="0" indent="0" algn="r" rtl="0">
+            <a:pPr indent="0" lvl="0" marL="0" rtl="0" algn="r">
               <a:spcBef>
                 <a:spcPts val="0"/>
               </a:spcBef>
@@ -3281,11 +3302,11 @@
 </file>
 
 <file path=ppt/slideLayouts/slideLayout11.xml><?xml version="1.0" encoding="utf-8"?>
-<p:sldLayout xmlns:a="http://schemas.openxmlformats.org/drawingml/2006/main" xmlns:r="http://schemas.openxmlformats.org/officeDocument/2006/relationships" xmlns:p="http://schemas.openxmlformats.org/presentationml/2006/main" matchingName="Blank" type="blank">
+<p:sldLayout xmlns:a="http://schemas.openxmlformats.org/drawingml/2006/main" xmlns:r="http://schemas.openxmlformats.org/officeDocument/2006/relationships" xmlns:mc="http://schemas.openxmlformats.org/markup-compatibility/2006" xmlns:mv="urn:schemas-microsoft-com:mac:vml" xmlns:p="http://schemas.openxmlformats.org/presentationml/2006/main" xmlns:c="http://schemas.openxmlformats.org/drawingml/2006/chart" xmlns:dgm="http://schemas.openxmlformats.org/drawingml/2006/diagram" xmlns:o="urn:schemas-microsoft-com:office:office" xmlns:v="urn:schemas-microsoft-com:vml" xmlns:pvml="urn:schemas-microsoft-com:office:powerpoint" xmlns:com="http://schemas.openxmlformats.org/drawingml/2006/compatibility" xmlns:p14="http://schemas.microsoft.com/office/powerpoint/2010/main" xmlns:p15="http://schemas.microsoft.com/office/powerpoint/2012/main" xmlns:ahyp="http://schemas.microsoft.com/office/drawing/2018/hyperlinkcolor" matchingName="Blank" type="blank">
   <p:cSld name="BLANK">
     <p:spTree>
       <p:nvGrpSpPr>
-        <p:cNvPr id="1" name="Shape 57"/>
+        <p:cNvPr id="57" name="Shape 57"/>
         <p:cNvGrpSpPr/>
         <p:nvPr/>
       </p:nvGrpSpPr>
@@ -3300,11 +3321,9 @@
       <p:sp>
         <p:nvSpPr>
           <p:cNvPr id="58" name="Google Shape;58;p12"/>
-          <p:cNvSpPr txBox="1">
-            <a:spLocks noGrp="1"/>
-          </p:cNvSpPr>
+          <p:cNvSpPr txBox="1"/>
           <p:nvPr>
-            <p:ph type="sldNum" idx="12"/>
+            <p:ph idx="12" type="sldNum"/>
           </p:nvPr>
         </p:nvSpPr>
         <p:spPr>
@@ -3317,7 +3336,7 @@
           </a:prstGeom>
         </p:spPr>
         <p:txBody>
-          <a:bodyPr spcFirstLastPara="1" wrap="square" lIns="91425" tIns="91425" rIns="91425" bIns="91425" anchor="ctr" anchorCtr="0">
+          <a:bodyPr anchorCtr="0" anchor="ctr" bIns="91425" lIns="91425" spcFirstLastPara="1" rIns="91425" wrap="square" tIns="91425">
             <a:normAutofit/>
           </a:bodyPr>
           <a:lstStyle>
@@ -3359,7 +3378,7 @@
             </a:lvl9pPr>
           </a:lstStyle>
           <a:p>
-            <a:pPr marL="0" lvl="0" indent="0" algn="r" rtl="0">
+            <a:pPr indent="0" lvl="0" marL="0" rtl="0" algn="r">
               <a:spcBef>
                 <a:spcPts val="0"/>
               </a:spcBef>
@@ -3385,11 +3404,11 @@
 </file>
 
 <file path=ppt/slideLayouts/slideLayout2.xml><?xml version="1.0" encoding="utf-8"?>
-<p:sldLayout xmlns:a="http://schemas.openxmlformats.org/drawingml/2006/main" xmlns:r="http://schemas.openxmlformats.org/officeDocument/2006/relationships" xmlns:p="http://schemas.openxmlformats.org/presentationml/2006/main" matchingName="Section header" type="secHead">
+<p:sldLayout xmlns:a="http://schemas.openxmlformats.org/drawingml/2006/main" xmlns:r="http://schemas.openxmlformats.org/officeDocument/2006/relationships" xmlns:mc="http://schemas.openxmlformats.org/markup-compatibility/2006" xmlns:mv="urn:schemas-microsoft-com:mac:vml" xmlns:p="http://schemas.openxmlformats.org/presentationml/2006/main" xmlns:c="http://schemas.openxmlformats.org/drawingml/2006/chart" xmlns:dgm="http://schemas.openxmlformats.org/drawingml/2006/diagram" xmlns:o="urn:schemas-microsoft-com:office:office" xmlns:v="urn:schemas-microsoft-com:vml" xmlns:pvml="urn:schemas-microsoft-com:office:powerpoint" xmlns:com="http://schemas.openxmlformats.org/drawingml/2006/compatibility" xmlns:p14="http://schemas.microsoft.com/office/powerpoint/2010/main" xmlns:p15="http://schemas.microsoft.com/office/powerpoint/2012/main" xmlns:ahyp="http://schemas.microsoft.com/office/drawing/2018/hyperlinkcolor" matchingName="Section header" type="secHead">
   <p:cSld name="SECTION_HEADER">
     <p:spTree>
       <p:nvGrpSpPr>
-        <p:cNvPr id="1" name="Shape 16"/>
+        <p:cNvPr id="16" name="Shape 16"/>
         <p:cNvGrpSpPr/>
         <p:nvPr/>
       </p:nvGrpSpPr>
@@ -3416,23 +3435,21 @@
             <a:avLst/>
           </a:prstGeom>
           <a:noFill/>
-          <a:ln w="38100" cap="flat" cmpd="sng">
+          <a:ln cap="flat" cmpd="sng" w="38100">
             <a:solidFill>
               <a:schemeClr val="accent4"/>
             </a:solidFill>
             <a:prstDash val="solid"/>
             <a:round/>
-            <a:headEnd type="none" w="sm" len="sm"/>
-            <a:tailEnd type="none" w="sm" len="sm"/>
+            <a:headEnd len="sm" w="sm" type="none"/>
+            <a:tailEnd len="sm" w="sm" type="none"/>
           </a:ln>
         </p:spPr>
       </p:cxnSp>
       <p:sp>
         <p:nvSpPr>
           <p:cNvPr id="18" name="Google Shape;18;p3"/>
-          <p:cNvSpPr txBox="1">
-            <a:spLocks noGrp="1"/>
-          </p:cNvSpPr>
+          <p:cNvSpPr txBox="1"/>
           <p:nvPr>
             <p:ph type="title"/>
           </p:nvPr>
@@ -3447,7 +3464,7 @@
           </a:prstGeom>
         </p:spPr>
         <p:txBody>
-          <a:bodyPr spcFirstLastPara="1" wrap="square" lIns="91425" tIns="91425" rIns="91425" bIns="91425" anchor="b" anchorCtr="0">
+          <a:bodyPr anchorCtr="0" anchor="b" bIns="91425" lIns="91425" spcFirstLastPara="1" rIns="91425" wrap="square" tIns="91425">
             <a:normAutofit/>
           </a:bodyPr>
           <a:lstStyle>
@@ -3551,19 +3568,15 @@
               <a:defRPr sz="4800"/>
             </a:lvl9pPr>
           </a:lstStyle>
-          <a:p>
-            <a:endParaRPr/>
-          </a:p>
+          <a:p/>
         </p:txBody>
       </p:sp>
       <p:sp>
         <p:nvSpPr>
           <p:cNvPr id="19" name="Google Shape;19;p3"/>
-          <p:cNvSpPr txBox="1">
-            <a:spLocks noGrp="1"/>
-          </p:cNvSpPr>
+          <p:cNvSpPr txBox="1"/>
           <p:nvPr>
-            <p:ph type="sldNum" idx="12"/>
+            <p:ph idx="12" type="sldNum"/>
           </p:nvPr>
         </p:nvSpPr>
         <p:spPr>
@@ -3576,7 +3589,7 @@
           </a:prstGeom>
         </p:spPr>
         <p:txBody>
-          <a:bodyPr spcFirstLastPara="1" wrap="square" lIns="91425" tIns="91425" rIns="91425" bIns="91425" anchor="ctr" anchorCtr="0">
+          <a:bodyPr anchorCtr="0" anchor="ctr" bIns="91425" lIns="91425" spcFirstLastPara="1" rIns="91425" wrap="square" tIns="91425">
             <a:normAutofit/>
           </a:bodyPr>
           <a:lstStyle>
@@ -3618,7 +3631,7 @@
             </a:lvl9pPr>
           </a:lstStyle>
           <a:p>
-            <a:pPr marL="0" lvl="0" indent="0" algn="r" rtl="0">
+            <a:pPr indent="0" lvl="0" marL="0" rtl="0" algn="r">
               <a:spcBef>
                 <a:spcPts val="0"/>
               </a:spcBef>
@@ -3644,11 +3657,11 @@
 </file>
 
 <file path=ppt/slideLayouts/slideLayout3.xml><?xml version="1.0" encoding="utf-8"?>
-<p:sldLayout xmlns:a="http://schemas.openxmlformats.org/drawingml/2006/main" xmlns:r="http://schemas.openxmlformats.org/officeDocument/2006/relationships" xmlns:p="http://schemas.openxmlformats.org/presentationml/2006/main" matchingName="Title and body" type="tx">
+<p:sldLayout xmlns:a="http://schemas.openxmlformats.org/drawingml/2006/main" xmlns:r="http://schemas.openxmlformats.org/officeDocument/2006/relationships" xmlns:mc="http://schemas.openxmlformats.org/markup-compatibility/2006" xmlns:mv="urn:schemas-microsoft-com:mac:vml" xmlns:p="http://schemas.openxmlformats.org/presentationml/2006/main" xmlns:c="http://schemas.openxmlformats.org/drawingml/2006/chart" xmlns:dgm="http://schemas.openxmlformats.org/drawingml/2006/diagram" xmlns:o="urn:schemas-microsoft-com:office:office" xmlns:v="urn:schemas-microsoft-com:vml" xmlns:pvml="urn:schemas-microsoft-com:office:powerpoint" xmlns:com="http://schemas.openxmlformats.org/drawingml/2006/compatibility" xmlns:p14="http://schemas.microsoft.com/office/powerpoint/2010/main" xmlns:p15="http://schemas.microsoft.com/office/powerpoint/2012/main" xmlns:ahyp="http://schemas.microsoft.com/office/drawing/2018/hyperlinkcolor" matchingName="Title and body" type="tx">
   <p:cSld name="TITLE_AND_BODY">
     <p:spTree>
       <p:nvGrpSpPr>
-        <p:cNvPr id="1" name="Shape 20"/>
+        <p:cNvPr id="20" name="Shape 20"/>
         <p:cNvGrpSpPr/>
         <p:nvPr/>
       </p:nvGrpSpPr>
@@ -3675,23 +3688,21 @@
             <a:avLst/>
           </a:prstGeom>
           <a:noFill/>
-          <a:ln w="38100" cap="flat" cmpd="sng">
+          <a:ln cap="flat" cmpd="sng" w="38100">
             <a:solidFill>
               <a:schemeClr val="accent4"/>
             </a:solidFill>
             <a:prstDash val="solid"/>
             <a:round/>
-            <a:headEnd type="none" w="sm" len="sm"/>
-            <a:tailEnd type="none" w="sm" len="sm"/>
+            <a:headEnd len="sm" w="sm" type="none"/>
+            <a:tailEnd len="sm" w="sm" type="none"/>
           </a:ln>
         </p:spPr>
       </p:cxnSp>
       <p:sp>
         <p:nvSpPr>
           <p:cNvPr id="22" name="Google Shape;22;p4"/>
-          <p:cNvSpPr txBox="1">
-            <a:spLocks noGrp="1"/>
-          </p:cNvSpPr>
+          <p:cNvSpPr txBox="1"/>
           <p:nvPr>
             <p:ph type="title"/>
           </p:nvPr>
@@ -3706,7 +3717,7 @@
           </a:prstGeom>
         </p:spPr>
         <p:txBody>
-          <a:bodyPr spcFirstLastPara="1" wrap="square" lIns="91425" tIns="91425" rIns="91425" bIns="91425" anchor="b" anchorCtr="0">
+          <a:bodyPr anchorCtr="0" anchor="b" bIns="91425" lIns="91425" spcFirstLastPara="1" rIns="91425" wrap="square" tIns="91425">
             <a:normAutofit/>
           </a:bodyPr>
           <a:lstStyle>
@@ -3810,19 +3821,15 @@
               <a:defRPr/>
             </a:lvl9pPr>
           </a:lstStyle>
-          <a:p>
-            <a:endParaRPr/>
-          </a:p>
+          <a:p/>
         </p:txBody>
       </p:sp>
       <p:sp>
         <p:nvSpPr>
           <p:cNvPr id="23" name="Google Shape;23;p4"/>
-          <p:cNvSpPr txBox="1">
-            <a:spLocks noGrp="1"/>
-          </p:cNvSpPr>
+          <p:cNvSpPr txBox="1"/>
           <p:nvPr>
-            <p:ph type="body" idx="1"/>
+            <p:ph idx="1" type="body"/>
           </p:nvPr>
         </p:nvSpPr>
         <p:spPr>
@@ -3835,11 +3842,11 @@
           </a:prstGeom>
         </p:spPr>
         <p:txBody>
-          <a:bodyPr spcFirstLastPara="1" wrap="square" lIns="91425" tIns="91425" rIns="91425" bIns="91425" anchor="t" anchorCtr="0">
+          <a:bodyPr anchorCtr="0" anchor="t" bIns="91425" lIns="91425" spcFirstLastPara="1" rIns="91425" wrap="square" tIns="91425">
             <a:normAutofit/>
           </a:bodyPr>
           <a:lstStyle>
-            <a:lvl1pPr marL="457200" lvl="0" indent="-342900">
+            <a:lvl1pPr indent="-342900" lvl="0" marL="457200">
               <a:spcBef>
                 <a:spcPts val="0"/>
               </a:spcBef>
@@ -3850,7 +3857,7 @@
               <a:buChar char="●"/>
               <a:defRPr/>
             </a:lvl1pPr>
-            <a:lvl2pPr marL="914400" lvl="1" indent="-317500">
+            <a:lvl2pPr indent="-317500" lvl="1" marL="914400">
               <a:spcBef>
                 <a:spcPts val="0"/>
               </a:spcBef>
@@ -3861,7 +3868,7 @@
               <a:buChar char="○"/>
               <a:defRPr/>
             </a:lvl2pPr>
-            <a:lvl3pPr marL="1371600" lvl="2" indent="-317500">
+            <a:lvl3pPr indent="-317500" lvl="2" marL="1371600">
               <a:spcBef>
                 <a:spcPts val="0"/>
               </a:spcBef>
@@ -3872,7 +3879,7 @@
               <a:buChar char="■"/>
               <a:defRPr/>
             </a:lvl3pPr>
-            <a:lvl4pPr marL="1828800" lvl="3" indent="-317500">
+            <a:lvl4pPr indent="-317500" lvl="3" marL="1828800">
               <a:spcBef>
                 <a:spcPts val="0"/>
               </a:spcBef>
@@ -3883,7 +3890,7 @@
               <a:buChar char="●"/>
               <a:defRPr/>
             </a:lvl4pPr>
-            <a:lvl5pPr marL="2286000" lvl="4" indent="-317500">
+            <a:lvl5pPr indent="-317500" lvl="4" marL="2286000">
               <a:spcBef>
                 <a:spcPts val="0"/>
               </a:spcBef>
@@ -3894,7 +3901,7 @@
               <a:buChar char="○"/>
               <a:defRPr/>
             </a:lvl5pPr>
-            <a:lvl6pPr marL="2743200" lvl="5" indent="-317500">
+            <a:lvl6pPr indent="-317500" lvl="5" marL="2743200">
               <a:spcBef>
                 <a:spcPts val="0"/>
               </a:spcBef>
@@ -3905,7 +3912,7 @@
               <a:buChar char="■"/>
               <a:defRPr/>
             </a:lvl6pPr>
-            <a:lvl7pPr marL="3200400" lvl="6" indent="-317500">
+            <a:lvl7pPr indent="-317500" lvl="6" marL="3200400">
               <a:spcBef>
                 <a:spcPts val="0"/>
               </a:spcBef>
@@ -3916,7 +3923,7 @@
               <a:buChar char="●"/>
               <a:defRPr/>
             </a:lvl7pPr>
-            <a:lvl8pPr marL="3657600" lvl="7" indent="-317500">
+            <a:lvl8pPr indent="-317500" lvl="7" marL="3657600">
               <a:spcBef>
                 <a:spcPts val="0"/>
               </a:spcBef>
@@ -3927,7 +3934,7 @@
               <a:buChar char="○"/>
               <a:defRPr/>
             </a:lvl8pPr>
-            <a:lvl9pPr marL="4114800" lvl="8" indent="-317500">
+            <a:lvl9pPr indent="-317500" lvl="8" marL="4114800">
               <a:spcBef>
                 <a:spcPts val="0"/>
               </a:spcBef>
@@ -3939,19 +3946,15 @@
               <a:defRPr/>
             </a:lvl9pPr>
           </a:lstStyle>
-          <a:p>
-            <a:endParaRPr/>
-          </a:p>
+          <a:p/>
         </p:txBody>
       </p:sp>
       <p:sp>
         <p:nvSpPr>
           <p:cNvPr id="24" name="Google Shape;24;p4"/>
-          <p:cNvSpPr txBox="1">
-            <a:spLocks noGrp="1"/>
-          </p:cNvSpPr>
+          <p:cNvSpPr txBox="1"/>
           <p:nvPr>
-            <p:ph type="sldNum" idx="12"/>
+            <p:ph idx="12" type="sldNum"/>
           </p:nvPr>
         </p:nvSpPr>
         <p:spPr>
@@ -3964,7 +3967,7 @@
           </a:prstGeom>
         </p:spPr>
         <p:txBody>
-          <a:bodyPr spcFirstLastPara="1" wrap="square" lIns="91425" tIns="91425" rIns="91425" bIns="91425" anchor="ctr" anchorCtr="0">
+          <a:bodyPr anchorCtr="0" anchor="ctr" bIns="91425" lIns="91425" spcFirstLastPara="1" rIns="91425" wrap="square" tIns="91425">
             <a:normAutofit/>
           </a:bodyPr>
           <a:lstStyle>
@@ -4006,7 +4009,7 @@
             </a:lvl9pPr>
           </a:lstStyle>
           <a:p>
-            <a:pPr marL="0" lvl="0" indent="0" algn="r" rtl="0">
+            <a:pPr indent="0" lvl="0" marL="0" rtl="0" algn="r">
               <a:spcBef>
                 <a:spcPts val="0"/>
               </a:spcBef>
@@ -4032,11 +4035,11 @@
 </file>
 
 <file path=ppt/slideLayouts/slideLayout4.xml><?xml version="1.0" encoding="utf-8"?>
-<p:sldLayout xmlns:a="http://schemas.openxmlformats.org/drawingml/2006/main" xmlns:r="http://schemas.openxmlformats.org/officeDocument/2006/relationships" xmlns:p="http://schemas.openxmlformats.org/presentationml/2006/main" matchingName="Title and two columns" type="twoColTx">
+<p:sldLayout xmlns:a="http://schemas.openxmlformats.org/drawingml/2006/main" xmlns:r="http://schemas.openxmlformats.org/officeDocument/2006/relationships" xmlns:mc="http://schemas.openxmlformats.org/markup-compatibility/2006" xmlns:mv="urn:schemas-microsoft-com:mac:vml" xmlns:p="http://schemas.openxmlformats.org/presentationml/2006/main" xmlns:c="http://schemas.openxmlformats.org/drawingml/2006/chart" xmlns:dgm="http://schemas.openxmlformats.org/drawingml/2006/diagram" xmlns:o="urn:schemas-microsoft-com:office:office" xmlns:v="urn:schemas-microsoft-com:vml" xmlns:pvml="urn:schemas-microsoft-com:office:powerpoint" xmlns:com="http://schemas.openxmlformats.org/drawingml/2006/compatibility" xmlns:p14="http://schemas.microsoft.com/office/powerpoint/2010/main" xmlns:p15="http://schemas.microsoft.com/office/powerpoint/2012/main" xmlns:ahyp="http://schemas.microsoft.com/office/drawing/2018/hyperlinkcolor" matchingName="Title and two columns" type="twoColTx">
   <p:cSld name="TITLE_AND_TWO_COLUMNS">
     <p:spTree>
       <p:nvGrpSpPr>
-        <p:cNvPr id="1" name="Shape 25"/>
+        <p:cNvPr id="25" name="Shape 25"/>
         <p:cNvGrpSpPr/>
         <p:nvPr/>
       </p:nvGrpSpPr>
@@ -4063,23 +4066,21 @@
             <a:avLst/>
           </a:prstGeom>
           <a:noFill/>
-          <a:ln w="38100" cap="flat" cmpd="sng">
+          <a:ln cap="flat" cmpd="sng" w="38100">
             <a:solidFill>
               <a:schemeClr val="accent4"/>
             </a:solidFill>
             <a:prstDash val="solid"/>
             <a:round/>
-            <a:headEnd type="none" w="sm" len="sm"/>
-            <a:tailEnd type="none" w="sm" len="sm"/>
+            <a:headEnd len="sm" w="sm" type="none"/>
+            <a:tailEnd len="sm" w="sm" type="none"/>
           </a:ln>
         </p:spPr>
       </p:cxnSp>
       <p:sp>
         <p:nvSpPr>
           <p:cNvPr id="27" name="Google Shape;27;p5"/>
-          <p:cNvSpPr txBox="1">
-            <a:spLocks noGrp="1"/>
-          </p:cNvSpPr>
+          <p:cNvSpPr txBox="1"/>
           <p:nvPr>
             <p:ph type="title"/>
           </p:nvPr>
@@ -4094,7 +4095,7 @@
           </a:prstGeom>
         </p:spPr>
         <p:txBody>
-          <a:bodyPr spcFirstLastPara="1" wrap="square" lIns="91425" tIns="91425" rIns="91425" bIns="91425" anchor="b" anchorCtr="0">
+          <a:bodyPr anchorCtr="0" anchor="b" bIns="91425" lIns="91425" spcFirstLastPara="1" rIns="91425" wrap="square" tIns="91425">
             <a:normAutofit/>
           </a:bodyPr>
           <a:lstStyle>
@@ -4198,19 +4199,15 @@
               <a:defRPr/>
             </a:lvl9pPr>
           </a:lstStyle>
-          <a:p>
-            <a:endParaRPr/>
-          </a:p>
+          <a:p/>
         </p:txBody>
       </p:sp>
       <p:sp>
         <p:nvSpPr>
           <p:cNvPr id="28" name="Google Shape;28;p5"/>
-          <p:cNvSpPr txBox="1">
-            <a:spLocks noGrp="1"/>
-          </p:cNvSpPr>
+          <p:cNvSpPr txBox="1"/>
           <p:nvPr>
-            <p:ph type="body" idx="1"/>
+            <p:ph idx="1" type="body"/>
           </p:nvPr>
         </p:nvSpPr>
         <p:spPr>
@@ -4223,11 +4220,11 @@
           </a:prstGeom>
         </p:spPr>
         <p:txBody>
-          <a:bodyPr spcFirstLastPara="1" wrap="square" lIns="91425" tIns="91425" rIns="91425" bIns="91425" anchor="t" anchorCtr="0">
+          <a:bodyPr anchorCtr="0" anchor="t" bIns="91425" lIns="91425" spcFirstLastPara="1" rIns="91425" wrap="square" tIns="91425">
             <a:normAutofit/>
           </a:bodyPr>
           <a:lstStyle>
-            <a:lvl1pPr marL="457200" lvl="0" indent="-317500">
+            <a:lvl1pPr indent="-317500" lvl="0" marL="457200">
               <a:spcBef>
                 <a:spcPts val="0"/>
               </a:spcBef>
@@ -4238,7 +4235,7 @@
               <a:buChar char="●"/>
               <a:defRPr sz="1400"/>
             </a:lvl1pPr>
-            <a:lvl2pPr marL="914400" lvl="1" indent="-304800">
+            <a:lvl2pPr indent="-304800" lvl="1" marL="914400">
               <a:spcBef>
                 <a:spcPts val="0"/>
               </a:spcBef>
@@ -4249,7 +4246,7 @@
               <a:buChar char="○"/>
               <a:defRPr sz="1200"/>
             </a:lvl2pPr>
-            <a:lvl3pPr marL="1371600" lvl="2" indent="-304800">
+            <a:lvl3pPr indent="-304800" lvl="2" marL="1371600">
               <a:spcBef>
                 <a:spcPts val="0"/>
               </a:spcBef>
@@ -4260,7 +4257,7 @@
               <a:buChar char="■"/>
               <a:defRPr sz="1200"/>
             </a:lvl3pPr>
-            <a:lvl4pPr marL="1828800" lvl="3" indent="-304800">
+            <a:lvl4pPr indent="-304800" lvl="3" marL="1828800">
               <a:spcBef>
                 <a:spcPts val="0"/>
               </a:spcBef>
@@ -4271,7 +4268,7 @@
               <a:buChar char="●"/>
               <a:defRPr sz="1200"/>
             </a:lvl4pPr>
-            <a:lvl5pPr marL="2286000" lvl="4" indent="-304800">
+            <a:lvl5pPr indent="-304800" lvl="4" marL="2286000">
               <a:spcBef>
                 <a:spcPts val="0"/>
               </a:spcBef>
@@ -4282,7 +4279,7 @@
               <a:buChar char="○"/>
               <a:defRPr sz="1200"/>
             </a:lvl5pPr>
-            <a:lvl6pPr marL="2743200" lvl="5" indent="-304800">
+            <a:lvl6pPr indent="-304800" lvl="5" marL="2743200">
               <a:spcBef>
                 <a:spcPts val="0"/>
               </a:spcBef>
@@ -4293,7 +4290,7 @@
               <a:buChar char="■"/>
               <a:defRPr sz="1200"/>
             </a:lvl6pPr>
-            <a:lvl7pPr marL="3200400" lvl="6" indent="-304800">
+            <a:lvl7pPr indent="-304800" lvl="6" marL="3200400">
               <a:spcBef>
                 <a:spcPts val="0"/>
               </a:spcBef>
@@ -4304,7 +4301,7 @@
               <a:buChar char="●"/>
               <a:defRPr sz="1200"/>
             </a:lvl7pPr>
-            <a:lvl8pPr marL="3657600" lvl="7" indent="-304800">
+            <a:lvl8pPr indent="-304800" lvl="7" marL="3657600">
               <a:spcBef>
                 <a:spcPts val="0"/>
               </a:spcBef>
@@ -4315,7 +4312,7 @@
               <a:buChar char="○"/>
               <a:defRPr sz="1200"/>
             </a:lvl8pPr>
-            <a:lvl9pPr marL="4114800" lvl="8" indent="-304800">
+            <a:lvl9pPr indent="-304800" lvl="8" marL="4114800">
               <a:spcBef>
                 <a:spcPts val="0"/>
               </a:spcBef>
@@ -4327,19 +4324,15 @@
               <a:defRPr sz="1200"/>
             </a:lvl9pPr>
           </a:lstStyle>
-          <a:p>
-            <a:endParaRPr/>
-          </a:p>
+          <a:p/>
         </p:txBody>
       </p:sp>
       <p:sp>
         <p:nvSpPr>
           <p:cNvPr id="29" name="Google Shape;29;p5"/>
-          <p:cNvSpPr txBox="1">
-            <a:spLocks noGrp="1"/>
-          </p:cNvSpPr>
+          <p:cNvSpPr txBox="1"/>
           <p:nvPr>
-            <p:ph type="body" idx="2"/>
+            <p:ph idx="2" type="body"/>
           </p:nvPr>
         </p:nvSpPr>
         <p:spPr>
@@ -4352,11 +4345,11 @@
           </a:prstGeom>
         </p:spPr>
         <p:txBody>
-          <a:bodyPr spcFirstLastPara="1" wrap="square" lIns="91425" tIns="91425" rIns="91425" bIns="91425" anchor="t" anchorCtr="0">
+          <a:bodyPr anchorCtr="0" anchor="t" bIns="91425" lIns="91425" spcFirstLastPara="1" rIns="91425" wrap="square" tIns="91425">
             <a:normAutofit/>
           </a:bodyPr>
           <a:lstStyle>
-            <a:lvl1pPr marL="457200" lvl="0" indent="-317500">
+            <a:lvl1pPr indent="-317500" lvl="0" marL="457200">
               <a:spcBef>
                 <a:spcPts val="0"/>
               </a:spcBef>
@@ -4367,7 +4360,7 @@
               <a:buChar char="●"/>
               <a:defRPr sz="1400"/>
             </a:lvl1pPr>
-            <a:lvl2pPr marL="914400" lvl="1" indent="-304800">
+            <a:lvl2pPr indent="-304800" lvl="1" marL="914400">
               <a:spcBef>
                 <a:spcPts val="0"/>
               </a:spcBef>
@@ -4378,7 +4371,7 @@
               <a:buChar char="○"/>
               <a:defRPr sz="1200"/>
             </a:lvl2pPr>
-            <a:lvl3pPr marL="1371600" lvl="2" indent="-304800">
+            <a:lvl3pPr indent="-304800" lvl="2" marL="1371600">
               <a:spcBef>
                 <a:spcPts val="0"/>
               </a:spcBef>
@@ -4389,7 +4382,7 @@
               <a:buChar char="■"/>
               <a:defRPr sz="1200"/>
             </a:lvl3pPr>
-            <a:lvl4pPr marL="1828800" lvl="3" indent="-304800">
+            <a:lvl4pPr indent="-304800" lvl="3" marL="1828800">
               <a:spcBef>
                 <a:spcPts val="0"/>
               </a:spcBef>
@@ -4400,7 +4393,7 @@
               <a:buChar char="●"/>
               <a:defRPr sz="1200"/>
             </a:lvl4pPr>
-            <a:lvl5pPr marL="2286000" lvl="4" indent="-304800">
+            <a:lvl5pPr indent="-304800" lvl="4" marL="2286000">
               <a:spcBef>
                 <a:spcPts val="0"/>
               </a:spcBef>
@@ -4411,7 +4404,7 @@
               <a:buChar char="○"/>
               <a:defRPr sz="1200"/>
             </a:lvl5pPr>
-            <a:lvl6pPr marL="2743200" lvl="5" indent="-304800">
+            <a:lvl6pPr indent="-304800" lvl="5" marL="2743200">
               <a:spcBef>
                 <a:spcPts val="0"/>
               </a:spcBef>
@@ -4422,7 +4415,7 @@
               <a:buChar char="■"/>
               <a:defRPr sz="1200"/>
             </a:lvl6pPr>
-            <a:lvl7pPr marL="3200400" lvl="6" indent="-304800">
+            <a:lvl7pPr indent="-304800" lvl="6" marL="3200400">
               <a:spcBef>
                 <a:spcPts val="0"/>
               </a:spcBef>
@@ -4433,7 +4426,7 @@
               <a:buChar char="●"/>
               <a:defRPr sz="1200"/>
             </a:lvl7pPr>
-            <a:lvl8pPr marL="3657600" lvl="7" indent="-304800">
+            <a:lvl8pPr indent="-304800" lvl="7" marL="3657600">
               <a:spcBef>
                 <a:spcPts val="0"/>
               </a:spcBef>
@@ -4444,7 +4437,7 @@
               <a:buChar char="○"/>
               <a:defRPr sz="1200"/>
             </a:lvl8pPr>
-            <a:lvl9pPr marL="4114800" lvl="8" indent="-304800">
+            <a:lvl9pPr indent="-304800" lvl="8" marL="4114800">
               <a:spcBef>
                 <a:spcPts val="0"/>
               </a:spcBef>
@@ -4456,19 +4449,15 @@
               <a:defRPr sz="1200"/>
             </a:lvl9pPr>
           </a:lstStyle>
-          <a:p>
-            <a:endParaRPr/>
-          </a:p>
+          <a:p/>
         </p:txBody>
       </p:sp>
       <p:sp>
         <p:nvSpPr>
           <p:cNvPr id="30" name="Google Shape;30;p5"/>
-          <p:cNvSpPr txBox="1">
-            <a:spLocks noGrp="1"/>
-          </p:cNvSpPr>
+          <p:cNvSpPr txBox="1"/>
           <p:nvPr>
-            <p:ph type="sldNum" idx="12"/>
+            <p:ph idx="12" type="sldNum"/>
           </p:nvPr>
         </p:nvSpPr>
         <p:spPr>
@@ -4481,7 +4470,7 @@
           </a:prstGeom>
         </p:spPr>
         <p:txBody>
-          <a:bodyPr spcFirstLastPara="1" wrap="square" lIns="91425" tIns="91425" rIns="91425" bIns="91425" anchor="ctr" anchorCtr="0">
+          <a:bodyPr anchorCtr="0" anchor="ctr" bIns="91425" lIns="91425" spcFirstLastPara="1" rIns="91425" wrap="square" tIns="91425">
             <a:normAutofit/>
           </a:bodyPr>
           <a:lstStyle>
@@ -4523,7 +4512,7 @@
             </a:lvl9pPr>
           </a:lstStyle>
           <a:p>
-            <a:pPr marL="0" lvl="0" indent="0" algn="r" rtl="0">
+            <a:pPr indent="0" lvl="0" marL="0" rtl="0" algn="r">
               <a:spcBef>
                 <a:spcPts val="0"/>
               </a:spcBef>
@@ -4549,11 +4538,11 @@
 </file>
 
 <file path=ppt/slideLayouts/slideLayout5.xml><?xml version="1.0" encoding="utf-8"?>
-<p:sldLayout xmlns:a="http://schemas.openxmlformats.org/drawingml/2006/main" xmlns:r="http://schemas.openxmlformats.org/officeDocument/2006/relationships" xmlns:p="http://schemas.openxmlformats.org/presentationml/2006/main" matchingName="Title only" type="titleOnly">
+<p:sldLayout xmlns:a="http://schemas.openxmlformats.org/drawingml/2006/main" xmlns:r="http://schemas.openxmlformats.org/officeDocument/2006/relationships" xmlns:mc="http://schemas.openxmlformats.org/markup-compatibility/2006" xmlns:mv="urn:schemas-microsoft-com:mac:vml" xmlns:p="http://schemas.openxmlformats.org/presentationml/2006/main" xmlns:c="http://schemas.openxmlformats.org/drawingml/2006/chart" xmlns:dgm="http://schemas.openxmlformats.org/drawingml/2006/diagram" xmlns:o="urn:schemas-microsoft-com:office:office" xmlns:v="urn:schemas-microsoft-com:vml" xmlns:pvml="urn:schemas-microsoft-com:office:powerpoint" xmlns:com="http://schemas.openxmlformats.org/drawingml/2006/compatibility" xmlns:p14="http://schemas.microsoft.com/office/powerpoint/2010/main" xmlns:p15="http://schemas.microsoft.com/office/powerpoint/2012/main" xmlns:ahyp="http://schemas.microsoft.com/office/drawing/2018/hyperlinkcolor" matchingName="Title only" type="titleOnly">
   <p:cSld name="TITLE_ONLY">
     <p:spTree>
       <p:nvGrpSpPr>
-        <p:cNvPr id="1" name="Shape 31"/>
+        <p:cNvPr id="31" name="Shape 31"/>
         <p:cNvGrpSpPr/>
         <p:nvPr/>
       </p:nvGrpSpPr>
@@ -4568,9 +4557,7 @@
       <p:sp>
         <p:nvSpPr>
           <p:cNvPr id="32" name="Google Shape;32;p6"/>
-          <p:cNvSpPr txBox="1">
-            <a:spLocks noGrp="1"/>
-          </p:cNvSpPr>
+          <p:cNvSpPr txBox="1"/>
           <p:nvPr>
             <p:ph type="title"/>
           </p:nvPr>
@@ -4585,7 +4572,7 @@
           </a:prstGeom>
         </p:spPr>
         <p:txBody>
-          <a:bodyPr spcFirstLastPara="1" wrap="square" lIns="91425" tIns="91425" rIns="91425" bIns="91425" anchor="b" anchorCtr="0">
+          <a:bodyPr anchorCtr="0" anchor="b" bIns="91425" lIns="91425" spcFirstLastPara="1" rIns="91425" wrap="square" tIns="91425">
             <a:normAutofit/>
           </a:bodyPr>
           <a:lstStyle>
@@ -4689,19 +4676,15 @@
               <a:defRPr/>
             </a:lvl9pPr>
           </a:lstStyle>
-          <a:p>
-            <a:endParaRPr/>
-          </a:p>
+          <a:p/>
         </p:txBody>
       </p:sp>
       <p:sp>
         <p:nvSpPr>
           <p:cNvPr id="33" name="Google Shape;33;p6"/>
-          <p:cNvSpPr txBox="1">
-            <a:spLocks noGrp="1"/>
-          </p:cNvSpPr>
+          <p:cNvSpPr txBox="1"/>
           <p:nvPr>
-            <p:ph type="sldNum" idx="12"/>
+            <p:ph idx="12" type="sldNum"/>
           </p:nvPr>
         </p:nvSpPr>
         <p:spPr>
@@ -4714,7 +4697,7 @@
           </a:prstGeom>
         </p:spPr>
         <p:txBody>
-          <a:bodyPr spcFirstLastPara="1" wrap="square" lIns="91425" tIns="91425" rIns="91425" bIns="91425" anchor="ctr" anchorCtr="0">
+          <a:bodyPr anchorCtr="0" anchor="ctr" bIns="91425" lIns="91425" spcFirstLastPara="1" rIns="91425" wrap="square" tIns="91425">
             <a:normAutofit/>
           </a:bodyPr>
           <a:lstStyle>
@@ -4756,7 +4739,7 @@
             </a:lvl9pPr>
           </a:lstStyle>
           <a:p>
-            <a:pPr marL="0" lvl="0" indent="0" algn="r" rtl="0">
+            <a:pPr indent="0" lvl="0" marL="0" rtl="0" algn="r">
               <a:spcBef>
                 <a:spcPts val="0"/>
               </a:spcBef>
@@ -4782,11 +4765,11 @@
 </file>
 
 <file path=ppt/slideLayouts/slideLayout6.xml><?xml version="1.0" encoding="utf-8"?>
-<p:sldLayout xmlns:a="http://schemas.openxmlformats.org/drawingml/2006/main" xmlns:r="http://schemas.openxmlformats.org/officeDocument/2006/relationships" xmlns:p="http://schemas.openxmlformats.org/presentationml/2006/main" matchingName="One column text">
+<p:sldLayout xmlns:a="http://schemas.openxmlformats.org/drawingml/2006/main" xmlns:r="http://schemas.openxmlformats.org/officeDocument/2006/relationships" xmlns:mc="http://schemas.openxmlformats.org/markup-compatibility/2006" xmlns:mv="urn:schemas-microsoft-com:mac:vml" xmlns:p="http://schemas.openxmlformats.org/presentationml/2006/main" xmlns:c="http://schemas.openxmlformats.org/drawingml/2006/chart" xmlns:dgm="http://schemas.openxmlformats.org/drawingml/2006/diagram" xmlns:o="urn:schemas-microsoft-com:office:office" xmlns:v="urn:schemas-microsoft-com:vml" xmlns:pvml="urn:schemas-microsoft-com:office:powerpoint" xmlns:com="http://schemas.openxmlformats.org/drawingml/2006/compatibility" xmlns:p14="http://schemas.microsoft.com/office/powerpoint/2010/main" xmlns:p15="http://schemas.microsoft.com/office/powerpoint/2012/main" xmlns:ahyp="http://schemas.microsoft.com/office/drawing/2018/hyperlinkcolor" matchingName="One column text">
   <p:cSld name="ONE_COLUMN_TEXT">
     <p:spTree>
       <p:nvGrpSpPr>
-        <p:cNvPr id="1" name="Shape 34"/>
+        <p:cNvPr id="34" name="Shape 34"/>
         <p:cNvGrpSpPr/>
         <p:nvPr/>
       </p:nvGrpSpPr>
@@ -4813,23 +4796,21 @@
             <a:avLst/>
           </a:prstGeom>
           <a:noFill/>
-          <a:ln w="38100" cap="flat" cmpd="sng">
+          <a:ln cap="flat" cmpd="sng" w="38100">
             <a:solidFill>
               <a:schemeClr val="accent4"/>
             </a:solidFill>
             <a:prstDash val="solid"/>
             <a:round/>
-            <a:headEnd type="none" w="sm" len="sm"/>
-            <a:tailEnd type="none" w="sm" len="sm"/>
+            <a:headEnd len="sm" w="sm" type="none"/>
+            <a:tailEnd len="sm" w="sm" type="none"/>
           </a:ln>
         </p:spPr>
       </p:cxnSp>
       <p:sp>
         <p:nvSpPr>
           <p:cNvPr id="36" name="Google Shape;36;p7"/>
-          <p:cNvSpPr txBox="1">
-            <a:spLocks noGrp="1"/>
-          </p:cNvSpPr>
+          <p:cNvSpPr txBox="1"/>
           <p:nvPr>
             <p:ph type="title"/>
           </p:nvPr>
@@ -4844,7 +4825,7 @@
           </a:prstGeom>
         </p:spPr>
         <p:txBody>
-          <a:bodyPr spcFirstLastPara="1" wrap="square" lIns="91425" tIns="91425" rIns="91425" bIns="91425" anchor="b" anchorCtr="0">
+          <a:bodyPr anchorCtr="0" anchor="b" bIns="91425" lIns="91425" spcFirstLastPara="1" rIns="91425" wrap="square" tIns="91425">
             <a:normAutofit/>
           </a:bodyPr>
           <a:lstStyle>
@@ -4948,19 +4929,15 @@
               <a:defRPr sz="2400"/>
             </a:lvl9pPr>
           </a:lstStyle>
-          <a:p>
-            <a:endParaRPr/>
-          </a:p>
+          <a:p/>
         </p:txBody>
       </p:sp>
       <p:sp>
         <p:nvSpPr>
           <p:cNvPr id="37" name="Google Shape;37;p7"/>
-          <p:cNvSpPr txBox="1">
-            <a:spLocks noGrp="1"/>
-          </p:cNvSpPr>
+          <p:cNvSpPr txBox="1"/>
           <p:nvPr>
-            <p:ph type="body" idx="1"/>
+            <p:ph idx="1" type="body"/>
           </p:nvPr>
         </p:nvSpPr>
         <p:spPr>
@@ -4973,11 +4950,11 @@
           </a:prstGeom>
         </p:spPr>
         <p:txBody>
-          <a:bodyPr spcFirstLastPara="1" wrap="square" lIns="91425" tIns="91425" rIns="91425" bIns="91425" anchor="t" anchorCtr="0">
+          <a:bodyPr anchorCtr="0" anchor="t" bIns="91425" lIns="91425" spcFirstLastPara="1" rIns="91425" wrap="square" tIns="91425">
             <a:normAutofit/>
           </a:bodyPr>
           <a:lstStyle>
-            <a:lvl1pPr marL="457200" lvl="0" indent="-304800">
+            <a:lvl1pPr indent="-304800" lvl="0" marL="457200">
               <a:spcBef>
                 <a:spcPts val="0"/>
               </a:spcBef>
@@ -4988,7 +4965,7 @@
               <a:buChar char="●"/>
               <a:defRPr sz="1200"/>
             </a:lvl1pPr>
-            <a:lvl2pPr marL="914400" lvl="1" indent="-304800">
+            <a:lvl2pPr indent="-304800" lvl="1" marL="914400">
               <a:spcBef>
                 <a:spcPts val="0"/>
               </a:spcBef>
@@ -4999,7 +4976,7 @@
               <a:buChar char="○"/>
               <a:defRPr sz="1200"/>
             </a:lvl2pPr>
-            <a:lvl3pPr marL="1371600" lvl="2" indent="-304800">
+            <a:lvl3pPr indent="-304800" lvl="2" marL="1371600">
               <a:spcBef>
                 <a:spcPts val="0"/>
               </a:spcBef>
@@ -5010,7 +4987,7 @@
               <a:buChar char="■"/>
               <a:defRPr sz="1200"/>
             </a:lvl3pPr>
-            <a:lvl4pPr marL="1828800" lvl="3" indent="-304800">
+            <a:lvl4pPr indent="-304800" lvl="3" marL="1828800">
               <a:spcBef>
                 <a:spcPts val="0"/>
               </a:spcBef>
@@ -5021,7 +4998,7 @@
               <a:buChar char="●"/>
               <a:defRPr sz="1200"/>
             </a:lvl4pPr>
-            <a:lvl5pPr marL="2286000" lvl="4" indent="-304800">
+            <a:lvl5pPr indent="-304800" lvl="4" marL="2286000">
               <a:spcBef>
                 <a:spcPts val="0"/>
               </a:spcBef>
@@ -5032,7 +5009,7 @@
               <a:buChar char="○"/>
               <a:defRPr sz="1200"/>
             </a:lvl5pPr>
-            <a:lvl6pPr marL="2743200" lvl="5" indent="-304800">
+            <a:lvl6pPr indent="-304800" lvl="5" marL="2743200">
               <a:spcBef>
                 <a:spcPts val="0"/>
               </a:spcBef>
@@ -5043,7 +5020,7 @@
               <a:buChar char="■"/>
               <a:defRPr sz="1200"/>
             </a:lvl6pPr>
-            <a:lvl7pPr marL="3200400" lvl="6" indent="-304800">
+            <a:lvl7pPr indent="-304800" lvl="6" marL="3200400">
               <a:spcBef>
                 <a:spcPts val="0"/>
               </a:spcBef>
@@ -5054,7 +5031,7 @@
               <a:buChar char="●"/>
               <a:defRPr sz="1200"/>
             </a:lvl7pPr>
-            <a:lvl8pPr marL="3657600" lvl="7" indent="-304800">
+            <a:lvl8pPr indent="-304800" lvl="7" marL="3657600">
               <a:spcBef>
                 <a:spcPts val="0"/>
               </a:spcBef>
@@ -5065,7 +5042,7 @@
               <a:buChar char="○"/>
               <a:defRPr sz="1200"/>
             </a:lvl8pPr>
-            <a:lvl9pPr marL="4114800" lvl="8" indent="-304800">
+            <a:lvl9pPr indent="-304800" lvl="8" marL="4114800">
               <a:spcBef>
                 <a:spcPts val="0"/>
               </a:spcBef>
@@ -5077,19 +5054,15 @@
               <a:defRPr sz="1200"/>
             </a:lvl9pPr>
           </a:lstStyle>
-          <a:p>
-            <a:endParaRPr/>
-          </a:p>
+          <a:p/>
         </p:txBody>
       </p:sp>
       <p:sp>
         <p:nvSpPr>
           <p:cNvPr id="38" name="Google Shape;38;p7"/>
-          <p:cNvSpPr txBox="1">
-            <a:spLocks noGrp="1"/>
-          </p:cNvSpPr>
+          <p:cNvSpPr txBox="1"/>
           <p:nvPr>
-            <p:ph type="sldNum" idx="12"/>
+            <p:ph idx="12" type="sldNum"/>
           </p:nvPr>
         </p:nvSpPr>
         <p:spPr>
@@ -5102,7 +5075,7 @@
           </a:prstGeom>
         </p:spPr>
         <p:txBody>
-          <a:bodyPr spcFirstLastPara="1" wrap="square" lIns="91425" tIns="91425" rIns="91425" bIns="91425" anchor="ctr" anchorCtr="0">
+          <a:bodyPr anchorCtr="0" anchor="ctr" bIns="91425" lIns="91425" spcFirstLastPara="1" rIns="91425" wrap="square" tIns="91425">
             <a:normAutofit/>
           </a:bodyPr>
           <a:lstStyle>
@@ -5144,7 +5117,7 @@
             </a:lvl9pPr>
           </a:lstStyle>
           <a:p>
-            <a:pPr marL="0" lvl="0" indent="0" algn="r" rtl="0">
+            <a:pPr indent="0" lvl="0" marL="0" rtl="0" algn="r">
               <a:spcBef>
                 <a:spcPts val="0"/>
               </a:spcBef>
@@ -5170,11 +5143,11 @@
 </file>
 
 <file path=ppt/slideLayouts/slideLayout7.xml><?xml version="1.0" encoding="utf-8"?>
-<p:sldLayout xmlns:a="http://schemas.openxmlformats.org/drawingml/2006/main" xmlns:r="http://schemas.openxmlformats.org/officeDocument/2006/relationships" xmlns:p="http://schemas.openxmlformats.org/presentationml/2006/main" matchingName="Main point">
+<p:sldLayout xmlns:a="http://schemas.openxmlformats.org/drawingml/2006/main" xmlns:r="http://schemas.openxmlformats.org/officeDocument/2006/relationships" xmlns:mc="http://schemas.openxmlformats.org/markup-compatibility/2006" xmlns:mv="urn:schemas-microsoft-com:mac:vml" xmlns:p="http://schemas.openxmlformats.org/presentationml/2006/main" xmlns:c="http://schemas.openxmlformats.org/drawingml/2006/chart" xmlns:dgm="http://schemas.openxmlformats.org/drawingml/2006/diagram" xmlns:o="urn:schemas-microsoft-com:office:office" xmlns:v="urn:schemas-microsoft-com:vml" xmlns:pvml="urn:schemas-microsoft-com:office:powerpoint" xmlns:com="http://schemas.openxmlformats.org/drawingml/2006/compatibility" xmlns:p14="http://schemas.microsoft.com/office/powerpoint/2010/main" xmlns:p15="http://schemas.microsoft.com/office/powerpoint/2012/main" xmlns:ahyp="http://schemas.microsoft.com/office/drawing/2018/hyperlinkcolor" matchingName="Main point">
   <p:cSld name="MAIN_POINT">
     <p:spTree>
       <p:nvGrpSpPr>
-        <p:cNvPr id="1" name="Shape 39"/>
+        <p:cNvPr id="39" name="Shape 39"/>
         <p:cNvGrpSpPr/>
         <p:nvPr/>
       </p:nvGrpSpPr>
@@ -5189,9 +5162,7 @@
       <p:sp>
         <p:nvSpPr>
           <p:cNvPr id="40" name="Google Shape;40;p8"/>
-          <p:cNvSpPr txBox="1">
-            <a:spLocks noGrp="1"/>
-          </p:cNvSpPr>
+          <p:cNvSpPr txBox="1"/>
           <p:nvPr>
             <p:ph type="title"/>
           </p:nvPr>
@@ -5206,7 +5177,7 @@
           </a:prstGeom>
         </p:spPr>
         <p:txBody>
-          <a:bodyPr spcFirstLastPara="1" wrap="square" lIns="91425" tIns="91425" rIns="91425" bIns="91425" anchor="ctr" anchorCtr="0">
+          <a:bodyPr anchorCtr="0" anchor="ctr" bIns="91425" lIns="91425" spcFirstLastPara="1" rIns="91425" wrap="square" tIns="91425">
             <a:normAutofit/>
           </a:bodyPr>
           <a:lstStyle>
@@ -5310,19 +5281,15 @@
               <a:defRPr sz="4800"/>
             </a:lvl9pPr>
           </a:lstStyle>
-          <a:p>
-            <a:endParaRPr/>
-          </a:p>
+          <a:p/>
         </p:txBody>
       </p:sp>
       <p:sp>
         <p:nvSpPr>
           <p:cNvPr id="41" name="Google Shape;41;p8"/>
-          <p:cNvSpPr txBox="1">
-            <a:spLocks noGrp="1"/>
-          </p:cNvSpPr>
+          <p:cNvSpPr txBox="1"/>
           <p:nvPr>
-            <p:ph type="sldNum" idx="12"/>
+            <p:ph idx="12" type="sldNum"/>
           </p:nvPr>
         </p:nvSpPr>
         <p:spPr>
@@ -5335,7 +5302,7 @@
           </a:prstGeom>
         </p:spPr>
         <p:txBody>
-          <a:bodyPr spcFirstLastPara="1" wrap="square" lIns="91425" tIns="91425" rIns="91425" bIns="91425" anchor="ctr" anchorCtr="0">
+          <a:bodyPr anchorCtr="0" anchor="ctr" bIns="91425" lIns="91425" spcFirstLastPara="1" rIns="91425" wrap="square" tIns="91425">
             <a:normAutofit/>
           </a:bodyPr>
           <a:lstStyle>
@@ -5377,7 +5344,7 @@
             </a:lvl9pPr>
           </a:lstStyle>
           <a:p>
-            <a:pPr marL="0" lvl="0" indent="0" algn="r" rtl="0">
+            <a:pPr indent="0" lvl="0" marL="0" rtl="0" algn="r">
               <a:spcBef>
                 <a:spcPts val="0"/>
               </a:spcBef>
@@ -5403,11 +5370,11 @@
 </file>
 
 <file path=ppt/slideLayouts/slideLayout8.xml><?xml version="1.0" encoding="utf-8"?>
-<p:sldLayout xmlns:a="http://schemas.openxmlformats.org/drawingml/2006/main" xmlns:r="http://schemas.openxmlformats.org/officeDocument/2006/relationships" xmlns:p="http://schemas.openxmlformats.org/presentationml/2006/main" matchingName="Section title and description">
+<p:sldLayout xmlns:a="http://schemas.openxmlformats.org/drawingml/2006/main" xmlns:r="http://schemas.openxmlformats.org/officeDocument/2006/relationships" xmlns:mc="http://schemas.openxmlformats.org/markup-compatibility/2006" xmlns:mv="urn:schemas-microsoft-com:mac:vml" xmlns:p="http://schemas.openxmlformats.org/presentationml/2006/main" xmlns:c="http://schemas.openxmlformats.org/drawingml/2006/chart" xmlns:dgm="http://schemas.openxmlformats.org/drawingml/2006/diagram" xmlns:o="urn:schemas-microsoft-com:office:office" xmlns:v="urn:schemas-microsoft-com:vml" xmlns:pvml="urn:schemas-microsoft-com:office:powerpoint" xmlns:com="http://schemas.openxmlformats.org/drawingml/2006/compatibility" xmlns:p14="http://schemas.microsoft.com/office/powerpoint/2010/main" xmlns:p15="http://schemas.microsoft.com/office/powerpoint/2012/main" xmlns:ahyp="http://schemas.microsoft.com/office/drawing/2018/hyperlinkcolor" matchingName="Section title and description">
   <p:cSld name="SECTION_TITLE_AND_DESCRIPTION">
     <p:spTree>
       <p:nvGrpSpPr>
-        <p:cNvPr id="1" name="Shape 42"/>
+        <p:cNvPr id="42" name="Shape 42"/>
         <p:cNvGrpSpPr/>
         <p:nvPr/>
       </p:nvGrpSpPr>
@@ -5441,20 +5408,23 @@
           </a:ln>
         </p:spPr>
         <p:txBody>
-          <a:bodyPr spcFirstLastPara="1" wrap="square" lIns="91425" tIns="91425" rIns="91425" bIns="91425" anchor="ctr" anchorCtr="0">
+          <a:bodyPr anchorCtr="0" anchor="ctr" bIns="91425" lIns="91425" spcFirstLastPara="1" rIns="91425" wrap="square" tIns="91425">
             <a:noAutofit/>
           </a:bodyPr>
           <a:lstStyle/>
           <a:p>
-            <a:pPr marL="0" lvl="0" indent="0" algn="l" rtl="0">
-              <a:spcBef>
-                <a:spcPts val="0"/>
-              </a:spcBef>
-              <a:spcAft>
-                <a:spcPts val="0"/>
-              </a:spcAft>
-              <a:buNone/>
-            </a:pPr>
+            <a:pPr indent="0" lvl="0" marL="0" rtl="0" algn="l">
+              <a:spcBef>
+                <a:spcPts val="0"/>
+              </a:spcBef>
+              <a:spcAft>
+                <a:spcPts val="0"/>
+              </a:spcAft>
+              <a:buNone/>
+            </a:pPr>
+            <a:r>
+              <a:t/>
+            </a:r>
             <a:endParaRPr/>
           </a:p>
         </p:txBody>
@@ -5474,23 +5444,21 @@
             <a:avLst/>
           </a:prstGeom>
           <a:noFill/>
-          <a:ln w="38100" cap="flat" cmpd="sng">
+          <a:ln cap="flat" cmpd="sng" w="38100">
             <a:solidFill>
               <a:schemeClr val="accent5"/>
             </a:solidFill>
             <a:prstDash val="solid"/>
             <a:round/>
-            <a:headEnd type="none" w="sm" len="sm"/>
-            <a:tailEnd type="none" w="sm" len="sm"/>
+            <a:headEnd len="sm" w="sm" type="none"/>
+            <a:tailEnd len="sm" w="sm" type="none"/>
           </a:ln>
         </p:spPr>
       </p:cxnSp>
       <p:sp>
         <p:nvSpPr>
           <p:cNvPr id="45" name="Google Shape;45;p9"/>
-          <p:cNvSpPr txBox="1">
-            <a:spLocks noGrp="1"/>
-          </p:cNvSpPr>
+          <p:cNvSpPr txBox="1"/>
           <p:nvPr>
             <p:ph type="title"/>
           </p:nvPr>
@@ -5505,7 +5473,7 @@
           </a:prstGeom>
         </p:spPr>
         <p:txBody>
-          <a:bodyPr spcFirstLastPara="1" wrap="square" lIns="91425" tIns="91425" rIns="91425" bIns="91425" anchor="b" anchorCtr="0">
+          <a:bodyPr anchorCtr="0" anchor="b" bIns="91425" lIns="91425" spcFirstLastPara="1" rIns="91425" wrap="square" tIns="91425">
             <a:normAutofit/>
           </a:bodyPr>
           <a:lstStyle>
@@ -5609,19 +5577,15 @@
               <a:defRPr sz="3800"/>
             </a:lvl9pPr>
           </a:lstStyle>
-          <a:p>
-            <a:endParaRPr/>
-          </a:p>
+          <a:p/>
         </p:txBody>
       </p:sp>
       <p:sp>
         <p:nvSpPr>
           <p:cNvPr id="46" name="Google Shape;46;p9"/>
-          <p:cNvSpPr txBox="1">
-            <a:spLocks noGrp="1"/>
-          </p:cNvSpPr>
+          <p:cNvSpPr txBox="1"/>
           <p:nvPr>
-            <p:ph type="subTitle" idx="1"/>
+            <p:ph idx="1" type="subTitle"/>
           </p:nvPr>
         </p:nvSpPr>
         <p:spPr>
@@ -5634,7 +5598,7 @@
           </a:prstGeom>
         </p:spPr>
         <p:txBody>
-          <a:bodyPr spcFirstLastPara="1" wrap="square" lIns="91425" tIns="91425" rIns="91425" bIns="91425" anchor="t" anchorCtr="0">
+          <a:bodyPr anchorCtr="0" anchor="t" bIns="91425" lIns="91425" spcFirstLastPara="1" rIns="91425" wrap="square" tIns="91425">
             <a:normAutofit/>
           </a:bodyPr>
           <a:lstStyle>
@@ -5828,19 +5792,15 @@
               </a:defRPr>
             </a:lvl9pPr>
           </a:lstStyle>
-          <a:p>
-            <a:endParaRPr/>
-          </a:p>
+          <a:p/>
         </p:txBody>
       </p:sp>
       <p:sp>
         <p:nvSpPr>
           <p:cNvPr id="47" name="Google Shape;47;p9"/>
-          <p:cNvSpPr txBox="1">
-            <a:spLocks noGrp="1"/>
-          </p:cNvSpPr>
+          <p:cNvSpPr txBox="1"/>
           <p:nvPr>
-            <p:ph type="body" idx="2"/>
+            <p:ph idx="2" type="body"/>
           </p:nvPr>
         </p:nvSpPr>
         <p:spPr>
@@ -5853,11 +5813,11 @@
           </a:prstGeom>
         </p:spPr>
         <p:txBody>
-          <a:bodyPr spcFirstLastPara="1" wrap="square" lIns="91425" tIns="91425" rIns="91425" bIns="91425" anchor="ctr" anchorCtr="0">
+          <a:bodyPr anchorCtr="0" anchor="ctr" bIns="91425" lIns="91425" spcFirstLastPara="1" rIns="91425" wrap="square" tIns="91425">
             <a:normAutofit/>
           </a:bodyPr>
           <a:lstStyle>
-            <a:lvl1pPr marL="457200" lvl="0" indent="-342900">
+            <a:lvl1pPr indent="-342900" lvl="0" marL="457200">
               <a:spcBef>
                 <a:spcPts val="0"/>
               </a:spcBef>
@@ -5868,7 +5828,7 @@
               <a:buChar char="●"/>
               <a:defRPr/>
             </a:lvl1pPr>
-            <a:lvl2pPr marL="914400" lvl="1" indent="-317500">
+            <a:lvl2pPr indent="-317500" lvl="1" marL="914400">
               <a:spcBef>
                 <a:spcPts val="0"/>
               </a:spcBef>
@@ -5879,7 +5839,7 @@
               <a:buChar char="○"/>
               <a:defRPr/>
             </a:lvl2pPr>
-            <a:lvl3pPr marL="1371600" lvl="2" indent="-317500">
+            <a:lvl3pPr indent="-317500" lvl="2" marL="1371600">
               <a:spcBef>
                 <a:spcPts val="0"/>
               </a:spcBef>
@@ -5890,7 +5850,7 @@
               <a:buChar char="■"/>
               <a:defRPr/>
             </a:lvl3pPr>
-            <a:lvl4pPr marL="1828800" lvl="3" indent="-317500">
+            <a:lvl4pPr indent="-317500" lvl="3" marL="1828800">
               <a:spcBef>
                 <a:spcPts val="0"/>
               </a:spcBef>
@@ -5901,7 +5861,7 @@
               <a:buChar char="●"/>
               <a:defRPr/>
             </a:lvl4pPr>
-            <a:lvl5pPr marL="2286000" lvl="4" indent="-317500">
+            <a:lvl5pPr indent="-317500" lvl="4" marL="2286000">
               <a:spcBef>
                 <a:spcPts val="0"/>
               </a:spcBef>
@@ -5912,7 +5872,7 @@
               <a:buChar char="○"/>
               <a:defRPr/>
             </a:lvl5pPr>
-            <a:lvl6pPr marL="2743200" lvl="5" indent="-317500">
+            <a:lvl6pPr indent="-317500" lvl="5" marL="2743200">
               <a:spcBef>
                 <a:spcPts val="0"/>
               </a:spcBef>
@@ -5923,7 +5883,7 @@
               <a:buChar char="■"/>
               <a:defRPr/>
             </a:lvl6pPr>
-            <a:lvl7pPr marL="3200400" lvl="6" indent="-317500">
+            <a:lvl7pPr indent="-317500" lvl="6" marL="3200400">
               <a:spcBef>
                 <a:spcPts val="0"/>
               </a:spcBef>
@@ -5934,7 +5894,7 @@
               <a:buChar char="●"/>
               <a:defRPr/>
             </a:lvl7pPr>
-            <a:lvl8pPr marL="3657600" lvl="7" indent="-317500">
+            <a:lvl8pPr indent="-317500" lvl="7" marL="3657600">
               <a:spcBef>
                 <a:spcPts val="0"/>
               </a:spcBef>
@@ -5945,7 +5905,7 @@
               <a:buChar char="○"/>
               <a:defRPr/>
             </a:lvl8pPr>
-            <a:lvl9pPr marL="4114800" lvl="8" indent="-317500">
+            <a:lvl9pPr indent="-317500" lvl="8" marL="4114800">
               <a:spcBef>
                 <a:spcPts val="0"/>
               </a:spcBef>
@@ -5957,19 +5917,15 @@
               <a:defRPr/>
             </a:lvl9pPr>
           </a:lstStyle>
-          <a:p>
-            <a:endParaRPr/>
-          </a:p>
+          <a:p/>
         </p:txBody>
       </p:sp>
       <p:sp>
         <p:nvSpPr>
           <p:cNvPr id="48" name="Google Shape;48;p9"/>
-          <p:cNvSpPr txBox="1">
-            <a:spLocks noGrp="1"/>
-          </p:cNvSpPr>
+          <p:cNvSpPr txBox="1"/>
           <p:nvPr>
-            <p:ph type="sldNum" idx="12"/>
+            <p:ph idx="12" type="sldNum"/>
           </p:nvPr>
         </p:nvSpPr>
         <p:spPr>
@@ -5982,7 +5938,7 @@
           </a:prstGeom>
         </p:spPr>
         <p:txBody>
-          <a:bodyPr spcFirstLastPara="1" wrap="square" lIns="91425" tIns="91425" rIns="91425" bIns="91425" anchor="ctr" anchorCtr="0">
+          <a:bodyPr anchorCtr="0" anchor="ctr" bIns="91425" lIns="91425" spcFirstLastPara="1" rIns="91425" wrap="square" tIns="91425">
             <a:normAutofit/>
           </a:bodyPr>
           <a:lstStyle>
@@ -6024,7 +5980,7 @@
             </a:lvl9pPr>
           </a:lstStyle>
           <a:p>
-            <a:pPr marL="0" lvl="0" indent="0" algn="r" rtl="0">
+            <a:pPr indent="0" lvl="0" marL="0" rtl="0" algn="r">
               <a:spcBef>
                 <a:spcPts val="0"/>
               </a:spcBef>
@@ -6050,11 +6006,11 @@
 </file>
 
 <file path=ppt/slideLayouts/slideLayout9.xml><?xml version="1.0" encoding="utf-8"?>
-<p:sldLayout xmlns:a="http://schemas.openxmlformats.org/drawingml/2006/main" xmlns:r="http://schemas.openxmlformats.org/officeDocument/2006/relationships" xmlns:p="http://schemas.openxmlformats.org/presentationml/2006/main" matchingName="Caption">
+<p:sldLayout xmlns:a="http://schemas.openxmlformats.org/drawingml/2006/main" xmlns:r="http://schemas.openxmlformats.org/officeDocument/2006/relationships" xmlns:mc="http://schemas.openxmlformats.org/markup-compatibility/2006" xmlns:mv="urn:schemas-microsoft-com:mac:vml" xmlns:p="http://schemas.openxmlformats.org/presentationml/2006/main" xmlns:c="http://schemas.openxmlformats.org/drawingml/2006/chart" xmlns:dgm="http://schemas.openxmlformats.org/drawingml/2006/diagram" xmlns:o="urn:schemas-microsoft-com:office:office" xmlns:v="urn:schemas-microsoft-com:vml" xmlns:pvml="urn:schemas-microsoft-com:office:powerpoint" xmlns:com="http://schemas.openxmlformats.org/drawingml/2006/compatibility" xmlns:p14="http://schemas.microsoft.com/office/powerpoint/2010/main" xmlns:p15="http://schemas.microsoft.com/office/powerpoint/2012/main" xmlns:ahyp="http://schemas.microsoft.com/office/drawing/2018/hyperlinkcolor" matchingName="Caption">
   <p:cSld name="CAPTION_ONLY">
     <p:spTree>
       <p:nvGrpSpPr>
-        <p:cNvPr id="1" name="Shape 49"/>
+        <p:cNvPr id="49" name="Shape 49"/>
         <p:cNvGrpSpPr/>
         <p:nvPr/>
       </p:nvGrpSpPr>
@@ -6069,11 +6025,9 @@
       <p:sp>
         <p:nvSpPr>
           <p:cNvPr id="50" name="Google Shape;50;p10"/>
-          <p:cNvSpPr txBox="1">
-            <a:spLocks noGrp="1"/>
-          </p:cNvSpPr>
+          <p:cNvSpPr txBox="1"/>
           <p:nvPr>
-            <p:ph type="body" idx="1"/>
+            <p:ph idx="1" type="body"/>
           </p:nvPr>
         </p:nvSpPr>
         <p:spPr>
@@ -6086,11 +6040,11 @@
           </a:prstGeom>
         </p:spPr>
         <p:txBody>
-          <a:bodyPr spcFirstLastPara="1" wrap="square" lIns="91425" tIns="91425" rIns="91425" bIns="91425" anchor="ctr" anchorCtr="0">
+          <a:bodyPr anchorCtr="0" anchor="ctr" bIns="91425" lIns="91425" spcFirstLastPara="1" rIns="91425" wrap="square" tIns="91425">
             <a:normAutofit/>
           </a:bodyPr>
           <a:lstStyle>
-            <a:lvl1pPr marL="457200" lvl="0" indent="-228600">
+            <a:lvl1pPr indent="-228600" lvl="0" marL="457200">
               <a:lnSpc>
                 <a:spcPct val="100000"/>
               </a:lnSpc>
@@ -6111,19 +6065,15 @@
               </a:defRPr>
             </a:lvl1pPr>
           </a:lstStyle>
-          <a:p>
-            <a:endParaRPr/>
-          </a:p>
+          <a:p/>
         </p:txBody>
       </p:sp>
       <p:sp>
         <p:nvSpPr>
           <p:cNvPr id="51" name="Google Shape;51;p10"/>
-          <p:cNvSpPr txBox="1">
-            <a:spLocks noGrp="1"/>
-          </p:cNvSpPr>
+          <p:cNvSpPr txBox="1"/>
           <p:nvPr>
-            <p:ph type="sldNum" idx="12"/>
+            <p:ph idx="12" type="sldNum"/>
           </p:nvPr>
         </p:nvSpPr>
         <p:spPr>
@@ -6136,7 +6086,7 @@
           </a:prstGeom>
         </p:spPr>
         <p:txBody>
-          <a:bodyPr spcFirstLastPara="1" wrap="square" lIns="91425" tIns="91425" rIns="91425" bIns="91425" anchor="ctr" anchorCtr="0">
+          <a:bodyPr anchorCtr="0" anchor="ctr" bIns="91425" lIns="91425" spcFirstLastPara="1" rIns="91425" wrap="square" tIns="91425">
             <a:normAutofit/>
           </a:bodyPr>
           <a:lstStyle>
@@ -6178,7 +6128,7 @@
             </a:lvl9pPr>
           </a:lstStyle>
           <a:p>
-            <a:pPr marL="0" lvl="0" indent="0" algn="r" rtl="0">
+            <a:pPr indent="0" lvl="0" marL="0" rtl="0" algn="r">
               <a:spcBef>
                 <a:spcPts val="0"/>
               </a:spcBef>
@@ -6204,19 +6154,18 @@
 </file>
 
 <file path=ppt/slideMasters/slideMaster1.xml><?xml version="1.0" encoding="utf-8"?>
-<p:sldMaster xmlns:a="http://schemas.openxmlformats.org/drawingml/2006/main" xmlns:r="http://schemas.openxmlformats.org/officeDocument/2006/relationships" xmlns:p="http://schemas.openxmlformats.org/presentationml/2006/main">
+<p:sldMaster xmlns:a="http://schemas.openxmlformats.org/drawingml/2006/main" xmlns:r="http://schemas.openxmlformats.org/officeDocument/2006/relationships" xmlns:mc="http://schemas.openxmlformats.org/markup-compatibility/2006" xmlns:mv="urn:schemas-microsoft-com:mac:vml" xmlns:p="http://schemas.openxmlformats.org/presentationml/2006/main" xmlns:c="http://schemas.openxmlformats.org/drawingml/2006/chart" xmlns:dgm="http://schemas.openxmlformats.org/drawingml/2006/diagram" xmlns:o="urn:schemas-microsoft-com:office:office" xmlns:v="urn:schemas-microsoft-com:vml" xmlns:pvml="urn:schemas-microsoft-com:office:powerpoint" xmlns:com="http://schemas.openxmlformats.org/drawingml/2006/compatibility" xmlns:p14="http://schemas.microsoft.com/office/powerpoint/2010/main" xmlns:p15="http://schemas.microsoft.com/office/powerpoint/2012/main" xmlns:ahyp="http://schemas.microsoft.com/office/drawing/2018/hyperlinkcolor">
   <p:cSld name="marina">
     <p:bg>
       <p:bgPr>
         <a:solidFill>
           <a:schemeClr val="lt1"/>
         </a:solidFill>
-        <a:effectLst/>
       </p:bgPr>
     </p:bg>
     <p:spTree>
       <p:nvGrpSpPr>
-        <p:cNvPr id="1" name="Shape 5"/>
+        <p:cNvPr id="5" name="Shape 5"/>
         <p:cNvGrpSpPr/>
         <p:nvPr/>
       </p:nvGrpSpPr>
@@ -6231,9 +6180,7 @@
       <p:sp>
         <p:nvSpPr>
           <p:cNvPr id="6" name="Google Shape;6;p1"/>
-          <p:cNvSpPr txBox="1">
-            <a:spLocks noGrp="1"/>
-          </p:cNvSpPr>
+          <p:cNvSpPr txBox="1"/>
           <p:nvPr>
             <p:ph type="title"/>
           </p:nvPr>
@@ -6252,7 +6199,7 @@
           </a:ln>
         </p:spPr>
         <p:txBody>
-          <a:bodyPr spcFirstLastPara="1" wrap="square" lIns="91425" tIns="91425" rIns="91425" bIns="91425" anchor="b" anchorCtr="0">
+          <a:bodyPr anchorCtr="0" anchor="b" bIns="91425" lIns="91425" spcFirstLastPara="1" rIns="91425" wrap="square" tIns="91425">
             <a:normAutofit/>
           </a:bodyPr>
           <a:lstStyle>
@@ -6464,19 +6411,15 @@
               </a:defRPr>
             </a:lvl9pPr>
           </a:lstStyle>
-          <a:p>
-            <a:endParaRPr/>
-          </a:p>
+          <a:p/>
         </p:txBody>
       </p:sp>
       <p:sp>
         <p:nvSpPr>
           <p:cNvPr id="7" name="Google Shape;7;p1"/>
-          <p:cNvSpPr txBox="1">
-            <a:spLocks noGrp="1"/>
-          </p:cNvSpPr>
+          <p:cNvSpPr txBox="1"/>
           <p:nvPr>
-            <p:ph type="body" idx="1"/>
+            <p:ph idx="1" type="body"/>
           </p:nvPr>
         </p:nvSpPr>
         <p:spPr>
@@ -6493,11 +6436,11 @@
           </a:ln>
         </p:spPr>
         <p:txBody>
-          <a:bodyPr spcFirstLastPara="1" wrap="square" lIns="91425" tIns="91425" rIns="91425" bIns="91425" anchor="t" anchorCtr="0">
+          <a:bodyPr anchorCtr="0" anchor="t" bIns="91425" lIns="91425" spcFirstLastPara="1" rIns="91425" wrap="square" tIns="91425">
             <a:normAutofit/>
           </a:bodyPr>
           <a:lstStyle>
-            <a:lvl1pPr marL="457200" lvl="0" indent="-342900">
+            <a:lvl1pPr indent="-342900" lvl="0" marL="457200">
               <a:lnSpc>
                 <a:spcPct val="115000"/>
               </a:lnSpc>
@@ -6523,7 +6466,7 @@
                 <a:sym typeface="Roboto"/>
               </a:defRPr>
             </a:lvl1pPr>
-            <a:lvl2pPr marL="914400" lvl="1" indent="-317500">
+            <a:lvl2pPr indent="-317500" lvl="1" marL="914400">
               <a:lnSpc>
                 <a:spcPct val="115000"/>
               </a:lnSpc>
@@ -6549,7 +6492,7 @@
                 <a:sym typeface="Roboto"/>
               </a:defRPr>
             </a:lvl2pPr>
-            <a:lvl3pPr marL="1371600" lvl="2" indent="-317500">
+            <a:lvl3pPr indent="-317500" lvl="2" marL="1371600">
               <a:lnSpc>
                 <a:spcPct val="115000"/>
               </a:lnSpc>
@@ -6575,7 +6518,7 @@
                 <a:sym typeface="Roboto"/>
               </a:defRPr>
             </a:lvl3pPr>
-            <a:lvl4pPr marL="1828800" lvl="3" indent="-317500">
+            <a:lvl4pPr indent="-317500" lvl="3" marL="1828800">
               <a:lnSpc>
                 <a:spcPct val="115000"/>
               </a:lnSpc>
@@ -6601,7 +6544,7 @@
                 <a:sym typeface="Roboto"/>
               </a:defRPr>
             </a:lvl4pPr>
-            <a:lvl5pPr marL="2286000" lvl="4" indent="-317500">
+            <a:lvl5pPr indent="-317500" lvl="4" marL="2286000">
               <a:lnSpc>
                 <a:spcPct val="115000"/>
               </a:lnSpc>
@@ -6627,7 +6570,7 @@
                 <a:sym typeface="Roboto"/>
               </a:defRPr>
             </a:lvl5pPr>
-            <a:lvl6pPr marL="2743200" lvl="5" indent="-317500">
+            <a:lvl6pPr indent="-317500" lvl="5" marL="2743200">
               <a:lnSpc>
                 <a:spcPct val="115000"/>
               </a:lnSpc>
@@ -6653,7 +6596,7 @@
                 <a:sym typeface="Roboto"/>
               </a:defRPr>
             </a:lvl6pPr>
-            <a:lvl7pPr marL="3200400" lvl="6" indent="-317500">
+            <a:lvl7pPr indent="-317500" lvl="6" marL="3200400">
               <a:lnSpc>
                 <a:spcPct val="115000"/>
               </a:lnSpc>
@@ -6679,7 +6622,7 @@
                 <a:sym typeface="Roboto"/>
               </a:defRPr>
             </a:lvl7pPr>
-            <a:lvl8pPr marL="3657600" lvl="7" indent="-317500">
+            <a:lvl8pPr indent="-317500" lvl="7" marL="3657600">
               <a:lnSpc>
                 <a:spcPct val="115000"/>
               </a:lnSpc>
@@ -6705,7 +6648,7 @@
                 <a:sym typeface="Roboto"/>
               </a:defRPr>
             </a:lvl8pPr>
-            <a:lvl9pPr marL="4114800" lvl="8" indent="-317500">
+            <a:lvl9pPr indent="-317500" lvl="8" marL="4114800">
               <a:lnSpc>
                 <a:spcPct val="115000"/>
               </a:lnSpc>
@@ -6732,19 +6675,15 @@
               </a:defRPr>
             </a:lvl9pPr>
           </a:lstStyle>
-          <a:p>
-            <a:endParaRPr/>
-          </a:p>
+          <a:p/>
         </p:txBody>
       </p:sp>
       <p:sp>
         <p:nvSpPr>
           <p:cNvPr id="8" name="Google Shape;8;p1"/>
-          <p:cNvSpPr txBox="1">
-            <a:spLocks noGrp="1"/>
-          </p:cNvSpPr>
+          <p:cNvSpPr txBox="1"/>
           <p:nvPr>
-            <p:ph type="sldNum" idx="12"/>
+            <p:ph idx="12" type="sldNum"/>
           </p:nvPr>
         </p:nvSpPr>
         <p:spPr>
@@ -6761,7 +6700,7 @@
           </a:ln>
         </p:spPr>
         <p:txBody>
-          <a:bodyPr spcFirstLastPara="1" wrap="square" lIns="91425" tIns="91425" rIns="91425" bIns="91425" anchor="ctr" anchorCtr="0">
+          <a:bodyPr anchorCtr="0" anchor="ctr" bIns="91425" lIns="91425" spcFirstLastPara="1" rIns="91425" wrap="square" tIns="91425">
             <a:normAutofit/>
           </a:bodyPr>
           <a:lstStyle>
@@ -6875,7 +6814,7 @@
             </a:lvl9pPr>
           </a:lstStyle>
           <a:p>
-            <a:pPr marL="0" lvl="0" indent="0" algn="r" rtl="0">
+            <a:pPr indent="0" lvl="0" marL="0" rtl="0" algn="r">
               <a:spcBef>
                 <a:spcPts val="0"/>
               </a:spcBef>
@@ -6894,7 +6833,7 @@
       </p:sp>
     </p:spTree>
   </p:cSld>
-  <p:clrMap bg1="lt1" tx1="dk1" bg2="dk2" tx2="lt2" accent1="accent1" accent2="accent2" accent3="accent3" accent4="accent4" accent5="accent5" accent6="accent6" hlink="hlink" folHlink="folHlink"/>
+  <p:clrMap accent1="accent1" accent2="accent2" accent3="accent3" accent4="accent4" accent5="accent5" accent6="accent6" bg1="lt1" bg2="dk2" tx1="dk1" tx2="lt2" folHlink="folHlink" hlink="hlink"/>
   <p:sldLayoutIdLst>
     <p:sldLayoutId id="2147483648" r:id="rId1"/>
     <p:sldLayoutId id="2147483649" r:id="rId2"/>
@@ -6908,10 +6847,10 @@
     <p:sldLayoutId id="2147483657" r:id="rId10"/>
     <p:sldLayoutId id="2147483658" r:id="rId11"/>
   </p:sldLayoutIdLst>
-  <p:hf sldNum="0" hdr="0" ftr="0" dt="0"/>
+  <p:hf dt="0" ftr="0" hdr="0" sldNum="0"/>
   <p:txStyles>
     <p:titleStyle>
-      <a:defPPr marR="0" lvl="0" algn="l" rtl="0">
+      <a:defPPr lvl="0" marR="0" rtl="0" algn="l">
         <a:lnSpc>
           <a:spcPct val="100000"/>
         </a:lnSpc>
@@ -6922,7 +6861,7 @@
           <a:spcPts val="0"/>
         </a:spcAft>
       </a:defPPr>
-      <a:lvl1pPr marR="0" lvl="0" algn="l" rtl="0">
+      <a:lvl1pPr lvl="0" marR="0" rtl="0" algn="l">
         <a:lnSpc>
           <a:spcPct val="100000"/>
         </a:lnSpc>
@@ -6936,7 +6875,7 @@
           <a:srgbClr val="000000"/>
         </a:buClr>
         <a:buFont typeface="Arial"/>
-        <a:defRPr sz="1400" b="0" i="0" u="none" strike="noStrike" cap="none">
+        <a:defRPr b="0" i="0" sz="1400" u="none" cap="none" strike="noStrike">
           <a:solidFill>
             <a:srgbClr val="000000"/>
           </a:solidFill>
@@ -6946,7 +6885,7 @@
           <a:sym typeface="Arial"/>
         </a:defRPr>
       </a:lvl1pPr>
-      <a:lvl2pPr marR="0" lvl="1" algn="l" rtl="0">
+      <a:lvl2pPr lvl="1" marR="0" rtl="0" algn="l">
         <a:lnSpc>
           <a:spcPct val="100000"/>
         </a:lnSpc>
@@ -6960,7 +6899,7 @@
           <a:srgbClr val="000000"/>
         </a:buClr>
         <a:buFont typeface="Arial"/>
-        <a:defRPr sz="1400" b="0" i="0" u="none" strike="noStrike" cap="none">
+        <a:defRPr b="0" i="0" sz="1400" u="none" cap="none" strike="noStrike">
           <a:solidFill>
             <a:srgbClr val="000000"/>
           </a:solidFill>
@@ -6970,7 +6909,7 @@
           <a:sym typeface="Arial"/>
         </a:defRPr>
       </a:lvl2pPr>
-      <a:lvl3pPr marR="0" lvl="2" algn="l" rtl="0">
+      <a:lvl3pPr lvl="2" marR="0" rtl="0" algn="l">
         <a:lnSpc>
           <a:spcPct val="100000"/>
         </a:lnSpc>
@@ -6984,7 +6923,7 @@
           <a:srgbClr val="000000"/>
         </a:buClr>
         <a:buFont typeface="Arial"/>
-        <a:defRPr sz="1400" b="0" i="0" u="none" strike="noStrike" cap="none">
+        <a:defRPr b="0" i="0" sz="1400" u="none" cap="none" strike="noStrike">
           <a:solidFill>
             <a:srgbClr val="000000"/>
           </a:solidFill>
@@ -6994,7 +6933,7 @@
           <a:sym typeface="Arial"/>
         </a:defRPr>
       </a:lvl3pPr>
-      <a:lvl4pPr marR="0" lvl="3" algn="l" rtl="0">
+      <a:lvl4pPr lvl="3" marR="0" rtl="0" algn="l">
         <a:lnSpc>
           <a:spcPct val="100000"/>
         </a:lnSpc>
@@ -7008,7 +6947,7 @@
           <a:srgbClr val="000000"/>
         </a:buClr>
         <a:buFont typeface="Arial"/>
-        <a:defRPr sz="1400" b="0" i="0" u="none" strike="noStrike" cap="none">
+        <a:defRPr b="0" i="0" sz="1400" u="none" cap="none" strike="noStrike">
           <a:solidFill>
             <a:srgbClr val="000000"/>
           </a:solidFill>
@@ -7018,7 +6957,7 @@
           <a:sym typeface="Arial"/>
         </a:defRPr>
       </a:lvl4pPr>
-      <a:lvl5pPr marR="0" lvl="4" algn="l" rtl="0">
+      <a:lvl5pPr lvl="4" marR="0" rtl="0" algn="l">
         <a:lnSpc>
           <a:spcPct val="100000"/>
         </a:lnSpc>
@@ -7032,7 +6971,7 @@
           <a:srgbClr val="000000"/>
         </a:buClr>
         <a:buFont typeface="Arial"/>
-        <a:defRPr sz="1400" b="0" i="0" u="none" strike="noStrike" cap="none">
+        <a:defRPr b="0" i="0" sz="1400" u="none" cap="none" strike="noStrike">
           <a:solidFill>
             <a:srgbClr val="000000"/>
           </a:solidFill>
@@ -7042,7 +6981,7 @@
           <a:sym typeface="Arial"/>
         </a:defRPr>
       </a:lvl5pPr>
-      <a:lvl6pPr marR="0" lvl="5" algn="l" rtl="0">
+      <a:lvl6pPr lvl="5" marR="0" rtl="0" algn="l">
         <a:lnSpc>
           <a:spcPct val="100000"/>
         </a:lnSpc>
@@ -7056,7 +6995,7 @@
           <a:srgbClr val="000000"/>
         </a:buClr>
         <a:buFont typeface="Arial"/>
-        <a:defRPr sz="1400" b="0" i="0" u="none" strike="noStrike" cap="none">
+        <a:defRPr b="0" i="0" sz="1400" u="none" cap="none" strike="noStrike">
           <a:solidFill>
             <a:srgbClr val="000000"/>
           </a:solidFill>
@@ -7066,7 +7005,7 @@
           <a:sym typeface="Arial"/>
         </a:defRPr>
       </a:lvl6pPr>
-      <a:lvl7pPr marR="0" lvl="6" algn="l" rtl="0">
+      <a:lvl7pPr lvl="6" marR="0" rtl="0" algn="l">
         <a:lnSpc>
           <a:spcPct val="100000"/>
         </a:lnSpc>
@@ -7080,7 +7019,7 @@
           <a:srgbClr val="000000"/>
         </a:buClr>
         <a:buFont typeface="Arial"/>
-        <a:defRPr sz="1400" b="0" i="0" u="none" strike="noStrike" cap="none">
+        <a:defRPr b="0" i="0" sz="1400" u="none" cap="none" strike="noStrike">
           <a:solidFill>
             <a:srgbClr val="000000"/>
           </a:solidFill>
@@ -7090,7 +7029,7 @@
           <a:sym typeface="Arial"/>
         </a:defRPr>
       </a:lvl7pPr>
-      <a:lvl8pPr marR="0" lvl="7" algn="l" rtl="0">
+      <a:lvl8pPr lvl="7" marR="0" rtl="0" algn="l">
         <a:lnSpc>
           <a:spcPct val="100000"/>
         </a:lnSpc>
@@ -7104,7 +7043,7 @@
           <a:srgbClr val="000000"/>
         </a:buClr>
         <a:buFont typeface="Arial"/>
-        <a:defRPr sz="1400" b="0" i="0" u="none" strike="noStrike" cap="none">
+        <a:defRPr b="0" i="0" sz="1400" u="none" cap="none" strike="noStrike">
           <a:solidFill>
             <a:srgbClr val="000000"/>
           </a:solidFill>
@@ -7114,7 +7053,7 @@
           <a:sym typeface="Arial"/>
         </a:defRPr>
       </a:lvl8pPr>
-      <a:lvl9pPr marR="0" lvl="8" algn="l" rtl="0">
+      <a:lvl9pPr lvl="8" marR="0" rtl="0" algn="l">
         <a:lnSpc>
           <a:spcPct val="100000"/>
         </a:lnSpc>
@@ -7128,7 +7067,7 @@
           <a:srgbClr val="000000"/>
         </a:buClr>
         <a:buFont typeface="Arial"/>
-        <a:defRPr sz="1400" b="0" i="0" u="none" strike="noStrike" cap="none">
+        <a:defRPr b="0" i="0" sz="1400" u="none" cap="none" strike="noStrike">
           <a:solidFill>
             <a:srgbClr val="000000"/>
           </a:solidFill>
@@ -7140,7 +7079,7 @@
       </a:lvl9pPr>
     </p:titleStyle>
     <p:bodyStyle>
-      <a:defPPr marR="0" lvl="0" algn="l" rtl="0">
+      <a:defPPr lvl="0" marR="0" rtl="0" algn="l">
         <a:lnSpc>
           <a:spcPct val="100000"/>
         </a:lnSpc>
@@ -7151,7 +7090,7 @@
           <a:spcPts val="0"/>
         </a:spcAft>
       </a:defPPr>
-      <a:lvl1pPr marR="0" lvl="0" algn="l" rtl="0">
+      <a:lvl1pPr lvl="0" marR="0" rtl="0" algn="l">
         <a:lnSpc>
           <a:spcPct val="100000"/>
         </a:lnSpc>
@@ -7165,7 +7104,7 @@
           <a:srgbClr val="000000"/>
         </a:buClr>
         <a:buFont typeface="Arial"/>
-        <a:defRPr sz="1400" b="0" i="0" u="none" strike="noStrike" cap="none">
+        <a:defRPr b="0" i="0" sz="1400" u="none" cap="none" strike="noStrike">
           <a:solidFill>
             <a:srgbClr val="000000"/>
           </a:solidFill>
@@ -7175,7 +7114,7 @@
           <a:sym typeface="Arial"/>
         </a:defRPr>
       </a:lvl1pPr>
-      <a:lvl2pPr marR="0" lvl="1" algn="l" rtl="0">
+      <a:lvl2pPr lvl="1" marR="0" rtl="0" algn="l">
         <a:lnSpc>
           <a:spcPct val="100000"/>
         </a:lnSpc>
@@ -7189,7 +7128,7 @@
           <a:srgbClr val="000000"/>
         </a:buClr>
         <a:buFont typeface="Arial"/>
-        <a:defRPr sz="1400" b="0" i="0" u="none" strike="noStrike" cap="none">
+        <a:defRPr b="0" i="0" sz="1400" u="none" cap="none" strike="noStrike">
           <a:solidFill>
             <a:srgbClr val="000000"/>
           </a:solidFill>
@@ -7199,7 +7138,7 @@
           <a:sym typeface="Arial"/>
         </a:defRPr>
       </a:lvl2pPr>
-      <a:lvl3pPr marR="0" lvl="2" algn="l" rtl="0">
+      <a:lvl3pPr lvl="2" marR="0" rtl="0" algn="l">
         <a:lnSpc>
           <a:spcPct val="100000"/>
         </a:lnSpc>
@@ -7213,7 +7152,7 @@
           <a:srgbClr val="000000"/>
         </a:buClr>
         <a:buFont typeface="Arial"/>
-        <a:defRPr sz="1400" b="0" i="0" u="none" strike="noStrike" cap="none">
+        <a:defRPr b="0" i="0" sz="1400" u="none" cap="none" strike="noStrike">
           <a:solidFill>
             <a:srgbClr val="000000"/>
           </a:solidFill>
@@ -7223,7 +7162,7 @@
           <a:sym typeface="Arial"/>
         </a:defRPr>
       </a:lvl3pPr>
-      <a:lvl4pPr marR="0" lvl="3" algn="l" rtl="0">
+      <a:lvl4pPr lvl="3" marR="0" rtl="0" algn="l">
         <a:lnSpc>
           <a:spcPct val="100000"/>
         </a:lnSpc>
@@ -7237,7 +7176,7 @@
           <a:srgbClr val="000000"/>
         </a:buClr>
         <a:buFont typeface="Arial"/>
-        <a:defRPr sz="1400" b="0" i="0" u="none" strike="noStrike" cap="none">
+        <a:defRPr b="0" i="0" sz="1400" u="none" cap="none" strike="noStrike">
           <a:solidFill>
             <a:srgbClr val="000000"/>
           </a:solidFill>
@@ -7247,7 +7186,7 @@
           <a:sym typeface="Arial"/>
         </a:defRPr>
       </a:lvl4pPr>
-      <a:lvl5pPr marR="0" lvl="4" algn="l" rtl="0">
+      <a:lvl5pPr lvl="4" marR="0" rtl="0" algn="l">
         <a:lnSpc>
           <a:spcPct val="100000"/>
         </a:lnSpc>
@@ -7261,7 +7200,7 @@
           <a:srgbClr val="000000"/>
         </a:buClr>
         <a:buFont typeface="Arial"/>
-        <a:defRPr sz="1400" b="0" i="0" u="none" strike="noStrike" cap="none">
+        <a:defRPr b="0" i="0" sz="1400" u="none" cap="none" strike="noStrike">
           <a:solidFill>
             <a:srgbClr val="000000"/>
           </a:solidFill>
@@ -7271,7 +7210,7 @@
           <a:sym typeface="Arial"/>
         </a:defRPr>
       </a:lvl5pPr>
-      <a:lvl6pPr marR="0" lvl="5" algn="l" rtl="0">
+      <a:lvl6pPr lvl="5" marR="0" rtl="0" algn="l">
         <a:lnSpc>
           <a:spcPct val="100000"/>
         </a:lnSpc>
@@ -7285,7 +7224,7 @@
           <a:srgbClr val="000000"/>
         </a:buClr>
         <a:buFont typeface="Arial"/>
-        <a:defRPr sz="1400" b="0" i="0" u="none" strike="noStrike" cap="none">
+        <a:defRPr b="0" i="0" sz="1400" u="none" cap="none" strike="noStrike">
           <a:solidFill>
             <a:srgbClr val="000000"/>
           </a:solidFill>
@@ -7295,7 +7234,7 @@
           <a:sym typeface="Arial"/>
         </a:defRPr>
       </a:lvl6pPr>
-      <a:lvl7pPr marR="0" lvl="6" algn="l" rtl="0">
+      <a:lvl7pPr lvl="6" marR="0" rtl="0" algn="l">
         <a:lnSpc>
           <a:spcPct val="100000"/>
         </a:lnSpc>
@@ -7309,7 +7248,7 @@
           <a:srgbClr val="000000"/>
         </a:buClr>
         <a:buFont typeface="Arial"/>
-        <a:defRPr sz="1400" b="0" i="0" u="none" strike="noStrike" cap="none">
+        <a:defRPr b="0" i="0" sz="1400" u="none" cap="none" strike="noStrike">
           <a:solidFill>
             <a:srgbClr val="000000"/>
           </a:solidFill>
@@ -7319,7 +7258,7 @@
           <a:sym typeface="Arial"/>
         </a:defRPr>
       </a:lvl7pPr>
-      <a:lvl8pPr marR="0" lvl="7" algn="l" rtl="0">
+      <a:lvl8pPr lvl="7" marR="0" rtl="0" algn="l">
         <a:lnSpc>
           <a:spcPct val="100000"/>
         </a:lnSpc>
@@ -7333,7 +7272,7 @@
           <a:srgbClr val="000000"/>
         </a:buClr>
         <a:buFont typeface="Arial"/>
-        <a:defRPr sz="1400" b="0" i="0" u="none" strike="noStrike" cap="none">
+        <a:defRPr b="0" i="0" sz="1400" u="none" cap="none" strike="noStrike">
           <a:solidFill>
             <a:srgbClr val="000000"/>
           </a:solidFill>
@@ -7343,7 +7282,7 @@
           <a:sym typeface="Arial"/>
         </a:defRPr>
       </a:lvl8pPr>
-      <a:lvl9pPr marR="0" lvl="8" algn="l" rtl="0">
+      <a:lvl9pPr lvl="8" marR="0" rtl="0" algn="l">
         <a:lnSpc>
           <a:spcPct val="100000"/>
         </a:lnSpc>
@@ -7357,7 +7296,7 @@
           <a:srgbClr val="000000"/>
         </a:buClr>
         <a:buFont typeface="Arial"/>
-        <a:defRPr sz="1400" b="0" i="0" u="none" strike="noStrike" cap="none">
+        <a:defRPr b="0" i="0" sz="1400" u="none" cap="none" strike="noStrike">
           <a:solidFill>
             <a:srgbClr val="000000"/>
           </a:solidFill>
@@ -7369,7 +7308,7 @@
       </a:lvl9pPr>
     </p:bodyStyle>
     <p:otherStyle>
-      <a:defPPr marR="0" lvl="0" algn="l" rtl="0">
+      <a:defPPr lvl="0" marR="0" rtl="0" algn="l">
         <a:lnSpc>
           <a:spcPct val="100000"/>
         </a:lnSpc>
@@ -7380,7 +7319,7 @@
           <a:spcPts val="0"/>
         </a:spcAft>
       </a:defPPr>
-      <a:lvl1pPr marR="0" lvl="0" algn="l" rtl="0">
+      <a:lvl1pPr lvl="0" marR="0" rtl="0" algn="l">
         <a:lnSpc>
           <a:spcPct val="100000"/>
         </a:lnSpc>
@@ -7394,7 +7333,7 @@
           <a:srgbClr val="000000"/>
         </a:buClr>
         <a:buFont typeface="Arial"/>
-        <a:defRPr sz="1400" b="0" i="0" u="none" strike="noStrike" cap="none">
+        <a:defRPr b="0" i="0" sz="1400" u="none" cap="none" strike="noStrike">
           <a:solidFill>
             <a:srgbClr val="000000"/>
           </a:solidFill>
@@ -7404,7 +7343,7 @@
           <a:sym typeface="Arial"/>
         </a:defRPr>
       </a:lvl1pPr>
-      <a:lvl2pPr marR="0" lvl="1" algn="l" rtl="0">
+      <a:lvl2pPr lvl="1" marR="0" rtl="0" algn="l">
         <a:lnSpc>
           <a:spcPct val="100000"/>
         </a:lnSpc>
@@ -7418,7 +7357,7 @@
           <a:srgbClr val="000000"/>
         </a:buClr>
         <a:buFont typeface="Arial"/>
-        <a:defRPr sz="1400" b="0" i="0" u="none" strike="noStrike" cap="none">
+        <a:defRPr b="0" i="0" sz="1400" u="none" cap="none" strike="noStrike">
           <a:solidFill>
             <a:srgbClr val="000000"/>
           </a:solidFill>
@@ -7428,7 +7367,7 @@
           <a:sym typeface="Arial"/>
         </a:defRPr>
       </a:lvl2pPr>
-      <a:lvl3pPr marR="0" lvl="2" algn="l" rtl="0">
+      <a:lvl3pPr lvl="2" marR="0" rtl="0" algn="l">
         <a:lnSpc>
           <a:spcPct val="100000"/>
         </a:lnSpc>
@@ -7442,7 +7381,7 @@
           <a:srgbClr val="000000"/>
         </a:buClr>
         <a:buFont typeface="Arial"/>
-        <a:defRPr sz="1400" b="0" i="0" u="none" strike="noStrike" cap="none">
+        <a:defRPr b="0" i="0" sz="1400" u="none" cap="none" strike="noStrike">
           <a:solidFill>
             <a:srgbClr val="000000"/>
           </a:solidFill>
@@ -7452,7 +7391,7 @@
           <a:sym typeface="Arial"/>
         </a:defRPr>
       </a:lvl3pPr>
-      <a:lvl4pPr marR="0" lvl="3" algn="l" rtl="0">
+      <a:lvl4pPr lvl="3" marR="0" rtl="0" algn="l">
         <a:lnSpc>
           <a:spcPct val="100000"/>
         </a:lnSpc>
@@ -7466,7 +7405,7 @@
           <a:srgbClr val="000000"/>
         </a:buClr>
         <a:buFont typeface="Arial"/>
-        <a:defRPr sz="1400" b="0" i="0" u="none" strike="noStrike" cap="none">
+        <a:defRPr b="0" i="0" sz="1400" u="none" cap="none" strike="noStrike">
           <a:solidFill>
             <a:srgbClr val="000000"/>
           </a:solidFill>
@@ -7476,7 +7415,7 @@
           <a:sym typeface="Arial"/>
         </a:defRPr>
       </a:lvl4pPr>
-      <a:lvl5pPr marR="0" lvl="4" algn="l" rtl="0">
+      <a:lvl5pPr lvl="4" marR="0" rtl="0" algn="l">
         <a:lnSpc>
           <a:spcPct val="100000"/>
         </a:lnSpc>
@@ -7490,7 +7429,7 @@
           <a:srgbClr val="000000"/>
         </a:buClr>
         <a:buFont typeface="Arial"/>
-        <a:defRPr sz="1400" b="0" i="0" u="none" strike="noStrike" cap="none">
+        <a:defRPr b="0" i="0" sz="1400" u="none" cap="none" strike="noStrike">
           <a:solidFill>
             <a:srgbClr val="000000"/>
           </a:solidFill>
@@ -7500,7 +7439,7 @@
           <a:sym typeface="Arial"/>
         </a:defRPr>
       </a:lvl5pPr>
-      <a:lvl6pPr marR="0" lvl="5" algn="l" rtl="0">
+      <a:lvl6pPr lvl="5" marR="0" rtl="0" algn="l">
         <a:lnSpc>
           <a:spcPct val="100000"/>
         </a:lnSpc>
@@ -7514,7 +7453,7 @@
           <a:srgbClr val="000000"/>
         </a:buClr>
         <a:buFont typeface="Arial"/>
-        <a:defRPr sz="1400" b="0" i="0" u="none" strike="noStrike" cap="none">
+        <a:defRPr b="0" i="0" sz="1400" u="none" cap="none" strike="noStrike">
           <a:solidFill>
             <a:srgbClr val="000000"/>
           </a:solidFill>
@@ -7524,7 +7463,7 @@
           <a:sym typeface="Arial"/>
         </a:defRPr>
       </a:lvl6pPr>
-      <a:lvl7pPr marR="0" lvl="6" algn="l" rtl="0">
+      <a:lvl7pPr lvl="6" marR="0" rtl="0" algn="l">
         <a:lnSpc>
           <a:spcPct val="100000"/>
         </a:lnSpc>
@@ -7538,7 +7477,7 @@
           <a:srgbClr val="000000"/>
         </a:buClr>
         <a:buFont typeface="Arial"/>
-        <a:defRPr sz="1400" b="0" i="0" u="none" strike="noStrike" cap="none">
+        <a:defRPr b="0" i="0" sz="1400" u="none" cap="none" strike="noStrike">
           <a:solidFill>
             <a:srgbClr val="000000"/>
           </a:solidFill>
@@ -7548,7 +7487,7 @@
           <a:sym typeface="Arial"/>
         </a:defRPr>
       </a:lvl7pPr>
-      <a:lvl8pPr marR="0" lvl="7" algn="l" rtl="0">
+      <a:lvl8pPr lvl="7" marR="0" rtl="0" algn="l">
         <a:lnSpc>
           <a:spcPct val="100000"/>
         </a:lnSpc>
@@ -7562,7 +7501,7 @@
           <a:srgbClr val="000000"/>
         </a:buClr>
         <a:buFont typeface="Arial"/>
-        <a:defRPr sz="1400" b="0" i="0" u="none" strike="noStrike" cap="none">
+        <a:defRPr b="0" i="0" sz="1400" u="none" cap="none" strike="noStrike">
           <a:solidFill>
             <a:srgbClr val="000000"/>
           </a:solidFill>
@@ -7572,7 +7511,7 @@
           <a:sym typeface="Arial"/>
         </a:defRPr>
       </a:lvl8pPr>
-      <a:lvl9pPr marR="0" lvl="8" algn="l" rtl="0">
+      <a:lvl9pPr lvl="8" marR="0" rtl="0" algn="l">
         <a:lnSpc>
           <a:spcPct val="100000"/>
         </a:lnSpc>
@@ -7586,7 +7525,7 @@
           <a:srgbClr val="000000"/>
         </a:buClr>
         <a:buFont typeface="Arial"/>
-        <a:defRPr sz="1400" b="0" i="0" u="none" strike="noStrike" cap="none">
+        <a:defRPr b="0" i="0" sz="1400" u="none" cap="none" strike="noStrike">
           <a:solidFill>
             <a:srgbClr val="000000"/>
           </a:solidFill>
@@ -7602,11 +7541,11 @@
 </file>
 
 <file path=ppt/slides/slide1.xml><?xml version="1.0" encoding="utf-8"?>
-<p:sld xmlns:a="http://schemas.openxmlformats.org/drawingml/2006/main" xmlns:r="http://schemas.openxmlformats.org/officeDocument/2006/relationships" xmlns:p="http://schemas.openxmlformats.org/presentationml/2006/main">
+<p:sld xmlns:a="http://schemas.openxmlformats.org/drawingml/2006/main" xmlns:r="http://schemas.openxmlformats.org/officeDocument/2006/relationships" xmlns:mc="http://schemas.openxmlformats.org/markup-compatibility/2006" xmlns:mv="urn:schemas-microsoft-com:mac:vml" xmlns:p="http://schemas.openxmlformats.org/presentationml/2006/main" xmlns:c="http://schemas.openxmlformats.org/drawingml/2006/chart" xmlns:dgm="http://schemas.openxmlformats.org/drawingml/2006/diagram" xmlns:o="urn:schemas-microsoft-com:office:office" xmlns:v="urn:schemas-microsoft-com:vml" xmlns:pvml="urn:schemas-microsoft-com:office:powerpoint" xmlns:com="http://schemas.openxmlformats.org/drawingml/2006/compatibility" xmlns:p14="http://schemas.microsoft.com/office/powerpoint/2010/main" xmlns:p15="http://schemas.microsoft.com/office/powerpoint/2012/main" xmlns:ahyp="http://schemas.microsoft.com/office/drawing/2018/hyperlinkcolor">
   <p:cSld>
     <p:spTree>
       <p:nvGrpSpPr>
-        <p:cNvPr id="1" name="Shape 62"/>
+        <p:cNvPr id="62" name="Shape 62"/>
         <p:cNvGrpSpPr/>
         <p:nvPr/>
       </p:nvGrpSpPr>
@@ -7621,9 +7560,7 @@
       <p:sp>
         <p:nvSpPr>
           <p:cNvPr id="63" name="Google Shape;63;p13"/>
-          <p:cNvSpPr txBox="1">
-            <a:spLocks noGrp="1"/>
-          </p:cNvSpPr>
+          <p:cNvSpPr txBox="1"/>
           <p:nvPr>
             <p:ph type="ctrTitle"/>
           </p:nvPr>
@@ -7638,12 +7575,12 @@
           </a:prstGeom>
         </p:spPr>
         <p:txBody>
-          <a:bodyPr spcFirstLastPara="1" wrap="square" lIns="91425" tIns="91425" rIns="91425" bIns="91425" anchor="b" anchorCtr="0">
+          <a:bodyPr anchorCtr="0" anchor="b" bIns="91425" lIns="91425" spcFirstLastPara="1" rIns="91425" wrap="square" tIns="91425">
             <a:normAutofit fontScale="90000"/>
           </a:bodyPr>
           <a:lstStyle/>
           <a:p>
-            <a:pPr marL="0" lvl="0" indent="0" algn="ctr" rtl="0">
+            <a:pPr indent="0" lvl="0" marL="0" rtl="0" algn="ctr">
               <a:spcBef>
                 <a:spcPts val="0"/>
               </a:spcBef>
@@ -7659,7 +7596,7 @@
             <a:endParaRPr/>
           </a:p>
           <a:p>
-            <a:pPr marL="0" lvl="0" indent="0" algn="ctr" rtl="0">
+            <a:pPr indent="0" lvl="0" marL="0" rtl="0" algn="ctr">
               <a:spcBef>
                 <a:spcPts val="0"/>
               </a:spcBef>
@@ -7675,7 +7612,7 @@
             <a:endParaRPr sz="2411"/>
           </a:p>
           <a:p>
-            <a:pPr marL="0" lvl="0" indent="0" algn="ctr" rtl="0">
+            <a:pPr indent="0" lvl="0" marL="0" rtl="0" algn="ctr">
               <a:spcBef>
                 <a:spcPts val="0"/>
               </a:spcBef>
@@ -7695,11 +7632,9 @@
       <p:sp>
         <p:nvSpPr>
           <p:cNvPr id="64" name="Google Shape;64;p13"/>
-          <p:cNvSpPr txBox="1">
-            <a:spLocks noGrp="1"/>
-          </p:cNvSpPr>
+          <p:cNvSpPr txBox="1"/>
           <p:nvPr>
-            <p:ph type="subTitle" idx="1"/>
+            <p:ph idx="1" type="subTitle"/>
           </p:nvPr>
         </p:nvSpPr>
         <p:spPr>
@@ -7712,12 +7647,12 @@
           </a:prstGeom>
         </p:spPr>
         <p:txBody>
-          <a:bodyPr spcFirstLastPara="1" wrap="square" lIns="91425" tIns="91425" rIns="91425" bIns="91425" anchor="t" anchorCtr="0">
+          <a:bodyPr anchorCtr="0" anchor="t" bIns="91425" lIns="91425" spcFirstLastPara="1" rIns="91425" wrap="square" tIns="91425">
             <a:noAutofit/>
           </a:bodyPr>
           <a:lstStyle/>
           <a:p>
-            <a:pPr marL="0" lvl="0" indent="0" algn="ctr" rtl="0">
+            <a:pPr indent="0" lvl="0" marL="0" rtl="0" algn="ctr">
               <a:spcBef>
                 <a:spcPts val="0"/>
               </a:spcBef>
@@ -7733,15 +7668,18 @@
             <a:endParaRPr/>
           </a:p>
           <a:p>
-            <a:pPr marL="0" lvl="0" indent="0" algn="ctr" rtl="0">
-              <a:spcBef>
-                <a:spcPts val="0"/>
-              </a:spcBef>
-              <a:spcAft>
-                <a:spcPts val="0"/>
-              </a:spcAft>
-              <a:buNone/>
-            </a:pPr>
+            <a:pPr indent="0" lvl="0" marL="0" rtl="0" algn="ctr">
+              <a:spcBef>
+                <a:spcPts val="0"/>
+              </a:spcBef>
+              <a:spcAft>
+                <a:spcPts val="0"/>
+              </a:spcAft>
+              <a:buNone/>
+            </a:pPr>
+            <a:r>
+              <a:t/>
+            </a:r>
             <a:endParaRPr/>
           </a:p>
         </p:txBody>
@@ -7755,11 +7693,11 @@
 </file>
 
 <file path=ppt/slides/slide10.xml><?xml version="1.0" encoding="utf-8"?>
-<p:sld xmlns:a="http://schemas.openxmlformats.org/drawingml/2006/main" xmlns:r="http://schemas.openxmlformats.org/officeDocument/2006/relationships" xmlns:p="http://schemas.openxmlformats.org/presentationml/2006/main">
+<p:sld xmlns:a="http://schemas.openxmlformats.org/drawingml/2006/main" xmlns:r="http://schemas.openxmlformats.org/officeDocument/2006/relationships" xmlns:mc="http://schemas.openxmlformats.org/markup-compatibility/2006" xmlns:mv="urn:schemas-microsoft-com:mac:vml" xmlns:p="http://schemas.openxmlformats.org/presentationml/2006/main" xmlns:c="http://schemas.openxmlformats.org/drawingml/2006/chart" xmlns:dgm="http://schemas.openxmlformats.org/drawingml/2006/diagram" xmlns:o="urn:schemas-microsoft-com:office:office" xmlns:v="urn:schemas-microsoft-com:vml" xmlns:pvml="urn:schemas-microsoft-com:office:powerpoint" xmlns:com="http://schemas.openxmlformats.org/drawingml/2006/compatibility" xmlns:p14="http://schemas.microsoft.com/office/powerpoint/2010/main" xmlns:p15="http://schemas.microsoft.com/office/powerpoint/2012/main" xmlns:ahyp="http://schemas.microsoft.com/office/drawing/2018/hyperlinkcolor">
   <p:cSld>
     <p:spTree>
       <p:nvGrpSpPr>
-        <p:cNvPr id="1" name="Shape 116"/>
+        <p:cNvPr id="118" name="Shape 118"/>
         <p:cNvGrpSpPr/>
         <p:nvPr/>
       </p:nvGrpSpPr>
@@ -7773,10 +7711,1612 @@
       </p:grpSpPr>
       <p:sp>
         <p:nvSpPr>
-          <p:cNvPr id="117" name="Google Shape;117;p22"/>
-          <p:cNvSpPr txBox="1">
-            <a:spLocks noGrp="1"/>
-          </p:cNvSpPr>
+          <p:cNvPr id="119" name="Google Shape;119;p22"/>
+          <p:cNvSpPr txBox="1"/>
+          <p:nvPr>
+            <p:ph type="title"/>
+          </p:nvPr>
+        </p:nvSpPr>
+        <p:spPr>
+          <a:xfrm>
+            <a:off x="387900" y="458025"/>
+            <a:ext cx="8368200" cy="686100"/>
+          </a:xfrm>
+          <a:prstGeom prst="rect">
+            <a:avLst/>
+          </a:prstGeom>
+        </p:spPr>
+        <p:txBody>
+          <a:bodyPr anchorCtr="0" anchor="b" bIns="91425" lIns="91425" spcFirstLastPara="1" rIns="91425" wrap="square" tIns="91425">
+            <a:normAutofit/>
+          </a:bodyPr>
+          <a:lstStyle/>
+          <a:p>
+            <a:pPr indent="0" lvl="0" marL="0" rtl="0" algn="l">
+              <a:spcBef>
+                <a:spcPts val="0"/>
+              </a:spcBef>
+              <a:spcAft>
+                <a:spcPts val="0"/>
+              </a:spcAft>
+              <a:buNone/>
+            </a:pPr>
+            <a:r>
+              <a:rPr lang="en"/>
+              <a:t>Accomplished Work</a:t>
+            </a:r>
+            <a:endParaRPr/>
+          </a:p>
+        </p:txBody>
+      </p:sp>
+      <p:sp>
+        <p:nvSpPr>
+          <p:cNvPr id="120" name="Google Shape;120;p22"/>
+          <p:cNvSpPr txBox="1"/>
+          <p:nvPr>
+            <p:ph idx="1" type="body"/>
+          </p:nvPr>
+        </p:nvSpPr>
+        <p:spPr>
+          <a:xfrm>
+            <a:off x="387900" y="1489824"/>
+            <a:ext cx="8368200" cy="3078900"/>
+          </a:xfrm>
+          <a:prstGeom prst="rect">
+            <a:avLst/>
+          </a:prstGeom>
+        </p:spPr>
+        <p:txBody>
+          <a:bodyPr anchorCtr="0" anchor="t" bIns="91425" lIns="91425" spcFirstLastPara="1" rIns="91425" wrap="square" tIns="91425">
+            <a:normAutofit/>
+          </a:bodyPr>
+          <a:lstStyle/>
+          <a:p>
+            <a:pPr indent="-342900" lvl="0" marL="457200" rtl="0" algn="l">
+              <a:spcBef>
+                <a:spcPts val="0"/>
+              </a:spcBef>
+              <a:spcAft>
+                <a:spcPts val="0"/>
+              </a:spcAft>
+              <a:buSzPts val="1800"/>
+              <a:buChar char="●"/>
+            </a:pPr>
+            <a:r>
+              <a:rPr lang="en"/>
+              <a:t>Configuration/Training</a:t>
+            </a:r>
+            <a:endParaRPr/>
+          </a:p>
+          <a:p>
+            <a:pPr indent="-342900" lvl="0" marL="457200" rtl="0" algn="l">
+              <a:spcBef>
+                <a:spcPts val="0"/>
+              </a:spcBef>
+              <a:spcAft>
+                <a:spcPts val="0"/>
+              </a:spcAft>
+              <a:buSzPts val="1800"/>
+              <a:buChar char="●"/>
+            </a:pPr>
+            <a:r>
+              <a:rPr lang="en"/>
+              <a:t>Pipeline Connections</a:t>
+            </a:r>
+            <a:endParaRPr/>
+          </a:p>
+          <a:p>
+            <a:pPr indent="-342900" lvl="0" marL="457200" rtl="0" algn="l">
+              <a:spcBef>
+                <a:spcPts val="0"/>
+              </a:spcBef>
+              <a:spcAft>
+                <a:spcPts val="0"/>
+              </a:spcAft>
+              <a:buSzPts val="1800"/>
+              <a:buChar char="●"/>
+            </a:pPr>
+            <a:r>
+              <a:rPr lang="en"/>
+              <a:t>Pac-Man</a:t>
+            </a:r>
+            <a:endParaRPr/>
+          </a:p>
+        </p:txBody>
+      </p:sp>
+      <p:pic>
+        <p:nvPicPr>
+          <p:cNvPr id="121" name="Google Shape;121;p22"/>
+          <p:cNvPicPr preferRelativeResize="0"/>
+          <p:nvPr/>
+        </p:nvPicPr>
+        <p:blipFill>
+          <a:blip r:embed="rId3">
+            <a:alphaModFix/>
+          </a:blip>
+          <a:stretch>
+            <a:fillRect/>
+          </a:stretch>
+        </p:blipFill>
+        <p:spPr>
+          <a:xfrm>
+            <a:off x="1858500" y="2686400"/>
+            <a:ext cx="7194527" cy="2124675"/>
+          </a:xfrm>
+          <a:prstGeom prst="rect">
+            <a:avLst/>
+          </a:prstGeom>
+          <a:noFill/>
+          <a:ln>
+            <a:noFill/>
+          </a:ln>
+        </p:spPr>
+      </p:pic>
+    </p:spTree>
+  </p:cSld>
+  <p:clrMapOvr>
+    <a:masterClrMapping/>
+  </p:clrMapOvr>
+</p:sld>
+</file>
+
+<file path=ppt/slides/slide11.xml><?xml version="1.0" encoding="utf-8"?>
+<p:sld xmlns:a="http://schemas.openxmlformats.org/drawingml/2006/main" xmlns:r="http://schemas.openxmlformats.org/officeDocument/2006/relationships" xmlns:mc="http://schemas.openxmlformats.org/markup-compatibility/2006" xmlns:mv="urn:schemas-microsoft-com:mac:vml" xmlns:p="http://schemas.openxmlformats.org/presentationml/2006/main" xmlns:c="http://schemas.openxmlformats.org/drawingml/2006/chart" xmlns:dgm="http://schemas.openxmlformats.org/drawingml/2006/diagram" xmlns:o="urn:schemas-microsoft-com:office:office" xmlns:v="urn:schemas-microsoft-com:vml" xmlns:pvml="urn:schemas-microsoft-com:office:powerpoint" xmlns:com="http://schemas.openxmlformats.org/drawingml/2006/compatibility" xmlns:p14="http://schemas.microsoft.com/office/powerpoint/2010/main" xmlns:p15="http://schemas.microsoft.com/office/powerpoint/2012/main" xmlns:ahyp="http://schemas.microsoft.com/office/drawing/2018/hyperlinkcolor">
+  <p:cSld>
+    <p:spTree>
+      <p:nvGrpSpPr>
+        <p:cNvPr id="125" name="Shape 125"/>
+        <p:cNvGrpSpPr/>
+        <p:nvPr/>
+      </p:nvGrpSpPr>
+      <p:grpSpPr>
+        <a:xfrm>
+          <a:off x="0" y="0"/>
+          <a:ext cx="0" cy="0"/>
+          <a:chOff x="0" y="0"/>
+          <a:chExt cx="0" cy="0"/>
+        </a:xfrm>
+      </p:grpSpPr>
+      <p:sp>
+        <p:nvSpPr>
+          <p:cNvPr id="126" name="Google Shape;126;p23"/>
+          <p:cNvSpPr txBox="1"/>
+          <p:nvPr>
+            <p:ph type="title"/>
+          </p:nvPr>
+        </p:nvSpPr>
+        <p:spPr>
+          <a:xfrm>
+            <a:off x="387900" y="458025"/>
+            <a:ext cx="8368200" cy="686100"/>
+          </a:xfrm>
+          <a:prstGeom prst="rect">
+            <a:avLst/>
+          </a:prstGeom>
+        </p:spPr>
+        <p:txBody>
+          <a:bodyPr anchorCtr="0" anchor="b" bIns="91425" lIns="91425" spcFirstLastPara="1" rIns="91425" wrap="square" tIns="91425">
+            <a:normAutofit/>
+          </a:bodyPr>
+          <a:lstStyle/>
+          <a:p>
+            <a:pPr indent="0" lvl="0" marL="0" rtl="0" algn="l">
+              <a:spcBef>
+                <a:spcPts val="0"/>
+              </a:spcBef>
+              <a:spcAft>
+                <a:spcPts val="0"/>
+              </a:spcAft>
+              <a:buNone/>
+            </a:pPr>
+            <a:r>
+              <a:rPr lang="en"/>
+              <a:t>Development Dynamics</a:t>
+            </a:r>
+            <a:endParaRPr/>
+          </a:p>
+        </p:txBody>
+      </p:sp>
+      <p:sp>
+        <p:nvSpPr>
+          <p:cNvPr id="127" name="Google Shape;127;p23"/>
+          <p:cNvSpPr txBox="1"/>
+          <p:nvPr>
+            <p:ph idx="1" type="body"/>
+          </p:nvPr>
+        </p:nvSpPr>
+        <p:spPr>
+          <a:xfrm>
+            <a:off x="387900" y="1489824"/>
+            <a:ext cx="8368200" cy="3078900"/>
+          </a:xfrm>
+          <a:prstGeom prst="rect">
+            <a:avLst/>
+          </a:prstGeom>
+        </p:spPr>
+        <p:txBody>
+          <a:bodyPr anchorCtr="0" anchor="t" bIns="91425" lIns="91425" spcFirstLastPara="1" rIns="91425" wrap="square" tIns="91425">
+            <a:normAutofit/>
+          </a:bodyPr>
+          <a:lstStyle/>
+          <a:p>
+            <a:pPr indent="-342900" lvl="0" marL="457200" rtl="0" algn="l">
+              <a:spcBef>
+                <a:spcPts val="0"/>
+              </a:spcBef>
+              <a:spcAft>
+                <a:spcPts val="0"/>
+              </a:spcAft>
+              <a:buSzPts val="1800"/>
+              <a:buChar char="●"/>
+            </a:pPr>
+            <a:r>
+              <a:rPr lang="en"/>
+              <a:t>Each Member Excelled in Certain Areas</a:t>
+            </a:r>
+            <a:endParaRPr/>
+          </a:p>
+          <a:p>
+            <a:pPr indent="0" lvl="0" marL="0" rtl="0" algn="l">
+              <a:spcBef>
+                <a:spcPts val="1200"/>
+              </a:spcBef>
+              <a:spcAft>
+                <a:spcPts val="0"/>
+              </a:spcAft>
+              <a:buNone/>
+            </a:pPr>
+            <a:r>
+              <a:t/>
+            </a:r>
+            <a:endParaRPr/>
+          </a:p>
+          <a:p>
+            <a:pPr indent="-342900" lvl="0" marL="457200" rtl="0" algn="l">
+              <a:spcBef>
+                <a:spcPts val="1200"/>
+              </a:spcBef>
+              <a:spcAft>
+                <a:spcPts val="0"/>
+              </a:spcAft>
+              <a:buSzPts val="1800"/>
+              <a:buChar char="●"/>
+            </a:pPr>
+            <a:r>
+              <a:rPr lang="en"/>
+              <a:t>Consistent Group Meetings</a:t>
+            </a:r>
+            <a:endParaRPr/>
+          </a:p>
+          <a:p>
+            <a:pPr indent="0" lvl="0" marL="0" rtl="0" algn="l">
+              <a:spcBef>
+                <a:spcPts val="1200"/>
+              </a:spcBef>
+              <a:spcAft>
+                <a:spcPts val="0"/>
+              </a:spcAft>
+              <a:buNone/>
+            </a:pPr>
+            <a:r>
+              <a:t/>
+            </a:r>
+            <a:endParaRPr/>
+          </a:p>
+          <a:p>
+            <a:pPr indent="-342900" lvl="0" marL="457200" rtl="0" algn="l">
+              <a:spcBef>
+                <a:spcPts val="1200"/>
+              </a:spcBef>
+              <a:spcAft>
+                <a:spcPts val="0"/>
+              </a:spcAft>
+              <a:buSzPts val="1800"/>
+              <a:buChar char="●"/>
+            </a:pPr>
+            <a:r>
+              <a:rPr lang="en"/>
+              <a:t>Individual Methodologies</a:t>
+            </a:r>
+            <a:endParaRPr/>
+          </a:p>
+        </p:txBody>
+      </p:sp>
+    </p:spTree>
+  </p:cSld>
+  <p:clrMapOvr>
+    <a:masterClrMapping/>
+  </p:clrMapOvr>
+</p:sld>
+</file>
+
+<file path=ppt/slides/slide12.xml><?xml version="1.0" encoding="utf-8"?>
+<p:sld xmlns:a="http://schemas.openxmlformats.org/drawingml/2006/main" xmlns:r="http://schemas.openxmlformats.org/officeDocument/2006/relationships" xmlns:mc="http://schemas.openxmlformats.org/markup-compatibility/2006" xmlns:mv="urn:schemas-microsoft-com:mac:vml" xmlns:p="http://schemas.openxmlformats.org/presentationml/2006/main" xmlns:c="http://schemas.openxmlformats.org/drawingml/2006/chart" xmlns:dgm="http://schemas.openxmlformats.org/drawingml/2006/diagram" xmlns:o="urn:schemas-microsoft-com:office:office" xmlns:v="urn:schemas-microsoft-com:vml" xmlns:pvml="urn:schemas-microsoft-com:office:powerpoint" xmlns:com="http://schemas.openxmlformats.org/drawingml/2006/compatibility" xmlns:p14="http://schemas.microsoft.com/office/powerpoint/2010/main" xmlns:p15="http://schemas.microsoft.com/office/powerpoint/2012/main" xmlns:ahyp="http://schemas.microsoft.com/office/drawing/2018/hyperlinkcolor">
+  <p:cSld>
+    <p:spTree>
+      <p:nvGrpSpPr>
+        <p:cNvPr id="131" name="Shape 131"/>
+        <p:cNvGrpSpPr/>
+        <p:nvPr/>
+      </p:nvGrpSpPr>
+      <p:grpSpPr>
+        <a:xfrm>
+          <a:off x="0" y="0"/>
+          <a:ext cx="0" cy="0"/>
+          <a:chOff x="0" y="0"/>
+          <a:chExt cx="0" cy="0"/>
+        </a:xfrm>
+      </p:grpSpPr>
+      <p:sp>
+        <p:nvSpPr>
+          <p:cNvPr id="132" name="Google Shape;132;p24"/>
+          <p:cNvSpPr txBox="1"/>
+          <p:nvPr>
+            <p:ph type="title"/>
+          </p:nvPr>
+        </p:nvSpPr>
+        <p:spPr>
+          <a:xfrm>
+            <a:off x="387900" y="458025"/>
+            <a:ext cx="8368200" cy="686100"/>
+          </a:xfrm>
+          <a:prstGeom prst="rect">
+            <a:avLst/>
+          </a:prstGeom>
+        </p:spPr>
+        <p:txBody>
+          <a:bodyPr anchorCtr="0" anchor="b" bIns="91425" lIns="91425" spcFirstLastPara="1" rIns="91425" wrap="square" tIns="91425">
+            <a:normAutofit/>
+          </a:bodyPr>
+          <a:lstStyle/>
+          <a:p>
+            <a:pPr indent="0" lvl="0" marL="0" rtl="0" algn="l">
+              <a:spcBef>
+                <a:spcPts val="0"/>
+              </a:spcBef>
+              <a:spcAft>
+                <a:spcPts val="0"/>
+              </a:spcAft>
+              <a:buNone/>
+            </a:pPr>
+            <a:r>
+              <a:rPr lang="en"/>
+              <a:t>Lessons Learned</a:t>
+            </a:r>
+            <a:endParaRPr/>
+          </a:p>
+        </p:txBody>
+      </p:sp>
+      <p:sp>
+        <p:nvSpPr>
+          <p:cNvPr id="133" name="Google Shape;133;p24"/>
+          <p:cNvSpPr txBox="1"/>
+          <p:nvPr>
+            <p:ph idx="1" type="body"/>
+          </p:nvPr>
+        </p:nvSpPr>
+        <p:spPr>
+          <a:xfrm>
+            <a:off x="387900" y="1489824"/>
+            <a:ext cx="8368200" cy="3078900"/>
+          </a:xfrm>
+          <a:prstGeom prst="rect">
+            <a:avLst/>
+          </a:prstGeom>
+        </p:spPr>
+        <p:txBody>
+          <a:bodyPr anchorCtr="0" anchor="t" bIns="91425" lIns="91425" spcFirstLastPara="1" rIns="91425" wrap="square" tIns="91425">
+            <a:normAutofit/>
+          </a:bodyPr>
+          <a:lstStyle/>
+          <a:p>
+            <a:pPr indent="-342900" lvl="0" marL="457200" rtl="0" algn="l">
+              <a:spcBef>
+                <a:spcPts val="0"/>
+              </a:spcBef>
+              <a:spcAft>
+                <a:spcPts val="0"/>
+              </a:spcAft>
+              <a:buSzPts val="1800"/>
+              <a:buChar char="●"/>
+            </a:pPr>
+            <a:r>
+              <a:rPr lang="en"/>
+              <a:t>Importance of Subdivision of Tasks </a:t>
+            </a:r>
+            <a:endParaRPr/>
+          </a:p>
+          <a:p>
+            <a:pPr indent="0" lvl="0" marL="0" rtl="0" algn="l">
+              <a:spcBef>
+                <a:spcPts val="1200"/>
+              </a:spcBef>
+              <a:spcAft>
+                <a:spcPts val="0"/>
+              </a:spcAft>
+              <a:buNone/>
+            </a:pPr>
+            <a:r>
+              <a:t/>
+            </a:r>
+            <a:endParaRPr/>
+          </a:p>
+          <a:p>
+            <a:pPr indent="-342900" lvl="0" marL="457200" rtl="0" algn="l">
+              <a:spcBef>
+                <a:spcPts val="1200"/>
+              </a:spcBef>
+              <a:spcAft>
+                <a:spcPts val="0"/>
+              </a:spcAft>
+              <a:buSzPts val="1800"/>
+              <a:buChar char="●"/>
+            </a:pPr>
+            <a:r>
+              <a:rPr lang="en"/>
+              <a:t>One Step at a Time</a:t>
+            </a:r>
+            <a:endParaRPr/>
+          </a:p>
+          <a:p>
+            <a:pPr indent="0" lvl="0" marL="0" rtl="0" algn="l">
+              <a:spcBef>
+                <a:spcPts val="1200"/>
+              </a:spcBef>
+              <a:spcAft>
+                <a:spcPts val="0"/>
+              </a:spcAft>
+              <a:buNone/>
+            </a:pPr>
+            <a:r>
+              <a:t/>
+            </a:r>
+            <a:endParaRPr/>
+          </a:p>
+          <a:p>
+            <a:pPr indent="-342900" lvl="0" marL="457200" rtl="0" algn="l">
+              <a:spcBef>
+                <a:spcPts val="1200"/>
+              </a:spcBef>
+              <a:spcAft>
+                <a:spcPts val="0"/>
+              </a:spcAft>
+              <a:buSzPts val="1800"/>
+              <a:buChar char="●"/>
+            </a:pPr>
+            <a:r>
+              <a:rPr lang="en"/>
+              <a:t>Development Needs a Large Breadth</a:t>
+            </a:r>
+            <a:endParaRPr/>
+          </a:p>
+        </p:txBody>
+      </p:sp>
+    </p:spTree>
+  </p:cSld>
+  <p:clrMapOvr>
+    <a:masterClrMapping/>
+  </p:clrMapOvr>
+</p:sld>
+</file>
+
+<file path=ppt/slides/slide13.xml><?xml version="1.0" encoding="utf-8"?>
+<p:sld xmlns:a="http://schemas.openxmlformats.org/drawingml/2006/main" xmlns:r="http://schemas.openxmlformats.org/officeDocument/2006/relationships" xmlns:mc="http://schemas.openxmlformats.org/markup-compatibility/2006" xmlns:mv="urn:schemas-microsoft-com:mac:vml" xmlns:p="http://schemas.openxmlformats.org/presentationml/2006/main" xmlns:c="http://schemas.openxmlformats.org/drawingml/2006/chart" xmlns:dgm="http://schemas.openxmlformats.org/drawingml/2006/diagram" xmlns:o="urn:schemas-microsoft-com:office:office" xmlns:v="urn:schemas-microsoft-com:vml" xmlns:pvml="urn:schemas-microsoft-com:office:powerpoint" xmlns:com="http://schemas.openxmlformats.org/drawingml/2006/compatibility" xmlns:p14="http://schemas.microsoft.com/office/powerpoint/2010/main" xmlns:p15="http://schemas.microsoft.com/office/powerpoint/2012/main" xmlns:ahyp="http://schemas.microsoft.com/office/drawing/2018/hyperlinkcolor">
+  <p:cSld>
+    <p:spTree>
+      <p:nvGrpSpPr>
+        <p:cNvPr id="137" name="Shape 137"/>
+        <p:cNvGrpSpPr/>
+        <p:nvPr/>
+      </p:nvGrpSpPr>
+      <p:grpSpPr>
+        <a:xfrm>
+          <a:off x="0" y="0"/>
+          <a:ext cx="0" cy="0"/>
+          <a:chOff x="0" y="0"/>
+          <a:chExt cx="0" cy="0"/>
+        </a:xfrm>
+      </p:grpSpPr>
+      <p:sp>
+        <p:nvSpPr>
+          <p:cNvPr id="138" name="Google Shape;138;p25"/>
+          <p:cNvSpPr txBox="1"/>
+          <p:nvPr>
+            <p:ph type="title"/>
+          </p:nvPr>
+        </p:nvSpPr>
+        <p:spPr>
+          <a:xfrm>
+            <a:off x="387900" y="458025"/>
+            <a:ext cx="8368200" cy="686100"/>
+          </a:xfrm>
+          <a:prstGeom prst="rect">
+            <a:avLst/>
+          </a:prstGeom>
+        </p:spPr>
+        <p:txBody>
+          <a:bodyPr anchorCtr="0" anchor="b" bIns="91425" lIns="91425" spcFirstLastPara="1" rIns="91425" wrap="square" tIns="91425">
+            <a:normAutofit/>
+          </a:bodyPr>
+          <a:lstStyle/>
+          <a:p>
+            <a:pPr indent="0" lvl="0" marL="0" rtl="0" algn="l">
+              <a:spcBef>
+                <a:spcPts val="0"/>
+              </a:spcBef>
+              <a:spcAft>
+                <a:spcPts val="0"/>
+              </a:spcAft>
+              <a:buNone/>
+            </a:pPr>
+            <a:r>
+              <a:rPr lang="en"/>
+              <a:t>What’s Left?</a:t>
+            </a:r>
+            <a:endParaRPr/>
+          </a:p>
+        </p:txBody>
+      </p:sp>
+      <p:sp>
+        <p:nvSpPr>
+          <p:cNvPr id="139" name="Google Shape;139;p25"/>
+          <p:cNvSpPr txBox="1"/>
+          <p:nvPr>
+            <p:ph idx="1" type="body"/>
+          </p:nvPr>
+        </p:nvSpPr>
+        <p:spPr>
+          <a:xfrm>
+            <a:off x="387900" y="1489824"/>
+            <a:ext cx="8368200" cy="3078900"/>
+          </a:xfrm>
+          <a:prstGeom prst="rect">
+            <a:avLst/>
+          </a:prstGeom>
+        </p:spPr>
+        <p:txBody>
+          <a:bodyPr anchorCtr="0" anchor="t" bIns="91425" lIns="91425" spcFirstLastPara="1" rIns="91425" wrap="square" tIns="91425">
+            <a:normAutofit/>
+          </a:bodyPr>
+          <a:lstStyle/>
+          <a:p>
+            <a:pPr indent="-342900" lvl="0" marL="457200" rtl="0" algn="l">
+              <a:spcBef>
+                <a:spcPts val="0"/>
+              </a:spcBef>
+              <a:spcAft>
+                <a:spcPts val="0"/>
+              </a:spcAft>
+              <a:buSzPts val="1800"/>
+              <a:buChar char="●"/>
+            </a:pPr>
+            <a:r>
+              <a:rPr lang="en"/>
+              <a:t>Refinement of Signal Processing</a:t>
+            </a:r>
+            <a:endParaRPr/>
+          </a:p>
+          <a:p>
+            <a:pPr indent="0" lvl="0" marL="0" rtl="0" algn="l">
+              <a:spcBef>
+                <a:spcPts val="1200"/>
+              </a:spcBef>
+              <a:spcAft>
+                <a:spcPts val="0"/>
+              </a:spcAft>
+              <a:buNone/>
+            </a:pPr>
+            <a:r>
+              <a:t/>
+            </a:r>
+            <a:endParaRPr/>
+          </a:p>
+          <a:p>
+            <a:pPr indent="-342900" lvl="0" marL="457200" rtl="0" algn="l">
+              <a:spcBef>
+                <a:spcPts val="1200"/>
+              </a:spcBef>
+              <a:spcAft>
+                <a:spcPts val="0"/>
+              </a:spcAft>
+              <a:buSzPts val="1800"/>
+              <a:buChar char="●"/>
+            </a:pPr>
+            <a:r>
+              <a:rPr lang="en"/>
+              <a:t>Expansion of Applicable Movements</a:t>
+            </a:r>
+            <a:endParaRPr/>
+          </a:p>
+          <a:p>
+            <a:pPr indent="0" lvl="0" marL="0" rtl="0" algn="l">
+              <a:spcBef>
+                <a:spcPts val="1200"/>
+              </a:spcBef>
+              <a:spcAft>
+                <a:spcPts val="0"/>
+              </a:spcAft>
+              <a:buNone/>
+            </a:pPr>
+            <a:r>
+              <a:t/>
+            </a:r>
+            <a:endParaRPr/>
+          </a:p>
+          <a:p>
+            <a:pPr indent="-342900" lvl="0" marL="457200" rtl="0" algn="l">
+              <a:spcBef>
+                <a:spcPts val="1200"/>
+              </a:spcBef>
+              <a:spcAft>
+                <a:spcPts val="0"/>
+              </a:spcAft>
+              <a:buSzPts val="1800"/>
+              <a:buChar char="●"/>
+            </a:pPr>
+            <a:r>
+              <a:rPr lang="en"/>
+              <a:t>New and Different Real-World Applications</a:t>
+            </a:r>
+            <a:endParaRPr/>
+          </a:p>
+        </p:txBody>
+      </p:sp>
+    </p:spTree>
+  </p:cSld>
+  <p:clrMapOvr>
+    <a:masterClrMapping/>
+  </p:clrMapOvr>
+</p:sld>
+</file>
+
+<file path=ppt/slides/slide14.xml><?xml version="1.0" encoding="utf-8"?>
+<p:sld xmlns:a="http://schemas.openxmlformats.org/drawingml/2006/main" xmlns:r="http://schemas.openxmlformats.org/officeDocument/2006/relationships" xmlns:mc="http://schemas.openxmlformats.org/markup-compatibility/2006" xmlns:mv="urn:schemas-microsoft-com:mac:vml" xmlns:p="http://schemas.openxmlformats.org/presentationml/2006/main" xmlns:c="http://schemas.openxmlformats.org/drawingml/2006/chart" xmlns:dgm="http://schemas.openxmlformats.org/drawingml/2006/diagram" xmlns:o="urn:schemas-microsoft-com:office:office" xmlns:v="urn:schemas-microsoft-com:vml" xmlns:pvml="urn:schemas-microsoft-com:office:powerpoint" xmlns:com="http://schemas.openxmlformats.org/drawingml/2006/compatibility" xmlns:p14="http://schemas.microsoft.com/office/powerpoint/2010/main" xmlns:p15="http://schemas.microsoft.com/office/powerpoint/2012/main" xmlns:ahyp="http://schemas.microsoft.com/office/drawing/2018/hyperlinkcolor">
+  <p:cSld>
+    <p:spTree>
+      <p:nvGrpSpPr>
+        <p:cNvPr id="143" name="Shape 143"/>
+        <p:cNvGrpSpPr/>
+        <p:nvPr/>
+      </p:nvGrpSpPr>
+      <p:grpSpPr>
+        <a:xfrm>
+          <a:off x="0" y="0"/>
+          <a:ext cx="0" cy="0"/>
+          <a:chOff x="0" y="0"/>
+          <a:chExt cx="0" cy="0"/>
+        </a:xfrm>
+      </p:grpSpPr>
+      <p:sp>
+        <p:nvSpPr>
+          <p:cNvPr id="144" name="Google Shape;144;p26"/>
+          <p:cNvSpPr txBox="1"/>
+          <p:nvPr>
+            <p:ph type="title"/>
+          </p:nvPr>
+        </p:nvSpPr>
+        <p:spPr>
+          <a:xfrm>
+            <a:off x="387900" y="2228700"/>
+            <a:ext cx="8368200" cy="686100"/>
+          </a:xfrm>
+          <a:prstGeom prst="rect">
+            <a:avLst/>
+          </a:prstGeom>
+        </p:spPr>
+        <p:txBody>
+          <a:bodyPr anchorCtr="0" anchor="b" bIns="91425" lIns="91425" spcFirstLastPara="1" rIns="91425" wrap="square" tIns="91425">
+            <a:normAutofit fontScale="90000"/>
+          </a:bodyPr>
+          <a:lstStyle/>
+          <a:p>
+            <a:pPr indent="0" lvl="0" marL="0" rtl="0" algn="ctr">
+              <a:spcBef>
+                <a:spcPts val="0"/>
+              </a:spcBef>
+              <a:spcAft>
+                <a:spcPts val="0"/>
+              </a:spcAft>
+              <a:buNone/>
+            </a:pPr>
+            <a:r>
+              <a:rPr lang="en" sz="5066"/>
+              <a:t>DEMO TIME</a:t>
+            </a:r>
+            <a:endParaRPr sz="5066"/>
+          </a:p>
+        </p:txBody>
+      </p:sp>
+    </p:spTree>
+  </p:cSld>
+  <p:clrMapOvr>
+    <a:masterClrMapping/>
+  </p:clrMapOvr>
+</p:sld>
+</file>
+
+<file path=ppt/slides/slide2.xml><?xml version="1.0" encoding="utf-8"?>
+<p:sld xmlns:a="http://schemas.openxmlformats.org/drawingml/2006/main" xmlns:r="http://schemas.openxmlformats.org/officeDocument/2006/relationships" xmlns:mc="http://schemas.openxmlformats.org/markup-compatibility/2006" xmlns:mv="urn:schemas-microsoft-com:mac:vml" xmlns:p="http://schemas.openxmlformats.org/presentationml/2006/main" xmlns:c="http://schemas.openxmlformats.org/drawingml/2006/chart" xmlns:dgm="http://schemas.openxmlformats.org/drawingml/2006/diagram" xmlns:o="urn:schemas-microsoft-com:office:office" xmlns:v="urn:schemas-microsoft-com:vml" xmlns:pvml="urn:schemas-microsoft-com:office:powerpoint" xmlns:com="http://schemas.openxmlformats.org/drawingml/2006/compatibility" xmlns:p14="http://schemas.microsoft.com/office/powerpoint/2010/main" xmlns:p15="http://schemas.microsoft.com/office/powerpoint/2012/main" xmlns:ahyp="http://schemas.microsoft.com/office/drawing/2018/hyperlinkcolor">
+  <p:cSld>
+    <p:spTree>
+      <p:nvGrpSpPr>
+        <p:cNvPr id="68" name="Shape 68"/>
+        <p:cNvGrpSpPr/>
+        <p:nvPr/>
+      </p:nvGrpSpPr>
+      <p:grpSpPr>
+        <a:xfrm>
+          <a:off x="0" y="0"/>
+          <a:ext cx="0" cy="0"/>
+          <a:chOff x="0" y="0"/>
+          <a:chExt cx="0" cy="0"/>
+        </a:xfrm>
+      </p:grpSpPr>
+      <p:sp>
+        <p:nvSpPr>
+          <p:cNvPr id="69" name="Google Shape;69;p14"/>
+          <p:cNvSpPr txBox="1"/>
+          <p:nvPr>
+            <p:ph type="title"/>
+          </p:nvPr>
+        </p:nvSpPr>
+        <p:spPr>
+          <a:xfrm>
+            <a:off x="387900" y="458025"/>
+            <a:ext cx="8368200" cy="686100"/>
+          </a:xfrm>
+          <a:prstGeom prst="rect">
+            <a:avLst/>
+          </a:prstGeom>
+        </p:spPr>
+        <p:txBody>
+          <a:bodyPr anchorCtr="0" anchor="b" bIns="91425" lIns="91425" spcFirstLastPara="1" rIns="91425" wrap="square" tIns="91425">
+            <a:normAutofit/>
+          </a:bodyPr>
+          <a:lstStyle/>
+          <a:p>
+            <a:pPr indent="0" lvl="0" marL="0" rtl="0" algn="l">
+              <a:spcBef>
+                <a:spcPts val="0"/>
+              </a:spcBef>
+              <a:spcAft>
+                <a:spcPts val="0"/>
+              </a:spcAft>
+              <a:buNone/>
+            </a:pPr>
+            <a:r>
+              <a:rPr lang="en"/>
+              <a:t>Our Idea</a:t>
+            </a:r>
+            <a:endParaRPr/>
+          </a:p>
+        </p:txBody>
+      </p:sp>
+      <p:sp>
+        <p:nvSpPr>
+          <p:cNvPr id="70" name="Google Shape;70;p14"/>
+          <p:cNvSpPr txBox="1"/>
+          <p:nvPr>
+            <p:ph idx="1" type="body"/>
+          </p:nvPr>
+        </p:nvSpPr>
+        <p:spPr>
+          <a:xfrm>
+            <a:off x="387900" y="1489824"/>
+            <a:ext cx="8368200" cy="3078900"/>
+          </a:xfrm>
+          <a:prstGeom prst="rect">
+            <a:avLst/>
+          </a:prstGeom>
+        </p:spPr>
+        <p:txBody>
+          <a:bodyPr anchorCtr="0" anchor="t" bIns="91425" lIns="91425" spcFirstLastPara="1" rIns="91425" wrap="square" tIns="91425">
+            <a:normAutofit lnSpcReduction="20000"/>
+          </a:bodyPr>
+          <a:lstStyle/>
+          <a:p>
+            <a:pPr indent="-342900" lvl="0" marL="457200" rtl="0" algn="l">
+              <a:spcBef>
+                <a:spcPts val="0"/>
+              </a:spcBef>
+              <a:spcAft>
+                <a:spcPts val="0"/>
+              </a:spcAft>
+              <a:buSzPts val="1800"/>
+              <a:buChar char="●"/>
+            </a:pPr>
+            <a:r>
+              <a:rPr lang="en"/>
+              <a:t>Enhance Accessibility </a:t>
+            </a:r>
+            <a:endParaRPr/>
+          </a:p>
+          <a:p>
+            <a:pPr indent="0" lvl="0" marL="0" rtl="0" algn="l">
+              <a:spcBef>
+                <a:spcPts val="1200"/>
+              </a:spcBef>
+              <a:spcAft>
+                <a:spcPts val="0"/>
+              </a:spcAft>
+              <a:buNone/>
+            </a:pPr>
+            <a:r>
+              <a:t/>
+            </a:r>
+            <a:endParaRPr/>
+          </a:p>
+          <a:p>
+            <a:pPr indent="0" lvl="0" marL="0" rtl="0" algn="l">
+              <a:spcBef>
+                <a:spcPts val="1200"/>
+              </a:spcBef>
+              <a:spcAft>
+                <a:spcPts val="0"/>
+              </a:spcAft>
+              <a:buNone/>
+            </a:pPr>
+            <a:r>
+              <a:t/>
+            </a:r>
+            <a:endParaRPr/>
+          </a:p>
+          <a:p>
+            <a:pPr indent="0" lvl="0" marL="0" rtl="0" algn="l">
+              <a:spcBef>
+                <a:spcPts val="1200"/>
+              </a:spcBef>
+              <a:spcAft>
+                <a:spcPts val="0"/>
+              </a:spcAft>
+              <a:buNone/>
+            </a:pPr>
+            <a:r>
+              <a:t/>
+            </a:r>
+            <a:endParaRPr/>
+          </a:p>
+          <a:p>
+            <a:pPr indent="-342900" lvl="0" marL="457200" rtl="0" algn="l">
+              <a:spcBef>
+                <a:spcPts val="1200"/>
+              </a:spcBef>
+              <a:spcAft>
+                <a:spcPts val="0"/>
+              </a:spcAft>
+              <a:buSzPts val="1800"/>
+              <a:buChar char="●"/>
+            </a:pPr>
+            <a:r>
+              <a:rPr lang="en"/>
+              <a:t>Efficient Usage and Setup</a:t>
+            </a:r>
+            <a:endParaRPr/>
+          </a:p>
+          <a:p>
+            <a:pPr indent="0" lvl="0" marL="0" rtl="0" algn="l">
+              <a:spcBef>
+                <a:spcPts val="1200"/>
+              </a:spcBef>
+              <a:spcAft>
+                <a:spcPts val="0"/>
+              </a:spcAft>
+              <a:buNone/>
+            </a:pPr>
+            <a:r>
+              <a:t/>
+            </a:r>
+            <a:endParaRPr/>
+          </a:p>
+          <a:p>
+            <a:pPr indent="0" lvl="0" marL="457200" rtl="0" algn="l">
+              <a:spcBef>
+                <a:spcPts val="1200"/>
+              </a:spcBef>
+              <a:spcAft>
+                <a:spcPts val="1200"/>
+              </a:spcAft>
+              <a:buNone/>
+            </a:pPr>
+            <a:r>
+              <a:t/>
+            </a:r>
+            <a:endParaRPr/>
+          </a:p>
+        </p:txBody>
+      </p:sp>
+    </p:spTree>
+  </p:cSld>
+  <p:clrMapOvr>
+    <a:masterClrMapping/>
+  </p:clrMapOvr>
+</p:sld>
+</file>
+
+<file path=ppt/slides/slide3.xml><?xml version="1.0" encoding="utf-8"?>
+<p:sld xmlns:a="http://schemas.openxmlformats.org/drawingml/2006/main" xmlns:r="http://schemas.openxmlformats.org/officeDocument/2006/relationships" xmlns:mc="http://schemas.openxmlformats.org/markup-compatibility/2006" xmlns:mv="urn:schemas-microsoft-com:mac:vml" xmlns:p="http://schemas.openxmlformats.org/presentationml/2006/main" xmlns:c="http://schemas.openxmlformats.org/drawingml/2006/chart" xmlns:dgm="http://schemas.openxmlformats.org/drawingml/2006/diagram" xmlns:o="urn:schemas-microsoft-com:office:office" xmlns:v="urn:schemas-microsoft-com:vml" xmlns:pvml="urn:schemas-microsoft-com:office:powerpoint" xmlns:com="http://schemas.openxmlformats.org/drawingml/2006/compatibility" xmlns:p14="http://schemas.microsoft.com/office/powerpoint/2010/main" xmlns:p15="http://schemas.microsoft.com/office/powerpoint/2012/main" xmlns:ahyp="http://schemas.microsoft.com/office/drawing/2018/hyperlinkcolor">
+  <p:cSld>
+    <p:spTree>
+      <p:nvGrpSpPr>
+        <p:cNvPr id="74" name="Shape 74"/>
+        <p:cNvGrpSpPr/>
+        <p:nvPr/>
+      </p:nvGrpSpPr>
+      <p:grpSpPr>
+        <a:xfrm>
+          <a:off x="0" y="0"/>
+          <a:ext cx="0" cy="0"/>
+          <a:chOff x="0" y="0"/>
+          <a:chExt cx="0" cy="0"/>
+        </a:xfrm>
+      </p:grpSpPr>
+      <p:sp>
+        <p:nvSpPr>
+          <p:cNvPr id="75" name="Google Shape;75;p15"/>
+          <p:cNvSpPr txBox="1"/>
+          <p:nvPr>
+            <p:ph type="title"/>
+          </p:nvPr>
+        </p:nvSpPr>
+        <p:spPr>
+          <a:xfrm>
+            <a:off x="387900" y="458025"/>
+            <a:ext cx="8368200" cy="686100"/>
+          </a:xfrm>
+          <a:prstGeom prst="rect">
+            <a:avLst/>
+          </a:prstGeom>
+        </p:spPr>
+        <p:txBody>
+          <a:bodyPr anchorCtr="0" anchor="b" bIns="91425" lIns="91425" spcFirstLastPara="1" rIns="91425" wrap="square" tIns="91425">
+            <a:normAutofit/>
+          </a:bodyPr>
+          <a:lstStyle/>
+          <a:p>
+            <a:pPr indent="0" lvl="0" marL="0" rtl="0" algn="l">
+              <a:spcBef>
+                <a:spcPts val="0"/>
+              </a:spcBef>
+              <a:spcAft>
+                <a:spcPts val="0"/>
+              </a:spcAft>
+              <a:buNone/>
+            </a:pPr>
+            <a:r>
+              <a:rPr lang="en"/>
+              <a:t>Why Bother?</a:t>
+            </a:r>
+            <a:endParaRPr/>
+          </a:p>
+        </p:txBody>
+      </p:sp>
+      <p:sp>
+        <p:nvSpPr>
+          <p:cNvPr id="76" name="Google Shape;76;p15"/>
+          <p:cNvSpPr txBox="1"/>
+          <p:nvPr>
+            <p:ph idx="1" type="body"/>
+          </p:nvPr>
+        </p:nvSpPr>
+        <p:spPr>
+          <a:xfrm>
+            <a:off x="387900" y="1489824"/>
+            <a:ext cx="8368200" cy="3078900"/>
+          </a:xfrm>
+          <a:prstGeom prst="rect">
+            <a:avLst/>
+          </a:prstGeom>
+        </p:spPr>
+        <p:txBody>
+          <a:bodyPr anchorCtr="0" anchor="t" bIns="91425" lIns="91425" spcFirstLastPara="1" rIns="91425" wrap="square" tIns="91425">
+            <a:normAutofit/>
+          </a:bodyPr>
+          <a:lstStyle/>
+          <a:p>
+            <a:pPr indent="-342900" lvl="0" marL="457200" rtl="0" algn="l">
+              <a:spcBef>
+                <a:spcPts val="0"/>
+              </a:spcBef>
+              <a:spcAft>
+                <a:spcPts val="0"/>
+              </a:spcAft>
+              <a:buSzPts val="1800"/>
+              <a:buChar char="●"/>
+            </a:pPr>
+            <a:r>
+              <a:rPr lang="en"/>
+              <a:t>Motor-Limiting Diseases/Injuries</a:t>
+            </a:r>
+            <a:endParaRPr/>
+          </a:p>
+          <a:p>
+            <a:pPr indent="0" lvl="0" marL="457200" rtl="0" algn="l">
+              <a:spcBef>
+                <a:spcPts val="1200"/>
+              </a:spcBef>
+              <a:spcAft>
+                <a:spcPts val="0"/>
+              </a:spcAft>
+              <a:buNone/>
+            </a:pPr>
+            <a:r>
+              <a:t/>
+            </a:r>
+            <a:endParaRPr/>
+          </a:p>
+          <a:p>
+            <a:pPr indent="-342900" lvl="0" marL="457200" rtl="0" algn="l">
+              <a:spcBef>
+                <a:spcPts val="1200"/>
+              </a:spcBef>
+              <a:spcAft>
+                <a:spcPts val="0"/>
+              </a:spcAft>
+              <a:buSzPts val="1800"/>
+              <a:buChar char="●"/>
+            </a:pPr>
+            <a:r>
+              <a:rPr lang="en"/>
+              <a:t>Communication Improvement</a:t>
+            </a:r>
+            <a:endParaRPr/>
+          </a:p>
+          <a:p>
+            <a:pPr indent="0" lvl="0" marL="457200" rtl="0" algn="l">
+              <a:spcBef>
+                <a:spcPts val="1200"/>
+              </a:spcBef>
+              <a:spcAft>
+                <a:spcPts val="0"/>
+              </a:spcAft>
+              <a:buNone/>
+            </a:pPr>
+            <a:r>
+              <a:t/>
+            </a:r>
+            <a:endParaRPr/>
+          </a:p>
+          <a:p>
+            <a:pPr indent="-342900" lvl="0" marL="457200" rtl="0" algn="l">
+              <a:spcBef>
+                <a:spcPts val="1200"/>
+              </a:spcBef>
+              <a:spcAft>
+                <a:spcPts val="0"/>
+              </a:spcAft>
+              <a:buSzPts val="1800"/>
+              <a:buChar char="●"/>
+            </a:pPr>
+            <a:r>
+              <a:rPr lang="en"/>
+              <a:t>Muscle Activation is Nearly Universal</a:t>
+            </a:r>
+            <a:endParaRPr/>
+          </a:p>
+        </p:txBody>
+      </p:sp>
+    </p:spTree>
+  </p:cSld>
+  <p:clrMapOvr>
+    <a:masterClrMapping/>
+  </p:clrMapOvr>
+</p:sld>
+</file>
+
+<file path=ppt/slides/slide4.xml><?xml version="1.0" encoding="utf-8"?>
+<p:sld xmlns:a="http://schemas.openxmlformats.org/drawingml/2006/main" xmlns:r="http://schemas.openxmlformats.org/officeDocument/2006/relationships" xmlns:mc="http://schemas.openxmlformats.org/markup-compatibility/2006" xmlns:mv="urn:schemas-microsoft-com:mac:vml" xmlns:p="http://schemas.openxmlformats.org/presentationml/2006/main" xmlns:c="http://schemas.openxmlformats.org/drawingml/2006/chart" xmlns:dgm="http://schemas.openxmlformats.org/drawingml/2006/diagram" xmlns:o="urn:schemas-microsoft-com:office:office" xmlns:v="urn:schemas-microsoft-com:vml" xmlns:pvml="urn:schemas-microsoft-com:office:powerpoint" xmlns:com="http://schemas.openxmlformats.org/drawingml/2006/compatibility" xmlns:p14="http://schemas.microsoft.com/office/powerpoint/2010/main" xmlns:p15="http://schemas.microsoft.com/office/powerpoint/2012/main" xmlns:ahyp="http://schemas.microsoft.com/office/drawing/2018/hyperlinkcolor">
+  <p:cSld>
+    <p:spTree>
+      <p:nvGrpSpPr>
+        <p:cNvPr id="80" name="Shape 80"/>
+        <p:cNvGrpSpPr/>
+        <p:nvPr/>
+      </p:nvGrpSpPr>
+      <p:grpSpPr>
+        <a:xfrm>
+          <a:off x="0" y="0"/>
+          <a:ext cx="0" cy="0"/>
+          <a:chOff x="0" y="0"/>
+          <a:chExt cx="0" cy="0"/>
+        </a:xfrm>
+      </p:grpSpPr>
+      <p:sp>
+        <p:nvSpPr>
+          <p:cNvPr id="81" name="Google Shape;81;p16"/>
+          <p:cNvSpPr txBox="1"/>
+          <p:nvPr>
+            <p:ph type="title"/>
+          </p:nvPr>
+        </p:nvSpPr>
+        <p:spPr>
+          <a:xfrm>
+            <a:off x="387900" y="458025"/>
+            <a:ext cx="8368200" cy="686100"/>
+          </a:xfrm>
+          <a:prstGeom prst="rect">
+            <a:avLst/>
+          </a:prstGeom>
+        </p:spPr>
+        <p:txBody>
+          <a:bodyPr anchorCtr="0" anchor="b" bIns="91425" lIns="91425" spcFirstLastPara="1" rIns="91425" wrap="square" tIns="91425">
+            <a:normAutofit/>
+          </a:bodyPr>
+          <a:lstStyle/>
+          <a:p>
+            <a:pPr indent="0" lvl="0" marL="0" rtl="0" algn="l">
+              <a:spcBef>
+                <a:spcPts val="0"/>
+              </a:spcBef>
+              <a:spcAft>
+                <a:spcPts val="0"/>
+              </a:spcAft>
+              <a:buNone/>
+            </a:pPr>
+            <a:r>
+              <a:rPr lang="en"/>
+              <a:t>Unraveling the Brain</a:t>
+            </a:r>
+            <a:endParaRPr/>
+          </a:p>
+        </p:txBody>
+      </p:sp>
+      <p:sp>
+        <p:nvSpPr>
+          <p:cNvPr id="82" name="Google Shape;82;p16"/>
+          <p:cNvSpPr txBox="1"/>
+          <p:nvPr>
+            <p:ph idx="1" type="body"/>
+          </p:nvPr>
+        </p:nvSpPr>
+        <p:spPr>
+          <a:xfrm>
+            <a:off x="387900" y="1489824"/>
+            <a:ext cx="8368200" cy="3078900"/>
+          </a:xfrm>
+          <a:prstGeom prst="rect">
+            <a:avLst/>
+          </a:prstGeom>
+        </p:spPr>
+        <p:txBody>
+          <a:bodyPr anchorCtr="0" anchor="t" bIns="91425" lIns="91425" spcFirstLastPara="1" rIns="91425" wrap="square" tIns="91425">
+            <a:normAutofit/>
+          </a:bodyPr>
+          <a:lstStyle/>
+          <a:p>
+            <a:pPr indent="0" lvl="0" marL="457200" rtl="0" algn="l">
+              <a:spcBef>
+                <a:spcPts val="0"/>
+              </a:spcBef>
+              <a:spcAft>
+                <a:spcPts val="0"/>
+              </a:spcAft>
+              <a:buNone/>
+            </a:pPr>
+            <a:r>
+              <a:t/>
+            </a:r>
+            <a:endParaRPr/>
+          </a:p>
+          <a:p>
+            <a:pPr indent="-342900" lvl="0" marL="457200" rtl="0" algn="l">
+              <a:spcBef>
+                <a:spcPts val="1200"/>
+              </a:spcBef>
+              <a:spcAft>
+                <a:spcPts val="0"/>
+              </a:spcAft>
+              <a:buSzPts val="1800"/>
+              <a:buChar char="●"/>
+            </a:pPr>
+            <a:r>
+              <a:rPr lang="en"/>
+              <a:t>Electroencephalography (EEG) </a:t>
+            </a:r>
+            <a:endParaRPr/>
+          </a:p>
+          <a:p>
+            <a:pPr indent="0" lvl="0" marL="457200" rtl="0" algn="l">
+              <a:spcBef>
+                <a:spcPts val="1200"/>
+              </a:spcBef>
+              <a:spcAft>
+                <a:spcPts val="0"/>
+              </a:spcAft>
+              <a:buNone/>
+            </a:pPr>
+            <a:r>
+              <a:t/>
+            </a:r>
+            <a:endParaRPr/>
+          </a:p>
+          <a:p>
+            <a:pPr indent="-342900" lvl="0" marL="457200" rtl="0" algn="l">
+              <a:spcBef>
+                <a:spcPts val="1200"/>
+              </a:spcBef>
+              <a:spcAft>
+                <a:spcPts val="0"/>
+              </a:spcAft>
+              <a:buSzPts val="1800"/>
+              <a:buChar char="●"/>
+            </a:pPr>
+            <a:r>
+              <a:rPr lang="en"/>
+              <a:t>Data and Signal Processing</a:t>
+            </a:r>
+            <a:endParaRPr/>
+          </a:p>
+        </p:txBody>
+      </p:sp>
+    </p:spTree>
+  </p:cSld>
+  <p:clrMapOvr>
+    <a:masterClrMapping/>
+  </p:clrMapOvr>
+</p:sld>
+</file>
+
+<file path=ppt/slides/slide5.xml><?xml version="1.0" encoding="utf-8"?>
+<p:sld xmlns:a="http://schemas.openxmlformats.org/drawingml/2006/main" xmlns:r="http://schemas.openxmlformats.org/officeDocument/2006/relationships" xmlns:mc="http://schemas.openxmlformats.org/markup-compatibility/2006" xmlns:mv="urn:schemas-microsoft-com:mac:vml" xmlns:p="http://schemas.openxmlformats.org/presentationml/2006/main" xmlns:c="http://schemas.openxmlformats.org/drawingml/2006/chart" xmlns:dgm="http://schemas.openxmlformats.org/drawingml/2006/diagram" xmlns:o="urn:schemas-microsoft-com:office:office" xmlns:v="urn:schemas-microsoft-com:vml" xmlns:pvml="urn:schemas-microsoft-com:office:powerpoint" xmlns:com="http://schemas.openxmlformats.org/drawingml/2006/compatibility" xmlns:p14="http://schemas.microsoft.com/office/powerpoint/2010/main" xmlns:p15="http://schemas.microsoft.com/office/powerpoint/2012/main" xmlns:ahyp="http://schemas.microsoft.com/office/drawing/2018/hyperlinkcolor">
+  <p:cSld>
+    <p:spTree>
+      <p:nvGrpSpPr>
+        <p:cNvPr id="86" name="Shape 86"/>
+        <p:cNvGrpSpPr/>
+        <p:nvPr/>
+      </p:nvGrpSpPr>
+      <p:grpSpPr>
+        <a:xfrm>
+          <a:off x="0" y="0"/>
+          <a:ext cx="0" cy="0"/>
+          <a:chOff x="0" y="0"/>
+          <a:chExt cx="0" cy="0"/>
+        </a:xfrm>
+      </p:grpSpPr>
+      <p:sp>
+        <p:nvSpPr>
+          <p:cNvPr id="87" name="Google Shape;87;p17"/>
+          <p:cNvSpPr txBox="1"/>
+          <p:nvPr>
+            <p:ph type="title"/>
+          </p:nvPr>
+        </p:nvSpPr>
+        <p:spPr>
+          <a:xfrm>
+            <a:off x="387900" y="458025"/>
+            <a:ext cx="8368200" cy="686100"/>
+          </a:xfrm>
+          <a:prstGeom prst="rect">
+            <a:avLst/>
+          </a:prstGeom>
+        </p:spPr>
+        <p:txBody>
+          <a:bodyPr anchorCtr="0" anchor="b" bIns="91425" lIns="91425" spcFirstLastPara="1" rIns="91425" wrap="square" tIns="91425">
+            <a:normAutofit/>
+          </a:bodyPr>
+          <a:lstStyle/>
+          <a:p>
+            <a:pPr indent="0" lvl="0" marL="0" rtl="0" algn="l">
+              <a:spcBef>
+                <a:spcPts val="0"/>
+              </a:spcBef>
+              <a:spcAft>
+                <a:spcPts val="0"/>
+              </a:spcAft>
+              <a:buNone/>
+            </a:pPr>
+            <a:r>
+              <a:rPr lang="en"/>
+              <a:t>Mental Control - Not Just Sci-Fi</a:t>
+            </a:r>
+            <a:endParaRPr/>
+          </a:p>
+        </p:txBody>
+      </p:sp>
+      <p:sp>
+        <p:nvSpPr>
+          <p:cNvPr id="88" name="Google Shape;88;p17"/>
+          <p:cNvSpPr txBox="1"/>
+          <p:nvPr>
+            <p:ph idx="1" type="body"/>
+          </p:nvPr>
+        </p:nvSpPr>
+        <p:spPr>
+          <a:xfrm>
+            <a:off x="387900" y="1489824"/>
+            <a:ext cx="8368200" cy="3078900"/>
+          </a:xfrm>
+          <a:prstGeom prst="rect">
+            <a:avLst/>
+          </a:prstGeom>
+        </p:spPr>
+        <p:txBody>
+          <a:bodyPr anchorCtr="0" anchor="t" bIns="91425" lIns="91425" spcFirstLastPara="1" rIns="91425" wrap="square" tIns="91425">
+            <a:normAutofit/>
+          </a:bodyPr>
+          <a:lstStyle/>
+          <a:p>
+            <a:pPr indent="-342900" lvl="0" marL="457200" rtl="0" algn="l">
+              <a:spcBef>
+                <a:spcPts val="0"/>
+              </a:spcBef>
+              <a:spcAft>
+                <a:spcPts val="0"/>
+              </a:spcAft>
+              <a:buSzPts val="1800"/>
+              <a:buChar char="●"/>
+            </a:pPr>
+            <a:r>
+              <a:rPr lang="en"/>
+              <a:t>Not a Universal System Immediately</a:t>
+            </a:r>
+            <a:endParaRPr/>
+          </a:p>
+          <a:p>
+            <a:pPr indent="0" lvl="0" marL="457200" rtl="0" algn="l">
+              <a:spcBef>
+                <a:spcPts val="1200"/>
+              </a:spcBef>
+              <a:spcAft>
+                <a:spcPts val="0"/>
+              </a:spcAft>
+              <a:buNone/>
+            </a:pPr>
+            <a:r>
+              <a:t/>
+            </a:r>
+            <a:endParaRPr/>
+          </a:p>
+          <a:p>
+            <a:pPr indent="-342900" lvl="0" marL="457200" rtl="0" algn="l">
+              <a:spcBef>
+                <a:spcPts val="1200"/>
+              </a:spcBef>
+              <a:spcAft>
+                <a:spcPts val="0"/>
+              </a:spcAft>
+              <a:buSzPts val="1800"/>
+              <a:buChar char="●"/>
+            </a:pPr>
+            <a:r>
+              <a:rPr lang="en"/>
+              <a:t>Training Modules</a:t>
+            </a:r>
+            <a:endParaRPr/>
+          </a:p>
+          <a:p>
+            <a:pPr indent="0" lvl="0" marL="457200" rtl="0" algn="l">
+              <a:spcBef>
+                <a:spcPts val="1200"/>
+              </a:spcBef>
+              <a:spcAft>
+                <a:spcPts val="0"/>
+              </a:spcAft>
+              <a:buNone/>
+            </a:pPr>
+            <a:r>
+              <a:t/>
+            </a:r>
+            <a:endParaRPr/>
+          </a:p>
+          <a:p>
+            <a:pPr indent="-342900" lvl="0" marL="457200" rtl="0" algn="l">
+              <a:spcBef>
+                <a:spcPts val="1200"/>
+              </a:spcBef>
+              <a:spcAft>
+                <a:spcPts val="0"/>
+              </a:spcAft>
+              <a:buSzPts val="1800"/>
+              <a:buChar char="●"/>
+            </a:pPr>
+            <a:r>
+              <a:rPr lang="en"/>
+              <a:t>Continuous Comparison</a:t>
+            </a:r>
+            <a:endParaRPr/>
+          </a:p>
+        </p:txBody>
+      </p:sp>
+    </p:spTree>
+  </p:cSld>
+  <p:clrMapOvr>
+    <a:masterClrMapping/>
+  </p:clrMapOvr>
+</p:sld>
+</file>
+
+<file path=ppt/slides/slide6.xml><?xml version="1.0" encoding="utf-8"?>
+<p:sld xmlns:a="http://schemas.openxmlformats.org/drawingml/2006/main" xmlns:r="http://schemas.openxmlformats.org/officeDocument/2006/relationships" xmlns:mc="http://schemas.openxmlformats.org/markup-compatibility/2006" xmlns:mv="urn:schemas-microsoft-com:mac:vml" xmlns:p="http://schemas.openxmlformats.org/presentationml/2006/main" xmlns:c="http://schemas.openxmlformats.org/drawingml/2006/chart" xmlns:dgm="http://schemas.openxmlformats.org/drawingml/2006/diagram" xmlns:o="urn:schemas-microsoft-com:office:office" xmlns:v="urn:schemas-microsoft-com:vml" xmlns:pvml="urn:schemas-microsoft-com:office:powerpoint" xmlns:com="http://schemas.openxmlformats.org/drawingml/2006/compatibility" xmlns:p14="http://schemas.microsoft.com/office/powerpoint/2010/main" xmlns:p15="http://schemas.microsoft.com/office/powerpoint/2012/main" xmlns:ahyp="http://schemas.microsoft.com/office/drawing/2018/hyperlinkcolor">
+  <p:cSld>
+    <p:spTree>
+      <p:nvGrpSpPr>
+        <p:cNvPr id="92" name="Shape 92"/>
+        <p:cNvGrpSpPr/>
+        <p:nvPr/>
+      </p:nvGrpSpPr>
+      <p:grpSpPr>
+        <a:xfrm>
+          <a:off x="0" y="0"/>
+          <a:ext cx="0" cy="0"/>
+          <a:chOff x="0" y="0"/>
+          <a:chExt cx="0" cy="0"/>
+        </a:xfrm>
+      </p:grpSpPr>
+      <p:sp>
+        <p:nvSpPr>
+          <p:cNvPr id="93" name="Google Shape;93;p18"/>
+          <p:cNvSpPr txBox="1"/>
+          <p:nvPr>
+            <p:ph type="title"/>
+          </p:nvPr>
+        </p:nvSpPr>
+        <p:spPr>
+          <a:xfrm>
+            <a:off x="387900" y="458025"/>
+            <a:ext cx="8368200" cy="686100"/>
+          </a:xfrm>
+          <a:prstGeom prst="rect">
+            <a:avLst/>
+          </a:prstGeom>
+        </p:spPr>
+        <p:txBody>
+          <a:bodyPr anchorCtr="0" anchor="b" bIns="91425" lIns="91425" spcFirstLastPara="1" rIns="91425" wrap="square" tIns="91425">
+            <a:normAutofit/>
+          </a:bodyPr>
+          <a:lstStyle/>
+          <a:p>
+            <a:pPr indent="0" lvl="0" marL="0" rtl="0" algn="l">
+              <a:spcBef>
+                <a:spcPts val="0"/>
+              </a:spcBef>
+              <a:spcAft>
+                <a:spcPts val="0"/>
+              </a:spcAft>
+              <a:buNone/>
+            </a:pPr>
+            <a:r>
+              <a:rPr lang="en"/>
+              <a:t>Our Plan</a:t>
+            </a:r>
+            <a:endParaRPr/>
+          </a:p>
+        </p:txBody>
+      </p:sp>
+      <p:sp>
+        <p:nvSpPr>
+          <p:cNvPr id="94" name="Google Shape;94;p18"/>
+          <p:cNvSpPr txBox="1"/>
+          <p:nvPr>
+            <p:ph idx="1" type="body"/>
+          </p:nvPr>
+        </p:nvSpPr>
+        <p:spPr>
+          <a:xfrm>
+            <a:off x="387900" y="1489824"/>
+            <a:ext cx="8368200" cy="3078900"/>
+          </a:xfrm>
+          <a:prstGeom prst="rect">
+            <a:avLst/>
+          </a:prstGeom>
+        </p:spPr>
+        <p:txBody>
+          <a:bodyPr anchorCtr="0" anchor="t" bIns="91425" lIns="91425" spcFirstLastPara="1" rIns="91425" wrap="square" tIns="91425">
+            <a:normAutofit/>
+          </a:bodyPr>
+          <a:lstStyle/>
+          <a:p>
+            <a:pPr indent="-342900" lvl="0" marL="457200" rtl="0" algn="l">
+              <a:spcBef>
+                <a:spcPts val="0"/>
+              </a:spcBef>
+              <a:spcAft>
+                <a:spcPts val="0"/>
+              </a:spcAft>
+              <a:buSzPts val="1800"/>
+              <a:buChar char="●"/>
+            </a:pPr>
+            <a:r>
+              <a:rPr lang="en"/>
+              <a:t>Configure Headset</a:t>
+            </a:r>
+            <a:endParaRPr/>
+          </a:p>
+          <a:p>
+            <a:pPr indent="0" lvl="0" marL="457200" rtl="0" algn="l">
+              <a:spcBef>
+                <a:spcPts val="1200"/>
+              </a:spcBef>
+              <a:spcAft>
+                <a:spcPts val="0"/>
+              </a:spcAft>
+              <a:buNone/>
+            </a:pPr>
+            <a:r>
+              <a:t/>
+            </a:r>
+            <a:endParaRPr/>
+          </a:p>
+          <a:p>
+            <a:pPr indent="-342900" lvl="0" marL="457200" rtl="0" algn="l">
+              <a:spcBef>
+                <a:spcPts val="1200"/>
+              </a:spcBef>
+              <a:spcAft>
+                <a:spcPts val="0"/>
+              </a:spcAft>
+              <a:buSzPts val="1800"/>
+              <a:buChar char="●"/>
+            </a:pPr>
+            <a:r>
+              <a:rPr lang="en"/>
+              <a:t>Develop Efficient Method for Training</a:t>
+            </a:r>
+            <a:endParaRPr/>
+          </a:p>
+          <a:p>
+            <a:pPr indent="0" lvl="0" marL="457200" rtl="0" algn="l">
+              <a:spcBef>
+                <a:spcPts val="1200"/>
+              </a:spcBef>
+              <a:spcAft>
+                <a:spcPts val="0"/>
+              </a:spcAft>
+              <a:buNone/>
+            </a:pPr>
+            <a:r>
+              <a:t/>
+            </a:r>
+            <a:endParaRPr/>
+          </a:p>
+          <a:p>
+            <a:pPr indent="-342900" lvl="0" marL="457200" rtl="0" algn="l">
+              <a:spcBef>
+                <a:spcPts val="1200"/>
+              </a:spcBef>
+              <a:spcAft>
+                <a:spcPts val="0"/>
+              </a:spcAft>
+              <a:buSzPts val="1800"/>
+              <a:buChar char="●"/>
+            </a:pPr>
+            <a:r>
+              <a:rPr lang="en"/>
+              <a:t>Transmit Matched Commands to Pac-Man </a:t>
+            </a:r>
+            <a:endParaRPr/>
+          </a:p>
+        </p:txBody>
+      </p:sp>
+    </p:spTree>
+  </p:cSld>
+  <p:clrMapOvr>
+    <a:masterClrMapping/>
+  </p:clrMapOvr>
+</p:sld>
+</file>
+
+<file path=ppt/slides/slide7.xml><?xml version="1.0" encoding="utf-8"?>
+<p:sld xmlns:a="http://schemas.openxmlformats.org/drawingml/2006/main" xmlns:r="http://schemas.openxmlformats.org/officeDocument/2006/relationships" xmlns:mc="http://schemas.openxmlformats.org/markup-compatibility/2006" xmlns:mv="urn:schemas-microsoft-com:mac:vml" xmlns:p="http://schemas.openxmlformats.org/presentationml/2006/main" xmlns:c="http://schemas.openxmlformats.org/drawingml/2006/chart" xmlns:dgm="http://schemas.openxmlformats.org/drawingml/2006/diagram" xmlns:o="urn:schemas-microsoft-com:office:office" xmlns:v="urn:schemas-microsoft-com:vml" xmlns:pvml="urn:schemas-microsoft-com:office:powerpoint" xmlns:com="http://schemas.openxmlformats.org/drawingml/2006/compatibility" xmlns:p14="http://schemas.microsoft.com/office/powerpoint/2010/main" xmlns:p15="http://schemas.microsoft.com/office/powerpoint/2012/main" xmlns:ahyp="http://schemas.microsoft.com/office/drawing/2018/hyperlinkcolor">
+  <p:cSld>
+    <p:spTree>
+      <p:nvGrpSpPr>
+        <p:cNvPr id="98" name="Shape 98"/>
+        <p:cNvGrpSpPr/>
+        <p:nvPr/>
+      </p:nvGrpSpPr>
+      <p:grpSpPr>
+        <a:xfrm>
+          <a:off x="0" y="0"/>
+          <a:ext cx="0" cy="0"/>
+          <a:chOff x="0" y="0"/>
+          <a:chExt cx="0" cy="0"/>
+        </a:xfrm>
+      </p:grpSpPr>
+      <p:sp>
+        <p:nvSpPr>
+          <p:cNvPr id="99" name="Google Shape;99;p19"/>
+          <p:cNvSpPr txBox="1"/>
           <p:nvPr>
             <p:ph type="title"/>
           </p:nvPr>
@@ -7791,12 +9331,12 @@
           </a:prstGeom>
         </p:spPr>
         <p:txBody>
-          <a:bodyPr spcFirstLastPara="1" wrap="square" lIns="91425" tIns="91425" rIns="91425" bIns="91425" anchor="b" anchorCtr="0">
+          <a:bodyPr anchorCtr="0" anchor="b" bIns="91425" lIns="91425" spcFirstLastPara="1" rIns="91425" wrap="square" tIns="91425">
             <a:normAutofit/>
           </a:bodyPr>
           <a:lstStyle/>
           <a:p>
-            <a:pPr marL="0" lvl="0" indent="0" algn="l" rtl="0">
+            <a:pPr indent="0" lvl="0" marL="0" rtl="0" algn="l">
               <a:spcBef>
                 <a:spcPts val="0"/>
               </a:spcBef>
@@ -7815,12 +9355,10 @@
       </p:sp>
       <p:sp>
         <p:nvSpPr>
-          <p:cNvPr id="118" name="Google Shape;118;p22"/>
-          <p:cNvSpPr txBox="1">
-            <a:spLocks noGrp="1"/>
-          </p:cNvSpPr>
+          <p:cNvPr id="100" name="Google Shape;100;p19"/>
+          <p:cNvSpPr txBox="1"/>
           <p:nvPr>
-            <p:ph type="body" idx="1"/>
+            <p:ph idx="1" type="body"/>
           </p:nvPr>
         </p:nvSpPr>
         <p:spPr>
@@ -7833,12 +9371,12 @@
           </a:prstGeom>
         </p:spPr>
         <p:txBody>
-          <a:bodyPr spcFirstLastPara="1" wrap="square" lIns="91425" tIns="91425" rIns="91425" bIns="91425" anchor="t" anchorCtr="0">
+          <a:bodyPr anchorCtr="0" anchor="t" bIns="91425" lIns="91425" spcFirstLastPara="1" rIns="91425" wrap="square" tIns="91425">
             <a:normAutofit/>
           </a:bodyPr>
           <a:lstStyle/>
           <a:p>
-            <a:pPr marL="0" lvl="0" indent="0" algn="l" rtl="0">
+            <a:pPr indent="0" lvl="0" marL="0" rtl="0" algn="l">
               <a:spcBef>
                 <a:spcPts val="0"/>
               </a:spcBef>
@@ -7857,7 +9395,7 @@
       </p:sp>
       <p:pic>
         <p:nvPicPr>
-          <p:cNvPr id="119" name="Google Shape;119;p22"/>
+          <p:cNvPr id="101" name="Google Shape;101;p19"/>
           <p:cNvPicPr preferRelativeResize="0"/>
           <p:nvPr/>
         </p:nvPicPr>
@@ -7883,6 +9421,175 @@
           </a:ln>
         </p:spPr>
       </p:pic>
+      <p:sp>
+        <p:nvSpPr>
+          <p:cNvPr id="102" name="Google Shape;102;p19"/>
+          <p:cNvSpPr txBox="1"/>
+          <p:nvPr/>
+        </p:nvSpPr>
+        <p:spPr>
+          <a:xfrm>
+            <a:off x="4758200" y="993025"/>
+            <a:ext cx="3868500" cy="1569900"/>
+          </a:xfrm>
+          <a:prstGeom prst="rect">
+            <a:avLst/>
+          </a:prstGeom>
+          <a:noFill/>
+          <a:ln>
+            <a:noFill/>
+          </a:ln>
+        </p:spPr>
+        <p:txBody>
+          <a:bodyPr anchorCtr="0" anchor="t" bIns="91425" lIns="91425" spcFirstLastPara="1" rIns="91425" wrap="square" tIns="91425">
+            <a:spAutoFit/>
+          </a:bodyPr>
+          <a:lstStyle/>
+          <a:p>
+            <a:pPr indent="-342900" lvl="0" marL="457200" rtl="0" algn="l">
+              <a:spcBef>
+                <a:spcPts val="0"/>
+              </a:spcBef>
+              <a:spcAft>
+                <a:spcPts val="0"/>
+              </a:spcAft>
+              <a:buClr>
+                <a:schemeClr val="dk1"/>
+              </a:buClr>
+              <a:buSzPts val="1800"/>
+              <a:buFont typeface="Roboto"/>
+              <a:buChar char="●"/>
+            </a:pPr>
+            <a:r>
+              <a:rPr lang="en" sz="1800">
+                <a:solidFill>
+                  <a:schemeClr val="dk1"/>
+                </a:solidFill>
+                <a:latin typeface="Roboto"/>
+                <a:ea typeface="Roboto"/>
+                <a:cs typeface="Roboto"/>
+                <a:sym typeface="Roboto"/>
+              </a:rPr>
+              <a:t>Bigger, More Complex Systems</a:t>
+            </a:r>
+            <a:endParaRPr sz="1800">
+              <a:solidFill>
+                <a:schemeClr val="dk1"/>
+              </a:solidFill>
+              <a:latin typeface="Roboto"/>
+              <a:ea typeface="Roboto"/>
+              <a:cs typeface="Roboto"/>
+              <a:sym typeface="Roboto"/>
+            </a:endParaRPr>
+          </a:p>
+          <a:p>
+            <a:pPr indent="0" lvl="0" marL="457200" rtl="0" algn="l">
+              <a:spcBef>
+                <a:spcPts val="0"/>
+              </a:spcBef>
+              <a:spcAft>
+                <a:spcPts val="0"/>
+              </a:spcAft>
+              <a:buNone/>
+            </a:pPr>
+            <a:r>
+              <a:t/>
+            </a:r>
+            <a:endParaRPr sz="1800">
+              <a:solidFill>
+                <a:schemeClr val="dk1"/>
+              </a:solidFill>
+              <a:latin typeface="Roboto"/>
+              <a:ea typeface="Roboto"/>
+              <a:cs typeface="Roboto"/>
+              <a:sym typeface="Roboto"/>
+            </a:endParaRPr>
+          </a:p>
+          <a:p>
+            <a:pPr indent="0" lvl="0" marL="0" rtl="0" algn="l">
+              <a:spcBef>
+                <a:spcPts val="0"/>
+              </a:spcBef>
+              <a:spcAft>
+                <a:spcPts val="0"/>
+              </a:spcAft>
+              <a:buNone/>
+            </a:pPr>
+            <a:r>
+              <a:t/>
+            </a:r>
+            <a:endParaRPr sz="1800">
+              <a:solidFill>
+                <a:schemeClr val="dk1"/>
+              </a:solidFill>
+              <a:latin typeface="Roboto"/>
+              <a:ea typeface="Roboto"/>
+              <a:cs typeface="Roboto"/>
+              <a:sym typeface="Roboto"/>
+            </a:endParaRPr>
+          </a:p>
+          <a:p>
+            <a:pPr indent="-342900" lvl="0" marL="457200" rtl="0" algn="l">
+              <a:spcBef>
+                <a:spcPts val="0"/>
+              </a:spcBef>
+              <a:spcAft>
+                <a:spcPts val="0"/>
+              </a:spcAft>
+              <a:buClr>
+                <a:schemeClr val="dk1"/>
+              </a:buClr>
+              <a:buSzPts val="1800"/>
+              <a:buFont typeface="Roboto"/>
+              <a:buChar char="●"/>
+            </a:pPr>
+            <a:r>
+              <a:rPr lang="en" sz="1800">
+                <a:solidFill>
+                  <a:schemeClr val="dk1"/>
+                </a:solidFill>
+                <a:latin typeface="Roboto"/>
+                <a:ea typeface="Roboto"/>
+                <a:cs typeface="Roboto"/>
+                <a:sym typeface="Roboto"/>
+              </a:rPr>
+              <a:t>Generalized Signal Processing</a:t>
+            </a:r>
+            <a:endParaRPr sz="1800">
+              <a:solidFill>
+                <a:schemeClr val="dk1"/>
+              </a:solidFill>
+              <a:latin typeface="Roboto"/>
+              <a:ea typeface="Roboto"/>
+              <a:cs typeface="Roboto"/>
+              <a:sym typeface="Roboto"/>
+            </a:endParaRPr>
+          </a:p>
+          <a:p>
+            <a:pPr indent="0" lvl="0" marL="457200" rtl="0" algn="l">
+              <a:spcBef>
+                <a:spcPts val="0"/>
+              </a:spcBef>
+              <a:spcAft>
+                <a:spcPts val="0"/>
+              </a:spcAft>
+              <a:buNone/>
+            </a:pPr>
+            <a:r>
+              <a:t/>
+            </a:r>
+            <a:endParaRPr sz="1800">
+              <a:solidFill>
+                <a:schemeClr val="dk1"/>
+              </a:solidFill>
+              <a:latin typeface="Roboto"/>
+              <a:ea typeface="Roboto"/>
+              <a:cs typeface="Roboto"/>
+              <a:sym typeface="Roboto"/>
+            </a:endParaRPr>
+          </a:p>
+        </p:txBody>
+      </p:sp>
     </p:spTree>
   </p:cSld>
   <p:clrMapOvr>
@@ -7891,12 +9598,12 @@
 </p:sld>
 </file>
 
-<file path=ppt/slides/slide11.xml><?xml version="1.0" encoding="utf-8"?>
-<p:sld xmlns:a="http://schemas.openxmlformats.org/drawingml/2006/main" xmlns:r="http://schemas.openxmlformats.org/officeDocument/2006/relationships" xmlns:p="http://schemas.openxmlformats.org/presentationml/2006/main">
+<file path=ppt/slides/slide8.xml><?xml version="1.0" encoding="utf-8"?>
+<p:sld xmlns:a="http://schemas.openxmlformats.org/drawingml/2006/main" xmlns:r="http://schemas.openxmlformats.org/officeDocument/2006/relationships" xmlns:mc="http://schemas.openxmlformats.org/markup-compatibility/2006" xmlns:mv="urn:schemas-microsoft-com:mac:vml" xmlns:p="http://schemas.openxmlformats.org/presentationml/2006/main" xmlns:c="http://schemas.openxmlformats.org/drawingml/2006/chart" xmlns:dgm="http://schemas.openxmlformats.org/drawingml/2006/diagram" xmlns:o="urn:schemas-microsoft-com:office:office" xmlns:v="urn:schemas-microsoft-com:vml" xmlns:pvml="urn:schemas-microsoft-com:office:powerpoint" xmlns:com="http://schemas.openxmlformats.org/drawingml/2006/compatibility" xmlns:p14="http://schemas.microsoft.com/office/powerpoint/2010/main" xmlns:p15="http://schemas.microsoft.com/office/powerpoint/2012/main" xmlns:ahyp="http://schemas.microsoft.com/office/drawing/2018/hyperlinkcolor">
   <p:cSld>
     <p:spTree>
       <p:nvGrpSpPr>
-        <p:cNvPr id="1" name="Shape 123"/>
+        <p:cNvPr id="106" name="Shape 106"/>
         <p:cNvGrpSpPr/>
         <p:nvPr/>
       </p:nvGrpSpPr>
@@ -7910,10 +9617,8 @@
       </p:grpSpPr>
       <p:sp>
         <p:nvSpPr>
-          <p:cNvPr id="124" name="Google Shape;124;p23"/>
-          <p:cNvSpPr txBox="1">
-            <a:spLocks noGrp="1"/>
-          </p:cNvSpPr>
+          <p:cNvPr id="107" name="Google Shape;107;p20"/>
+          <p:cNvSpPr txBox="1"/>
           <p:nvPr>
             <p:ph type="title"/>
           </p:nvPr>
@@ -7928,12 +9633,12 @@
           </a:prstGeom>
         </p:spPr>
         <p:txBody>
-          <a:bodyPr spcFirstLastPara="1" wrap="square" lIns="91425" tIns="91425" rIns="91425" bIns="91425" anchor="b" anchorCtr="0">
+          <a:bodyPr anchorCtr="0" anchor="b" bIns="91425" lIns="91425" spcFirstLastPara="1" rIns="91425" wrap="square" tIns="91425">
             <a:normAutofit/>
           </a:bodyPr>
           <a:lstStyle/>
           <a:p>
-            <a:pPr marL="0" lvl="0" indent="0" algn="l" rtl="0">
+            <a:pPr indent="0" lvl="0" marL="0" rtl="0" algn="l">
               <a:spcBef>
                 <a:spcPts val="0"/>
               </a:spcBef>
@@ -7944,1307 +9649,19 @@
             </a:pPr>
             <a:r>
               <a:rPr lang="en"/>
-              <a:t>Accomplished Work</a:t>
+              <a:t>System</a:t>
             </a:r>
-            <a:endParaRPr/>
-          </a:p>
-        </p:txBody>
-      </p:sp>
-      <p:sp>
-        <p:nvSpPr>
-          <p:cNvPr id="125" name="Google Shape;125;p23"/>
-          <p:cNvSpPr txBox="1">
-            <a:spLocks noGrp="1"/>
-          </p:cNvSpPr>
-          <p:nvPr>
-            <p:ph type="body" idx="1"/>
-          </p:nvPr>
-        </p:nvSpPr>
-        <p:spPr>
-          <a:xfrm>
-            <a:off x="387900" y="1489824"/>
-            <a:ext cx="8368200" cy="3078900"/>
-          </a:xfrm>
-          <a:prstGeom prst="rect">
-            <a:avLst/>
-          </a:prstGeom>
-        </p:spPr>
-        <p:txBody>
-          <a:bodyPr spcFirstLastPara="1" wrap="square" lIns="91425" tIns="91425" rIns="91425" bIns="91425" anchor="t" anchorCtr="0">
-            <a:normAutofit/>
-          </a:bodyPr>
-          <a:lstStyle/>
-          <a:p>
-            <a:pPr marL="0" lvl="0" indent="0" algn="l" rtl="0">
-              <a:spcBef>
-                <a:spcPts val="0"/>
-              </a:spcBef>
-              <a:spcAft>
-                <a:spcPts val="1200"/>
-              </a:spcAft>
-              <a:buNone/>
-            </a:pPr>
+            <a:r>
+              <a:rPr lang="en"/>
+              <a:t> Overview</a:t>
+            </a:r>
             <a:endParaRPr/>
           </a:p>
         </p:txBody>
       </p:sp>
       <p:pic>
         <p:nvPicPr>
-          <p:cNvPr id="126" name="Google Shape;126;p23"/>
-          <p:cNvPicPr preferRelativeResize="0"/>
-          <p:nvPr/>
-        </p:nvPicPr>
-        <p:blipFill>
-          <a:blip r:embed="rId3">
-            <a:alphaModFix/>
-          </a:blip>
-          <a:stretch>
-            <a:fillRect/>
-          </a:stretch>
-        </p:blipFill>
-        <p:spPr>
-          <a:xfrm>
-            <a:off x="2970350" y="1740525"/>
-            <a:ext cx="5886100" cy="1738275"/>
-          </a:xfrm>
-          <a:prstGeom prst="rect">
-            <a:avLst/>
-          </a:prstGeom>
-          <a:noFill/>
-          <a:ln>
-            <a:noFill/>
-          </a:ln>
-        </p:spPr>
-      </p:pic>
-    </p:spTree>
-  </p:cSld>
-  <p:clrMapOvr>
-    <a:masterClrMapping/>
-  </p:clrMapOvr>
-</p:sld>
-</file>
-
-<file path=ppt/slides/slide12.xml><?xml version="1.0" encoding="utf-8"?>
-<p:sld xmlns:a="http://schemas.openxmlformats.org/drawingml/2006/main" xmlns:r="http://schemas.openxmlformats.org/officeDocument/2006/relationships" xmlns:p="http://schemas.openxmlformats.org/presentationml/2006/main">
-  <p:cSld>
-    <p:spTree>
-      <p:nvGrpSpPr>
-        <p:cNvPr id="1" name="Shape 130"/>
-        <p:cNvGrpSpPr/>
-        <p:nvPr/>
-      </p:nvGrpSpPr>
-      <p:grpSpPr>
-        <a:xfrm>
-          <a:off x="0" y="0"/>
-          <a:ext cx="0" cy="0"/>
-          <a:chOff x="0" y="0"/>
-          <a:chExt cx="0" cy="0"/>
-        </a:xfrm>
-      </p:grpSpPr>
-      <p:sp>
-        <p:nvSpPr>
-          <p:cNvPr id="131" name="Google Shape;131;p24"/>
-          <p:cNvSpPr txBox="1">
-            <a:spLocks noGrp="1"/>
-          </p:cNvSpPr>
-          <p:nvPr>
-            <p:ph type="title"/>
-          </p:nvPr>
-        </p:nvSpPr>
-        <p:spPr>
-          <a:xfrm>
-            <a:off x="387900" y="458025"/>
-            <a:ext cx="8368200" cy="686100"/>
-          </a:xfrm>
-          <a:prstGeom prst="rect">
-            <a:avLst/>
-          </a:prstGeom>
-        </p:spPr>
-        <p:txBody>
-          <a:bodyPr spcFirstLastPara="1" wrap="square" lIns="91425" tIns="91425" rIns="91425" bIns="91425" anchor="b" anchorCtr="0">
-            <a:normAutofit/>
-          </a:bodyPr>
-          <a:lstStyle/>
-          <a:p>
-            <a:pPr marL="0" lvl="0" indent="0" algn="l" rtl="0">
-              <a:spcBef>
-                <a:spcPts val="0"/>
-              </a:spcBef>
-              <a:spcAft>
-                <a:spcPts val="0"/>
-              </a:spcAft>
-              <a:buNone/>
-            </a:pPr>
-            <a:r>
-              <a:rPr lang="en"/>
-              <a:t>Development Dynamics and Lessons Learned</a:t>
-            </a:r>
-            <a:endParaRPr/>
-          </a:p>
-        </p:txBody>
-      </p:sp>
-      <p:sp>
-        <p:nvSpPr>
-          <p:cNvPr id="132" name="Google Shape;132;p24"/>
-          <p:cNvSpPr txBox="1">
-            <a:spLocks noGrp="1"/>
-          </p:cNvSpPr>
-          <p:nvPr>
-            <p:ph type="body" idx="1"/>
-          </p:nvPr>
-        </p:nvSpPr>
-        <p:spPr>
-          <a:xfrm>
-            <a:off x="387900" y="1489824"/>
-            <a:ext cx="8368200" cy="3078900"/>
-          </a:xfrm>
-          <a:prstGeom prst="rect">
-            <a:avLst/>
-          </a:prstGeom>
-        </p:spPr>
-        <p:txBody>
-          <a:bodyPr spcFirstLastPara="1" wrap="square" lIns="91425" tIns="91425" rIns="91425" bIns="91425" anchor="t" anchorCtr="0">
-            <a:normAutofit/>
-          </a:bodyPr>
-          <a:lstStyle/>
-          <a:p>
-            <a:pPr marL="0" lvl="0" indent="0" algn="l" rtl="0">
-              <a:spcBef>
-                <a:spcPts val="0"/>
-              </a:spcBef>
-              <a:spcAft>
-                <a:spcPts val="1200"/>
-              </a:spcAft>
-              <a:buNone/>
-            </a:pPr>
-            <a:endParaRPr/>
-          </a:p>
-        </p:txBody>
-      </p:sp>
-    </p:spTree>
-  </p:cSld>
-  <p:clrMapOvr>
-    <a:masterClrMapping/>
-  </p:clrMapOvr>
-</p:sld>
-</file>
-
-<file path=ppt/slides/slide13.xml><?xml version="1.0" encoding="utf-8"?>
-<p:sld xmlns:a="http://schemas.openxmlformats.org/drawingml/2006/main" xmlns:r="http://schemas.openxmlformats.org/officeDocument/2006/relationships" xmlns:p="http://schemas.openxmlformats.org/presentationml/2006/main">
-  <p:cSld>
-    <p:spTree>
-      <p:nvGrpSpPr>
-        <p:cNvPr id="1" name="Shape 136"/>
-        <p:cNvGrpSpPr/>
-        <p:nvPr/>
-      </p:nvGrpSpPr>
-      <p:grpSpPr>
-        <a:xfrm>
-          <a:off x="0" y="0"/>
-          <a:ext cx="0" cy="0"/>
-          <a:chOff x="0" y="0"/>
-          <a:chExt cx="0" cy="0"/>
-        </a:xfrm>
-      </p:grpSpPr>
-      <p:sp>
-        <p:nvSpPr>
-          <p:cNvPr id="137" name="Google Shape;137;p25"/>
-          <p:cNvSpPr txBox="1">
-            <a:spLocks noGrp="1"/>
-          </p:cNvSpPr>
-          <p:nvPr>
-            <p:ph type="title"/>
-          </p:nvPr>
-        </p:nvSpPr>
-        <p:spPr>
-          <a:xfrm>
-            <a:off x="387900" y="458025"/>
-            <a:ext cx="8368200" cy="686100"/>
-          </a:xfrm>
-          <a:prstGeom prst="rect">
-            <a:avLst/>
-          </a:prstGeom>
-        </p:spPr>
-        <p:txBody>
-          <a:bodyPr spcFirstLastPara="1" wrap="square" lIns="91425" tIns="91425" rIns="91425" bIns="91425" anchor="b" anchorCtr="0">
-            <a:normAutofit/>
-          </a:bodyPr>
-          <a:lstStyle/>
-          <a:p>
-            <a:pPr marL="0" lvl="0" indent="0" algn="l" rtl="0">
-              <a:spcBef>
-                <a:spcPts val="0"/>
-              </a:spcBef>
-              <a:spcAft>
-                <a:spcPts val="0"/>
-              </a:spcAft>
-              <a:buNone/>
-            </a:pPr>
-            <a:r>
-              <a:rPr lang="en"/>
-              <a:t>What’s Left?</a:t>
-            </a:r>
-            <a:endParaRPr/>
-          </a:p>
-        </p:txBody>
-      </p:sp>
-      <p:sp>
-        <p:nvSpPr>
-          <p:cNvPr id="138" name="Google Shape;138;p25"/>
-          <p:cNvSpPr txBox="1">
-            <a:spLocks noGrp="1"/>
-          </p:cNvSpPr>
-          <p:nvPr>
-            <p:ph type="body" idx="1"/>
-          </p:nvPr>
-        </p:nvSpPr>
-        <p:spPr>
-          <a:xfrm>
-            <a:off x="387900" y="1489824"/>
-            <a:ext cx="8368200" cy="3078900"/>
-          </a:xfrm>
-          <a:prstGeom prst="rect">
-            <a:avLst/>
-          </a:prstGeom>
-        </p:spPr>
-        <p:txBody>
-          <a:bodyPr spcFirstLastPara="1" wrap="square" lIns="91425" tIns="91425" rIns="91425" bIns="91425" anchor="t" anchorCtr="0">
-            <a:normAutofit/>
-          </a:bodyPr>
-          <a:lstStyle/>
-          <a:p>
-            <a:pPr marL="0" lvl="0" indent="0" algn="l" rtl="0">
-              <a:spcBef>
-                <a:spcPts val="0"/>
-              </a:spcBef>
-              <a:spcAft>
-                <a:spcPts val="1200"/>
-              </a:spcAft>
-              <a:buNone/>
-            </a:pPr>
-            <a:endParaRPr/>
-          </a:p>
-        </p:txBody>
-      </p:sp>
-    </p:spTree>
-  </p:cSld>
-  <p:clrMapOvr>
-    <a:masterClrMapping/>
-  </p:clrMapOvr>
-</p:sld>
-</file>
-
-<file path=ppt/slides/slide14.xml><?xml version="1.0" encoding="utf-8"?>
-<p:sld xmlns:a="http://schemas.openxmlformats.org/drawingml/2006/main" xmlns:r="http://schemas.openxmlformats.org/officeDocument/2006/relationships" xmlns:p="http://schemas.openxmlformats.org/presentationml/2006/main">
-  <p:cSld>
-    <p:spTree>
-      <p:nvGrpSpPr>
-        <p:cNvPr id="1" name="Shape 142"/>
-        <p:cNvGrpSpPr/>
-        <p:nvPr/>
-      </p:nvGrpSpPr>
-      <p:grpSpPr>
-        <a:xfrm>
-          <a:off x="0" y="0"/>
-          <a:ext cx="0" cy="0"/>
-          <a:chOff x="0" y="0"/>
-          <a:chExt cx="0" cy="0"/>
-        </a:xfrm>
-      </p:grpSpPr>
-      <p:sp>
-        <p:nvSpPr>
-          <p:cNvPr id="143" name="Google Shape;143;p26"/>
-          <p:cNvSpPr txBox="1">
-            <a:spLocks noGrp="1"/>
-          </p:cNvSpPr>
-          <p:nvPr>
-            <p:ph type="title"/>
-          </p:nvPr>
-        </p:nvSpPr>
-        <p:spPr>
-          <a:xfrm>
-            <a:off x="387900" y="2228700"/>
-            <a:ext cx="8368200" cy="686100"/>
-          </a:xfrm>
-          <a:prstGeom prst="rect">
-            <a:avLst/>
-          </a:prstGeom>
-        </p:spPr>
-        <p:txBody>
-          <a:bodyPr spcFirstLastPara="1" wrap="square" lIns="91425" tIns="91425" rIns="91425" bIns="91425" anchor="b" anchorCtr="0">
-            <a:normAutofit fontScale="90000"/>
-          </a:bodyPr>
-          <a:lstStyle/>
-          <a:p>
-            <a:pPr marL="0" lvl="0" indent="0" algn="ctr" rtl="0">
-              <a:spcBef>
-                <a:spcPts val="0"/>
-              </a:spcBef>
-              <a:spcAft>
-                <a:spcPts val="0"/>
-              </a:spcAft>
-              <a:buNone/>
-            </a:pPr>
-            <a:r>
-              <a:rPr lang="en" sz="5066"/>
-              <a:t>DEMO TIME</a:t>
-            </a:r>
-            <a:endParaRPr sz="5066"/>
-          </a:p>
-        </p:txBody>
-      </p:sp>
-    </p:spTree>
-  </p:cSld>
-  <p:clrMapOvr>
-    <a:masterClrMapping/>
-  </p:clrMapOvr>
-</p:sld>
-</file>
-
-<file path=ppt/slides/slide2.xml><?xml version="1.0" encoding="utf-8"?>
-<p:sld xmlns:a="http://schemas.openxmlformats.org/drawingml/2006/main" xmlns:r="http://schemas.openxmlformats.org/officeDocument/2006/relationships" xmlns:p="http://schemas.openxmlformats.org/presentationml/2006/main">
-  <p:cSld>
-    <p:spTree>
-      <p:nvGrpSpPr>
-        <p:cNvPr id="1" name="Shape 68"/>
-        <p:cNvGrpSpPr/>
-        <p:nvPr/>
-      </p:nvGrpSpPr>
-      <p:grpSpPr>
-        <a:xfrm>
-          <a:off x="0" y="0"/>
-          <a:ext cx="0" cy="0"/>
-          <a:chOff x="0" y="0"/>
-          <a:chExt cx="0" cy="0"/>
-        </a:xfrm>
-      </p:grpSpPr>
-      <p:sp>
-        <p:nvSpPr>
-          <p:cNvPr id="69" name="Google Shape;69;p14"/>
-          <p:cNvSpPr txBox="1">
-            <a:spLocks noGrp="1"/>
-          </p:cNvSpPr>
-          <p:nvPr>
-            <p:ph type="title"/>
-          </p:nvPr>
-        </p:nvSpPr>
-        <p:spPr>
-          <a:xfrm>
-            <a:off x="387900" y="458025"/>
-            <a:ext cx="8368200" cy="686100"/>
-          </a:xfrm>
-          <a:prstGeom prst="rect">
-            <a:avLst/>
-          </a:prstGeom>
-        </p:spPr>
-        <p:txBody>
-          <a:bodyPr spcFirstLastPara="1" wrap="square" lIns="91425" tIns="91425" rIns="91425" bIns="91425" anchor="b" anchorCtr="0">
-            <a:normAutofit/>
-          </a:bodyPr>
-          <a:lstStyle/>
-          <a:p>
-            <a:pPr marL="0" lvl="0" indent="0" algn="l" rtl="0">
-              <a:spcBef>
-                <a:spcPts val="0"/>
-              </a:spcBef>
-              <a:spcAft>
-                <a:spcPts val="0"/>
-              </a:spcAft>
-              <a:buNone/>
-            </a:pPr>
-            <a:r>
-              <a:rPr lang="en"/>
-              <a:t>Our Goal</a:t>
-            </a:r>
-            <a:endParaRPr/>
-          </a:p>
-        </p:txBody>
-      </p:sp>
-      <p:sp>
-        <p:nvSpPr>
-          <p:cNvPr id="70" name="Google Shape;70;p14"/>
-          <p:cNvSpPr txBox="1">
-            <a:spLocks noGrp="1"/>
-          </p:cNvSpPr>
-          <p:nvPr>
-            <p:ph type="body" idx="1"/>
-          </p:nvPr>
-        </p:nvSpPr>
-        <p:spPr>
-          <a:xfrm>
-            <a:off x="387900" y="1489824"/>
-            <a:ext cx="8368200" cy="3078900"/>
-          </a:xfrm>
-          <a:prstGeom prst="rect">
-            <a:avLst/>
-          </a:prstGeom>
-        </p:spPr>
-        <p:txBody>
-          <a:bodyPr spcFirstLastPara="1" wrap="square" lIns="91425" tIns="91425" rIns="91425" bIns="91425" anchor="t" anchorCtr="0">
-            <a:normAutofit/>
-          </a:bodyPr>
-          <a:lstStyle/>
-          <a:p>
-            <a:pPr marL="0" lvl="0" indent="0" algn="l" rtl="0">
-              <a:spcBef>
-                <a:spcPts val="0"/>
-              </a:spcBef>
-              <a:spcAft>
-                <a:spcPts val="1200"/>
-              </a:spcAft>
-              <a:buNone/>
-            </a:pPr>
-            <a:r>
-              <a:rPr lang="en"/>
-              <a:t>Use brain waves to directly control computer software, bypassing the need for a mouse and keyboard.</a:t>
-            </a:r>
-            <a:endParaRPr/>
-          </a:p>
-        </p:txBody>
-      </p:sp>
-    </p:spTree>
-  </p:cSld>
-  <p:clrMapOvr>
-    <a:masterClrMapping/>
-  </p:clrMapOvr>
-</p:sld>
-</file>
-
-<file path=ppt/slides/slide3.xml><?xml version="1.0" encoding="utf-8"?>
-<p:sld xmlns:a="http://schemas.openxmlformats.org/drawingml/2006/main" xmlns:r="http://schemas.openxmlformats.org/officeDocument/2006/relationships" xmlns:p="http://schemas.openxmlformats.org/presentationml/2006/main">
-  <p:cSld>
-    <p:spTree>
-      <p:nvGrpSpPr>
-        <p:cNvPr id="1" name="Shape 74"/>
-        <p:cNvGrpSpPr/>
-        <p:nvPr/>
-      </p:nvGrpSpPr>
-      <p:grpSpPr>
-        <a:xfrm>
-          <a:off x="0" y="0"/>
-          <a:ext cx="0" cy="0"/>
-          <a:chOff x="0" y="0"/>
-          <a:chExt cx="0" cy="0"/>
-        </a:xfrm>
-      </p:grpSpPr>
-      <p:sp>
-        <p:nvSpPr>
-          <p:cNvPr id="75" name="Google Shape;75;p15"/>
-          <p:cNvSpPr txBox="1">
-            <a:spLocks noGrp="1"/>
-          </p:cNvSpPr>
-          <p:nvPr>
-            <p:ph type="title"/>
-          </p:nvPr>
-        </p:nvSpPr>
-        <p:spPr>
-          <a:xfrm>
-            <a:off x="387900" y="458025"/>
-            <a:ext cx="8368200" cy="686100"/>
-          </a:xfrm>
-          <a:prstGeom prst="rect">
-            <a:avLst/>
-          </a:prstGeom>
-        </p:spPr>
-        <p:txBody>
-          <a:bodyPr spcFirstLastPara="1" wrap="square" lIns="91425" tIns="91425" rIns="91425" bIns="91425" anchor="b" anchorCtr="0">
-            <a:normAutofit/>
-          </a:bodyPr>
-          <a:lstStyle/>
-          <a:p>
-            <a:pPr marL="0" lvl="0" indent="0" algn="l" rtl="0">
-              <a:spcBef>
-                <a:spcPts val="0"/>
-              </a:spcBef>
-              <a:spcAft>
-                <a:spcPts val="0"/>
-              </a:spcAft>
-              <a:buNone/>
-            </a:pPr>
-            <a:r>
-              <a:rPr lang="en"/>
-              <a:t>Why Bother?</a:t>
-            </a:r>
-            <a:endParaRPr/>
-          </a:p>
-        </p:txBody>
-      </p:sp>
-      <p:sp>
-        <p:nvSpPr>
-          <p:cNvPr id="76" name="Google Shape;76;p15"/>
-          <p:cNvSpPr txBox="1">
-            <a:spLocks noGrp="1"/>
-          </p:cNvSpPr>
-          <p:nvPr>
-            <p:ph type="body" idx="1"/>
-          </p:nvPr>
-        </p:nvSpPr>
-        <p:spPr>
-          <a:xfrm>
-            <a:off x="387900" y="1489824"/>
-            <a:ext cx="8368200" cy="3078900"/>
-          </a:xfrm>
-          <a:prstGeom prst="rect">
-            <a:avLst/>
-          </a:prstGeom>
-        </p:spPr>
-        <p:txBody>
-          <a:bodyPr spcFirstLastPara="1" wrap="square" lIns="91425" tIns="91425" rIns="91425" bIns="91425" anchor="t" anchorCtr="0">
-            <a:normAutofit/>
-          </a:bodyPr>
-          <a:lstStyle/>
-          <a:p>
-            <a:pPr marL="457200" lvl="0" indent="-342900" algn="l" rtl="0">
-              <a:spcBef>
-                <a:spcPts val="0"/>
-              </a:spcBef>
-              <a:spcAft>
-                <a:spcPts val="0"/>
-              </a:spcAft>
-              <a:buSzPts val="1800"/>
-              <a:buChar char="●"/>
-            </a:pPr>
-            <a:r>
-              <a:rPr lang="en"/>
-              <a:t>Certain disabilities and illnesses make physical interaction difficult or impossible</a:t>
-            </a:r>
-            <a:endParaRPr/>
-          </a:p>
-          <a:p>
-            <a:pPr marL="457200" lvl="0" indent="-342900" algn="l" rtl="0">
-              <a:spcBef>
-                <a:spcPts val="0"/>
-              </a:spcBef>
-              <a:spcAft>
-                <a:spcPts val="0"/>
-              </a:spcAft>
-              <a:buSzPts val="1800"/>
-              <a:buChar char="●"/>
-            </a:pPr>
-            <a:r>
-              <a:rPr lang="en"/>
-              <a:t>Some, such as Locked In Syndrome, make all communication impossible</a:t>
-            </a:r>
-            <a:endParaRPr/>
-          </a:p>
-          <a:p>
-            <a:pPr marL="457200" lvl="0" indent="0" algn="l" rtl="0">
-              <a:spcBef>
-                <a:spcPts val="1200"/>
-              </a:spcBef>
-              <a:spcAft>
-                <a:spcPts val="0"/>
-              </a:spcAft>
-              <a:buNone/>
-            </a:pPr>
-            <a:endParaRPr/>
-          </a:p>
-          <a:p>
-            <a:pPr marL="457200" lvl="0" indent="-342900" algn="l" rtl="0">
-              <a:spcBef>
-                <a:spcPts val="1200"/>
-              </a:spcBef>
-              <a:spcAft>
-                <a:spcPts val="0"/>
-              </a:spcAft>
-              <a:buSzPts val="1800"/>
-              <a:buChar char="●"/>
-            </a:pPr>
-            <a:r>
-              <a:rPr lang="en"/>
-              <a:t>Direct interaction via brain waves can allow for interaction and communication despite these limitations</a:t>
-            </a:r>
-            <a:endParaRPr/>
-          </a:p>
-        </p:txBody>
-      </p:sp>
-    </p:spTree>
-  </p:cSld>
-  <p:clrMapOvr>
-    <a:masterClrMapping/>
-  </p:clrMapOvr>
-</p:sld>
-</file>
-
-<file path=ppt/slides/slide4.xml><?xml version="1.0" encoding="utf-8"?>
-<p:sld xmlns:a="http://schemas.openxmlformats.org/drawingml/2006/main" xmlns:r="http://schemas.openxmlformats.org/officeDocument/2006/relationships" xmlns:p="http://schemas.openxmlformats.org/presentationml/2006/main">
-  <p:cSld>
-    <p:spTree>
-      <p:nvGrpSpPr>
-        <p:cNvPr id="1" name="Shape 80"/>
-        <p:cNvGrpSpPr/>
-        <p:nvPr/>
-      </p:nvGrpSpPr>
-      <p:grpSpPr>
-        <a:xfrm>
-          <a:off x="0" y="0"/>
-          <a:ext cx="0" cy="0"/>
-          <a:chOff x="0" y="0"/>
-          <a:chExt cx="0" cy="0"/>
-        </a:xfrm>
-      </p:grpSpPr>
-      <p:sp>
-        <p:nvSpPr>
-          <p:cNvPr id="81" name="Google Shape;81;p16"/>
-          <p:cNvSpPr txBox="1">
-            <a:spLocks noGrp="1"/>
-          </p:cNvSpPr>
-          <p:nvPr>
-            <p:ph type="title"/>
-          </p:nvPr>
-        </p:nvSpPr>
-        <p:spPr>
-          <a:xfrm>
-            <a:off x="387900" y="458025"/>
-            <a:ext cx="8368200" cy="686100"/>
-          </a:xfrm>
-          <a:prstGeom prst="rect">
-            <a:avLst/>
-          </a:prstGeom>
-        </p:spPr>
-        <p:txBody>
-          <a:bodyPr spcFirstLastPara="1" wrap="square" lIns="91425" tIns="91425" rIns="91425" bIns="91425" anchor="b" anchorCtr="0">
-            <a:normAutofit/>
-          </a:bodyPr>
-          <a:lstStyle/>
-          <a:p>
-            <a:pPr marL="0" lvl="0" indent="0" algn="l" rtl="0">
-              <a:spcBef>
-                <a:spcPts val="0"/>
-              </a:spcBef>
-              <a:spcAft>
-                <a:spcPts val="0"/>
-              </a:spcAft>
-              <a:buNone/>
-            </a:pPr>
-            <a:r>
-              <a:rPr lang="en"/>
-              <a:t>Unraveling the Brain</a:t>
-            </a:r>
-            <a:endParaRPr/>
-          </a:p>
-        </p:txBody>
-      </p:sp>
-      <p:sp>
-        <p:nvSpPr>
-          <p:cNvPr id="82" name="Google Shape;82;p16"/>
-          <p:cNvSpPr txBox="1">
-            <a:spLocks noGrp="1"/>
-          </p:cNvSpPr>
-          <p:nvPr>
-            <p:ph type="body" idx="1"/>
-          </p:nvPr>
-        </p:nvSpPr>
-        <p:spPr>
-          <a:xfrm>
-            <a:off x="387900" y="1489824"/>
-            <a:ext cx="8368200" cy="3078900"/>
-          </a:xfrm>
-          <a:prstGeom prst="rect">
-            <a:avLst/>
-          </a:prstGeom>
-        </p:spPr>
-        <p:txBody>
-          <a:bodyPr spcFirstLastPara="1" wrap="square" lIns="91425" tIns="91425" rIns="91425" bIns="91425" anchor="t" anchorCtr="0">
-            <a:normAutofit/>
-          </a:bodyPr>
-          <a:lstStyle/>
-          <a:p>
-            <a:pPr marL="457200" lvl="0" indent="-342900" algn="l" rtl="0">
-              <a:spcBef>
-                <a:spcPts val="0"/>
-              </a:spcBef>
-              <a:spcAft>
-                <a:spcPts val="0"/>
-              </a:spcAft>
-              <a:buSzPts val="1800"/>
-              <a:buChar char="●"/>
-            </a:pPr>
-            <a:r>
-              <a:rPr lang="en"/>
-              <a:t>All brain activity is electrical</a:t>
-            </a:r>
-            <a:endParaRPr/>
-          </a:p>
-          <a:p>
-            <a:pPr marL="457200" lvl="0" indent="-342900" algn="l" rtl="0">
-              <a:spcBef>
-                <a:spcPts val="0"/>
-              </a:spcBef>
-              <a:spcAft>
-                <a:spcPts val="0"/>
-              </a:spcAft>
-              <a:buSzPts val="1800"/>
-              <a:buChar char="●"/>
-            </a:pPr>
-            <a:r>
-              <a:rPr lang="en"/>
-              <a:t>Electroencephalography (EEG) is a non-invasive technique for measuring this activity</a:t>
-            </a:r>
-            <a:endParaRPr/>
-          </a:p>
-          <a:p>
-            <a:pPr marL="457200" lvl="0" indent="0" algn="l" rtl="0">
-              <a:spcBef>
-                <a:spcPts val="1200"/>
-              </a:spcBef>
-              <a:spcAft>
-                <a:spcPts val="0"/>
-              </a:spcAft>
-              <a:buNone/>
-            </a:pPr>
-            <a:endParaRPr/>
-          </a:p>
-          <a:p>
-            <a:pPr marL="457200" lvl="0" indent="-342900" algn="l" rtl="0">
-              <a:spcBef>
-                <a:spcPts val="1200"/>
-              </a:spcBef>
-              <a:spcAft>
-                <a:spcPts val="0"/>
-              </a:spcAft>
-              <a:buSzPts val="1800"/>
-              <a:buChar char="●"/>
-            </a:pPr>
-            <a:r>
-              <a:rPr lang="en"/>
-              <a:t>Different mental states, thoughts, and actions generate unique electrical patterns</a:t>
-            </a:r>
-            <a:endParaRPr/>
-          </a:p>
-        </p:txBody>
-      </p:sp>
-    </p:spTree>
-  </p:cSld>
-  <p:clrMapOvr>
-    <a:masterClrMapping/>
-  </p:clrMapOvr>
-</p:sld>
-</file>
-
-<file path=ppt/slides/slide5.xml><?xml version="1.0" encoding="utf-8"?>
-<p:sld xmlns:a="http://schemas.openxmlformats.org/drawingml/2006/main" xmlns:r="http://schemas.openxmlformats.org/officeDocument/2006/relationships" xmlns:p="http://schemas.openxmlformats.org/presentationml/2006/main">
-  <p:cSld>
-    <p:spTree>
-      <p:nvGrpSpPr>
-        <p:cNvPr id="1" name="Shape 86"/>
-        <p:cNvGrpSpPr/>
-        <p:nvPr/>
-      </p:nvGrpSpPr>
-      <p:grpSpPr>
-        <a:xfrm>
-          <a:off x="0" y="0"/>
-          <a:ext cx="0" cy="0"/>
-          <a:chOff x="0" y="0"/>
-          <a:chExt cx="0" cy="0"/>
-        </a:xfrm>
-      </p:grpSpPr>
-      <p:sp>
-        <p:nvSpPr>
-          <p:cNvPr id="87" name="Google Shape;87;p17"/>
-          <p:cNvSpPr txBox="1">
-            <a:spLocks noGrp="1"/>
-          </p:cNvSpPr>
-          <p:nvPr>
-            <p:ph type="title"/>
-          </p:nvPr>
-        </p:nvSpPr>
-        <p:spPr>
-          <a:xfrm>
-            <a:off x="387900" y="458025"/>
-            <a:ext cx="8368200" cy="686100"/>
-          </a:xfrm>
-          <a:prstGeom prst="rect">
-            <a:avLst/>
-          </a:prstGeom>
-        </p:spPr>
-        <p:txBody>
-          <a:bodyPr spcFirstLastPara="1" wrap="square" lIns="91425" tIns="91425" rIns="91425" bIns="91425" anchor="b" anchorCtr="0">
-            <a:normAutofit/>
-          </a:bodyPr>
-          <a:lstStyle/>
-          <a:p>
-            <a:pPr marL="0" lvl="0" indent="0" algn="l" rtl="0">
-              <a:spcBef>
-                <a:spcPts val="0"/>
-              </a:spcBef>
-              <a:spcAft>
-                <a:spcPts val="0"/>
-              </a:spcAft>
-              <a:buNone/>
-            </a:pPr>
-            <a:r>
-              <a:rPr lang="en"/>
-              <a:t>Mind Control - Not Just Sci-Fi</a:t>
-            </a:r>
-            <a:endParaRPr/>
-          </a:p>
-        </p:txBody>
-      </p:sp>
-      <p:sp>
-        <p:nvSpPr>
-          <p:cNvPr id="88" name="Google Shape;88;p17"/>
-          <p:cNvSpPr txBox="1">
-            <a:spLocks noGrp="1"/>
-          </p:cNvSpPr>
-          <p:nvPr>
-            <p:ph type="body" idx="1"/>
-          </p:nvPr>
-        </p:nvSpPr>
-        <p:spPr>
-          <a:xfrm>
-            <a:off x="387900" y="1489824"/>
-            <a:ext cx="8368200" cy="3078900"/>
-          </a:xfrm>
-          <a:prstGeom prst="rect">
-            <a:avLst/>
-          </a:prstGeom>
-        </p:spPr>
-        <p:txBody>
-          <a:bodyPr spcFirstLastPara="1" wrap="square" lIns="91425" tIns="91425" rIns="91425" bIns="91425" anchor="t" anchorCtr="0">
-            <a:normAutofit/>
-          </a:bodyPr>
-          <a:lstStyle/>
-          <a:p>
-            <a:pPr marL="457200" lvl="0" indent="-342900" algn="l" rtl="0">
-              <a:spcBef>
-                <a:spcPts val="0"/>
-              </a:spcBef>
-              <a:spcAft>
-                <a:spcPts val="0"/>
-              </a:spcAft>
-              <a:buSzPts val="1800"/>
-              <a:buChar char="●"/>
-            </a:pPr>
-            <a:r>
-              <a:rPr lang="en"/>
-              <a:t>Every brain is different, so patterns can’t be hard-coded into software</a:t>
-            </a:r>
-            <a:endParaRPr/>
-          </a:p>
-          <a:p>
-            <a:pPr marL="457200" lvl="0" indent="-342900" algn="l" rtl="0">
-              <a:spcBef>
-                <a:spcPts val="0"/>
-              </a:spcBef>
-              <a:spcAft>
-                <a:spcPts val="0"/>
-              </a:spcAft>
-              <a:buSzPts val="1800"/>
-              <a:buChar char="●"/>
-            </a:pPr>
-            <a:r>
-              <a:rPr lang="en"/>
-              <a:t>Machine learning algorithms can be trained to recognize an individual brain’s patterns</a:t>
-            </a:r>
-            <a:endParaRPr/>
-          </a:p>
-          <a:p>
-            <a:pPr marL="457200" lvl="0" indent="-342900" algn="l" rtl="0">
-              <a:spcBef>
-                <a:spcPts val="0"/>
-              </a:spcBef>
-              <a:spcAft>
-                <a:spcPts val="0"/>
-              </a:spcAft>
-              <a:buSzPts val="1800"/>
-              <a:buChar char="●"/>
-            </a:pPr>
-            <a:r>
-              <a:rPr lang="en"/>
-              <a:t>During training, patterns are associated with input commands</a:t>
-            </a:r>
-            <a:endParaRPr/>
-          </a:p>
-          <a:p>
-            <a:pPr marL="457200" lvl="0" indent="0" algn="l" rtl="0">
-              <a:spcBef>
-                <a:spcPts val="1200"/>
-              </a:spcBef>
-              <a:spcAft>
-                <a:spcPts val="0"/>
-              </a:spcAft>
-              <a:buNone/>
-            </a:pPr>
-            <a:endParaRPr/>
-          </a:p>
-          <a:p>
-            <a:pPr marL="457200" lvl="0" indent="-342900" algn="l" rtl="0">
-              <a:spcBef>
-                <a:spcPts val="1200"/>
-              </a:spcBef>
-              <a:spcAft>
-                <a:spcPts val="0"/>
-              </a:spcAft>
-              <a:buSzPts val="1800"/>
-              <a:buChar char="●"/>
-            </a:pPr>
-            <a:r>
-              <a:rPr lang="en"/>
-              <a:t>These commands are executed in the target software; mind control achieved!</a:t>
-            </a:r>
-            <a:endParaRPr/>
-          </a:p>
-        </p:txBody>
-      </p:sp>
-    </p:spTree>
-  </p:cSld>
-  <p:clrMapOvr>
-    <a:masterClrMapping/>
-  </p:clrMapOvr>
-</p:sld>
-</file>
-
-<file path=ppt/slides/slide6.xml><?xml version="1.0" encoding="utf-8"?>
-<p:sld xmlns:a="http://schemas.openxmlformats.org/drawingml/2006/main" xmlns:r="http://schemas.openxmlformats.org/officeDocument/2006/relationships" xmlns:p="http://schemas.openxmlformats.org/presentationml/2006/main">
-  <p:cSld>
-    <p:spTree>
-      <p:nvGrpSpPr>
-        <p:cNvPr id="1" name="Shape 92"/>
-        <p:cNvGrpSpPr/>
-        <p:nvPr/>
-      </p:nvGrpSpPr>
-      <p:grpSpPr>
-        <a:xfrm>
-          <a:off x="0" y="0"/>
-          <a:ext cx="0" cy="0"/>
-          <a:chOff x="0" y="0"/>
-          <a:chExt cx="0" cy="0"/>
-        </a:xfrm>
-      </p:grpSpPr>
-      <p:sp>
-        <p:nvSpPr>
-          <p:cNvPr id="93" name="Google Shape;93;p18"/>
-          <p:cNvSpPr txBox="1">
-            <a:spLocks noGrp="1"/>
-          </p:cNvSpPr>
-          <p:nvPr>
-            <p:ph type="title"/>
-          </p:nvPr>
-        </p:nvSpPr>
-        <p:spPr>
-          <a:xfrm>
-            <a:off x="387900" y="458025"/>
-            <a:ext cx="8368200" cy="686100"/>
-          </a:xfrm>
-          <a:prstGeom prst="rect">
-            <a:avLst/>
-          </a:prstGeom>
-        </p:spPr>
-        <p:txBody>
-          <a:bodyPr spcFirstLastPara="1" wrap="square" lIns="91425" tIns="91425" rIns="91425" bIns="91425" anchor="b" anchorCtr="0">
-            <a:normAutofit/>
-          </a:bodyPr>
-          <a:lstStyle/>
-          <a:p>
-            <a:pPr marL="0" lvl="0" indent="0" algn="l" rtl="0">
-              <a:spcBef>
-                <a:spcPts val="0"/>
-              </a:spcBef>
-              <a:spcAft>
-                <a:spcPts val="0"/>
-              </a:spcAft>
-              <a:buNone/>
-            </a:pPr>
-            <a:r>
-              <a:rPr lang="en"/>
-              <a:t>It Can’t Be That Easy…</a:t>
-            </a:r>
-            <a:endParaRPr/>
-          </a:p>
-        </p:txBody>
-      </p:sp>
-      <p:sp>
-        <p:nvSpPr>
-          <p:cNvPr id="94" name="Google Shape;94;p18"/>
-          <p:cNvSpPr txBox="1">
-            <a:spLocks noGrp="1"/>
-          </p:cNvSpPr>
-          <p:nvPr>
-            <p:ph type="body" idx="1"/>
-          </p:nvPr>
-        </p:nvSpPr>
-        <p:spPr>
-          <a:xfrm>
-            <a:off x="387900" y="1489824"/>
-            <a:ext cx="8368200" cy="3078900"/>
-          </a:xfrm>
-          <a:prstGeom prst="rect">
-            <a:avLst/>
-          </a:prstGeom>
-        </p:spPr>
-        <p:txBody>
-          <a:bodyPr spcFirstLastPara="1" wrap="square" lIns="91425" tIns="91425" rIns="91425" bIns="91425" anchor="t" anchorCtr="0">
-            <a:normAutofit/>
-          </a:bodyPr>
-          <a:lstStyle/>
-          <a:p>
-            <a:pPr marL="457200" lvl="0" indent="-342900" algn="l" rtl="0">
-              <a:spcBef>
-                <a:spcPts val="0"/>
-              </a:spcBef>
-              <a:spcAft>
-                <a:spcPts val="0"/>
-              </a:spcAft>
-              <a:buSzPts val="1800"/>
-              <a:buChar char="●"/>
-            </a:pPr>
-            <a:r>
-              <a:rPr lang="en"/>
-              <a:t>…It’s not</a:t>
-            </a:r>
-            <a:endParaRPr/>
-          </a:p>
-          <a:p>
-            <a:pPr marL="457200" lvl="0" indent="-342900" algn="l" rtl="0">
-              <a:spcBef>
-                <a:spcPts val="0"/>
-              </a:spcBef>
-              <a:spcAft>
-                <a:spcPts val="0"/>
-              </a:spcAft>
-              <a:buSzPts val="1800"/>
-              <a:buChar char="●"/>
-            </a:pPr>
-            <a:r>
-              <a:rPr lang="en"/>
-              <a:t>This technology is actively being researched by groups all around the world</a:t>
-            </a:r>
-            <a:endParaRPr/>
-          </a:p>
-          <a:p>
-            <a:pPr marL="457200" lvl="0" indent="-342900" algn="l" rtl="0">
-              <a:spcBef>
-                <a:spcPts val="0"/>
-              </a:spcBef>
-              <a:spcAft>
-                <a:spcPts val="0"/>
-              </a:spcAft>
-              <a:buSzPts val="1800"/>
-              <a:buChar char="●"/>
-            </a:pPr>
-            <a:r>
-              <a:rPr lang="en"/>
-              <a:t>No agreed-upon best practices; just as much of an art as it is a science</a:t>
-            </a:r>
-            <a:endParaRPr/>
-          </a:p>
-        </p:txBody>
-      </p:sp>
-    </p:spTree>
-  </p:cSld>
-  <p:clrMapOvr>
-    <a:masterClrMapping/>
-  </p:clrMapOvr>
-</p:sld>
-</file>
-
-<file path=ppt/slides/slide7.xml><?xml version="1.0" encoding="utf-8"?>
-<p:sld xmlns:a="http://schemas.openxmlformats.org/drawingml/2006/main" xmlns:r="http://schemas.openxmlformats.org/officeDocument/2006/relationships" xmlns:p="http://schemas.openxmlformats.org/presentationml/2006/main">
-  <p:cSld>
-    <p:spTree>
-      <p:nvGrpSpPr>
-        <p:cNvPr id="1" name="Shape 98"/>
-        <p:cNvGrpSpPr/>
-        <p:nvPr/>
-      </p:nvGrpSpPr>
-      <p:grpSpPr>
-        <a:xfrm>
-          <a:off x="0" y="0"/>
-          <a:ext cx="0" cy="0"/>
-          <a:chOff x="0" y="0"/>
-          <a:chExt cx="0" cy="0"/>
-        </a:xfrm>
-      </p:grpSpPr>
-      <p:sp>
-        <p:nvSpPr>
-          <p:cNvPr id="99" name="Google Shape;99;p19"/>
-          <p:cNvSpPr txBox="1">
-            <a:spLocks noGrp="1"/>
-          </p:cNvSpPr>
-          <p:nvPr>
-            <p:ph type="title"/>
-          </p:nvPr>
-        </p:nvSpPr>
-        <p:spPr>
-          <a:xfrm>
-            <a:off x="387900" y="458025"/>
-            <a:ext cx="8368200" cy="686100"/>
-          </a:xfrm>
-          <a:prstGeom prst="rect">
-            <a:avLst/>
-          </a:prstGeom>
-        </p:spPr>
-        <p:txBody>
-          <a:bodyPr spcFirstLastPara="1" wrap="square" lIns="91425" tIns="91425" rIns="91425" bIns="91425" anchor="b" anchorCtr="0">
-            <a:normAutofit/>
-          </a:bodyPr>
-          <a:lstStyle/>
-          <a:p>
-            <a:pPr marL="0" lvl="0" indent="0" algn="l" rtl="0">
-              <a:spcBef>
-                <a:spcPts val="0"/>
-              </a:spcBef>
-              <a:spcAft>
-                <a:spcPts val="0"/>
-              </a:spcAft>
-              <a:buNone/>
-            </a:pPr>
-            <a:r>
-              <a:rPr lang="en"/>
-              <a:t>Our Plan</a:t>
-            </a:r>
-            <a:endParaRPr/>
-          </a:p>
-        </p:txBody>
-      </p:sp>
-      <p:sp>
-        <p:nvSpPr>
-          <p:cNvPr id="100" name="Google Shape;100;p19"/>
-          <p:cNvSpPr txBox="1">
-            <a:spLocks noGrp="1"/>
-          </p:cNvSpPr>
-          <p:nvPr>
-            <p:ph type="body" idx="1"/>
-          </p:nvPr>
-        </p:nvSpPr>
-        <p:spPr>
-          <a:xfrm>
-            <a:off x="387900" y="1489824"/>
-            <a:ext cx="8368200" cy="3078900"/>
-          </a:xfrm>
-          <a:prstGeom prst="rect">
-            <a:avLst/>
-          </a:prstGeom>
-        </p:spPr>
-        <p:txBody>
-          <a:bodyPr spcFirstLastPara="1" wrap="square" lIns="91425" tIns="91425" rIns="91425" bIns="91425" anchor="t" anchorCtr="0">
-            <a:normAutofit/>
-          </a:bodyPr>
-          <a:lstStyle/>
-          <a:p>
-            <a:pPr marL="457200" lvl="0" indent="-342900" algn="l" rtl="0">
-              <a:spcBef>
-                <a:spcPts val="0"/>
-              </a:spcBef>
-              <a:spcAft>
-                <a:spcPts val="0"/>
-              </a:spcAft>
-              <a:buSzPts val="1800"/>
-              <a:buChar char="●"/>
-            </a:pPr>
-            <a:r>
-              <a:rPr lang="en"/>
-              <a:t>Build an application that accepts simple discrete commands (Pac-Man)</a:t>
-            </a:r>
-            <a:endParaRPr/>
-          </a:p>
-          <a:p>
-            <a:pPr marL="457200" lvl="0" indent="-342900" algn="l" rtl="0">
-              <a:spcBef>
-                <a:spcPts val="0"/>
-              </a:spcBef>
-              <a:spcAft>
-                <a:spcPts val="0"/>
-              </a:spcAft>
-              <a:buSzPts val="1800"/>
-              <a:buChar char="●"/>
-            </a:pPr>
-            <a:r>
-              <a:rPr lang="en"/>
-              <a:t>Develop a pipeline for processing raw EEG data and classifying it into commands</a:t>
-            </a:r>
-            <a:endParaRPr/>
-          </a:p>
-          <a:p>
-            <a:pPr marL="457200" lvl="0" indent="-342900" algn="l" rtl="0">
-              <a:spcBef>
-                <a:spcPts val="0"/>
-              </a:spcBef>
-              <a:spcAft>
-                <a:spcPts val="0"/>
-              </a:spcAft>
-              <a:buSzPts val="1800"/>
-              <a:buChar char="●"/>
-            </a:pPr>
-            <a:r>
-              <a:rPr lang="en"/>
-              <a:t>Transmit commands to Pac-Man and execute them</a:t>
-            </a:r>
-            <a:endParaRPr/>
-          </a:p>
-        </p:txBody>
-      </p:sp>
-    </p:spTree>
-  </p:cSld>
-  <p:clrMapOvr>
-    <a:masterClrMapping/>
-  </p:clrMapOvr>
-</p:sld>
-</file>
-
-<file path=ppt/slides/slide8.xml><?xml version="1.0" encoding="utf-8"?>
-<p:sld xmlns:a="http://schemas.openxmlformats.org/drawingml/2006/main" xmlns:r="http://schemas.openxmlformats.org/officeDocument/2006/relationships" xmlns:p="http://schemas.openxmlformats.org/presentationml/2006/main">
-  <p:cSld>
-    <p:spTree>
-      <p:nvGrpSpPr>
-        <p:cNvPr id="1" name="Shape 104"/>
-        <p:cNvGrpSpPr/>
-        <p:nvPr/>
-      </p:nvGrpSpPr>
-      <p:grpSpPr>
-        <a:xfrm>
-          <a:off x="0" y="0"/>
-          <a:ext cx="0" cy="0"/>
-          <a:chOff x="0" y="0"/>
-          <a:chExt cx="0" cy="0"/>
-        </a:xfrm>
-      </p:grpSpPr>
-      <p:sp>
-        <p:nvSpPr>
-          <p:cNvPr id="105" name="Google Shape;105;p20"/>
-          <p:cNvSpPr txBox="1">
-            <a:spLocks noGrp="1"/>
-          </p:cNvSpPr>
-          <p:nvPr>
-            <p:ph type="title"/>
-          </p:nvPr>
-        </p:nvSpPr>
-        <p:spPr>
-          <a:xfrm>
-            <a:off x="387900" y="458025"/>
-            <a:ext cx="8368200" cy="686100"/>
-          </a:xfrm>
-          <a:prstGeom prst="rect">
-            <a:avLst/>
-          </a:prstGeom>
-        </p:spPr>
-        <p:txBody>
-          <a:bodyPr spcFirstLastPara="1" wrap="square" lIns="91425" tIns="91425" rIns="91425" bIns="91425" anchor="b" anchorCtr="0">
-            <a:normAutofit/>
-          </a:bodyPr>
-          <a:lstStyle/>
-          <a:p>
-            <a:pPr marL="0" lvl="0" indent="0" algn="l" rtl="0">
-              <a:spcBef>
-                <a:spcPts val="0"/>
-              </a:spcBef>
-              <a:spcAft>
-                <a:spcPts val="0"/>
-              </a:spcAft>
-              <a:buNone/>
-            </a:pPr>
-            <a:r>
-              <a:rPr lang="en"/>
-              <a:t>System Overview</a:t>
-            </a:r>
-            <a:endParaRPr/>
-          </a:p>
-        </p:txBody>
-      </p:sp>
-      <p:pic>
-        <p:nvPicPr>
-          <p:cNvPr id="106" name="Google Shape;106;p20"/>
+          <p:cNvPr id="108" name="Google Shape;108;p20"/>
           <p:cNvPicPr preferRelativeResize="0"/>
           <p:nvPr/>
         </p:nvPicPr>
@@ -9279,11 +9696,11 @@
 </file>
 
 <file path=ppt/slides/slide9.xml><?xml version="1.0" encoding="utf-8"?>
-<p:sld xmlns:a="http://schemas.openxmlformats.org/drawingml/2006/main" xmlns:r="http://schemas.openxmlformats.org/officeDocument/2006/relationships" xmlns:p="http://schemas.openxmlformats.org/presentationml/2006/main">
+<p:sld xmlns:a="http://schemas.openxmlformats.org/drawingml/2006/main" xmlns:r="http://schemas.openxmlformats.org/officeDocument/2006/relationships" xmlns:mc="http://schemas.openxmlformats.org/markup-compatibility/2006" xmlns:mv="urn:schemas-microsoft-com:mac:vml" xmlns:p="http://schemas.openxmlformats.org/presentationml/2006/main" xmlns:c="http://schemas.openxmlformats.org/drawingml/2006/chart" xmlns:dgm="http://schemas.openxmlformats.org/drawingml/2006/diagram" xmlns:o="urn:schemas-microsoft-com:office:office" xmlns:v="urn:schemas-microsoft-com:vml" xmlns:pvml="urn:schemas-microsoft-com:office:powerpoint" xmlns:com="http://schemas.openxmlformats.org/drawingml/2006/compatibility" xmlns:p14="http://schemas.microsoft.com/office/powerpoint/2010/main" xmlns:p15="http://schemas.microsoft.com/office/powerpoint/2012/main" xmlns:ahyp="http://schemas.microsoft.com/office/drawing/2018/hyperlinkcolor">
   <p:cSld>
     <p:spTree>
       <p:nvGrpSpPr>
-        <p:cNvPr id="1" name="Shape 110"/>
+        <p:cNvPr id="112" name="Shape 112"/>
         <p:cNvGrpSpPr/>
         <p:nvPr/>
       </p:nvGrpSpPr>
@@ -9297,10 +9714,8 @@
       </p:grpSpPr>
       <p:sp>
         <p:nvSpPr>
-          <p:cNvPr id="111" name="Google Shape;111;p21"/>
-          <p:cNvSpPr txBox="1">
-            <a:spLocks noGrp="1"/>
-          </p:cNvSpPr>
+          <p:cNvPr id="113" name="Google Shape;113;p21"/>
+          <p:cNvSpPr txBox="1"/>
           <p:nvPr>
             <p:ph type="title"/>
           </p:nvPr>
@@ -9315,12 +9730,12 @@
           </a:prstGeom>
         </p:spPr>
         <p:txBody>
-          <a:bodyPr spcFirstLastPara="1" wrap="square" lIns="91425" tIns="91425" rIns="91425" bIns="91425" anchor="b" anchorCtr="0">
+          <a:bodyPr anchorCtr="0" anchor="b" bIns="91425" lIns="91425" spcFirstLastPara="1" rIns="91425" wrap="square" tIns="91425">
             <a:normAutofit/>
           </a:bodyPr>
           <a:lstStyle/>
           <a:p>
-            <a:pPr marL="0" lvl="0" indent="0" algn="l" rtl="0">
+            <a:pPr indent="0" lvl="0" marL="0" rtl="0" algn="l">
               <a:spcBef>
                 <a:spcPts val="0"/>
               </a:spcBef>
@@ -9339,12 +9754,10 @@
       </p:sp>
       <p:sp>
         <p:nvSpPr>
-          <p:cNvPr id="112" name="Google Shape;112;p21"/>
-          <p:cNvSpPr txBox="1">
-            <a:spLocks noGrp="1"/>
-          </p:cNvSpPr>
+          <p:cNvPr id="114" name="Google Shape;114;p21"/>
+          <p:cNvSpPr txBox="1"/>
           <p:nvPr>
-            <p:ph type="body" idx="1"/>
+            <p:ph idx="1" type="body"/>
           </p:nvPr>
         </p:nvSpPr>
         <p:spPr>
@@ -9357,12 +9770,12 @@
           </a:prstGeom>
         </p:spPr>
         <p:txBody>
-          <a:bodyPr spcFirstLastPara="1" wrap="square" lIns="91425" tIns="91425" rIns="91425" bIns="91425" anchor="t" anchorCtr="0">
+          <a:bodyPr anchorCtr="0" anchor="t" bIns="91425" lIns="91425" spcFirstLastPara="1" rIns="91425" wrap="square" tIns="91425">
             <a:normAutofit/>
           </a:bodyPr>
           <a:lstStyle/>
           <a:p>
-            <a:pPr marL="457200" lvl="0" indent="-342900" algn="l" rtl="0">
+            <a:pPr indent="-342900" lvl="0" marL="457200" rtl="0" algn="l">
               <a:spcBef>
                 <a:spcPts val="0"/>
               </a:spcBef>
@@ -9379,7 +9792,7 @@
             <a:endParaRPr/>
           </a:p>
           <a:p>
-            <a:pPr marL="914400" lvl="1" indent="-317500" algn="l" rtl="0">
+            <a:pPr indent="-317500" lvl="1" marL="914400" rtl="0" algn="l">
               <a:spcBef>
                 <a:spcPts val="0"/>
               </a:spcBef>
@@ -9396,7 +9809,7 @@
             <a:endParaRPr/>
           </a:p>
           <a:p>
-            <a:pPr marL="457200" lvl="0" indent="-342900" algn="l" rtl="0">
+            <a:pPr indent="-342900" lvl="0" marL="457200" rtl="0" algn="l">
               <a:spcBef>
                 <a:spcPts val="0"/>
               </a:spcBef>
@@ -9413,7 +9826,7 @@
             <a:endParaRPr/>
           </a:p>
           <a:p>
-            <a:pPr marL="914400" lvl="1" indent="-317500" algn="l" rtl="0">
+            <a:pPr indent="-317500" lvl="1" marL="914400" rtl="0" algn="l">
               <a:spcBef>
                 <a:spcPts val="0"/>
               </a:spcBef>
@@ -9430,7 +9843,7 @@
             <a:endParaRPr/>
           </a:p>
           <a:p>
-            <a:pPr marL="914400" lvl="1" indent="-317500" algn="l" rtl="0">
+            <a:pPr indent="-317500" lvl="1" marL="914400" rtl="0" algn="l">
               <a:spcBef>
                 <a:spcPts val="0"/>
               </a:spcBef>
@@ -9447,7 +9860,7 @@
             <a:endParaRPr/>
           </a:p>
           <a:p>
-            <a:pPr marL="457200" lvl="0" indent="-342900" algn="l" rtl="0">
+            <a:pPr indent="-342900" lvl="0" marL="457200" rtl="0" algn="l">
               <a:spcBef>
                 <a:spcPts val="0"/>
               </a:spcBef>
@@ -9464,7 +9877,7 @@
             <a:endParaRPr/>
           </a:p>
           <a:p>
-            <a:pPr marL="914400" lvl="1" indent="-317500" algn="l" rtl="0">
+            <a:pPr indent="-317500" lvl="1" marL="914400" rtl="0" algn="l">
               <a:spcBef>
                 <a:spcPts val="0"/>
               </a:spcBef>
@@ -9491,7 +9904,7 @@
 </file>
 
 <file path=ppt/theme/theme1.xml><?xml version="1.0" encoding="utf-8"?>
-<a:theme xmlns:a="http://schemas.openxmlformats.org/drawingml/2006/main" name="Marina">
+<a:theme xmlns:a="http://schemas.openxmlformats.org/drawingml/2006/main" xmlns:r="http://schemas.openxmlformats.org/officeDocument/2006/relationships" name="Marina">
   <a:themeElements>
     <a:clrScheme name="Marina">
       <a:dk1>
@@ -9766,13 +10179,11 @@
       </a:bgFillStyleLst>
     </a:fmtScheme>
   </a:themeElements>
-  <a:objectDefaults/>
-  <a:extraClrSchemeLst/>
 </a:theme>
 </file>
 
 <file path=ppt/theme/theme2.xml><?xml version="1.0" encoding="utf-8"?>
-<a:theme xmlns:a="http://schemas.openxmlformats.org/drawingml/2006/main">
+<a:theme xmlns:a="http://schemas.openxmlformats.org/drawingml/2006/main" xmlns:r="http://schemas.openxmlformats.org/officeDocument/2006/relationships">
   <a:themeElements>
     <a:clrScheme name="Default">
       <a:dk1>
@@ -10047,7 +10458,5 @@
       </a:bgFillStyleLst>
     </a:fmtScheme>
   </a:themeElements>
-  <a:objectDefaults/>
-  <a:extraClrSchemeLst/>
 </a:theme>
 </file>